--- a/presentation/Design_Pattern_Slide.pptx
+++ b/presentation/Design_Pattern_Slide.pptx
@@ -5,34 +5,38 @@
     <p:sldMasterId id="2147483648" r:id="rId1"/>
   </p:sldMasterIdLst>
   <p:notesMasterIdLst>
-    <p:notesMasterId r:id="rId10"/>
+    <p:notesMasterId r:id="rId14"/>
   </p:notesMasterIdLst>
   <p:sldIdLst>
     <p:sldId id="256" r:id="rId2"/>
     <p:sldId id="257" r:id="rId3"/>
     <p:sldId id="258" r:id="rId4"/>
-    <p:sldId id="259" r:id="rId5"/>
-    <p:sldId id="269" r:id="rId6"/>
+    <p:sldId id="269" r:id="rId5"/>
+    <p:sldId id="259" r:id="rId6"/>
     <p:sldId id="268" r:id="rId7"/>
     <p:sldId id="270" r:id="rId8"/>
-    <p:sldId id="264" r:id="rId9"/>
+    <p:sldId id="271" r:id="rId9"/>
+    <p:sldId id="272" r:id="rId10"/>
+    <p:sldId id="273" r:id="rId11"/>
+    <p:sldId id="274" r:id="rId12"/>
+    <p:sldId id="264" r:id="rId13"/>
   </p:sldIdLst>
   <p:sldSz cx="9144000" cy="6858000" type="screen4x3"/>
   <p:notesSz cx="6858000" cy="9144000"/>
   <p:embeddedFontLst>
     <p:embeddedFont>
       <p:font typeface="Lato" panose="020B0604020202020204" charset="0"/>
-      <p:regular r:id="rId11"/>
-      <p:bold r:id="rId12"/>
-      <p:italic r:id="rId13"/>
-      <p:boldItalic r:id="rId14"/>
-    </p:embeddedFont>
-    <p:embeddedFont>
-      <p:font typeface="Calibri" panose="020F0502020204030204" pitchFamily="34" charset="0"/>
       <p:regular r:id="rId15"/>
       <p:bold r:id="rId16"/>
       <p:italic r:id="rId17"/>
       <p:boldItalic r:id="rId18"/>
+    </p:embeddedFont>
+    <p:embeddedFont>
+      <p:font typeface="Calibri" panose="020F0502020204030204" pitchFamily="34" charset="0"/>
+      <p:regular r:id="rId19"/>
+      <p:bold r:id="rId20"/>
+      <p:italic r:id="rId21"/>
+      <p:boldItalic r:id="rId22"/>
     </p:embeddedFont>
   </p:embeddedFontLst>
   <p:defaultTextStyle>
@@ -269,7 +273,7 @@
       <p15:sldGuideLst xmlns:p15="http://schemas.microsoft.com/office/powerpoint/2012/main"/>
     </p:ext>
     <p:ext uri="http://customooxmlschemas.google.com/">
-      <go:slidesCustomData xmlns:go="http://customooxmlschemas.google.com/" xmlns:ahyp="http://schemas.microsoft.com/office/drawing/2018/hyperlinkcolor" xmlns:p15="http://schemas.microsoft.com/office/powerpoint/2012/main" xmlns:p14="http://schemas.microsoft.com/office/powerpoint/2010/main" xmlns:com="http://schemas.openxmlformats.org/drawingml/2006/compatibility" xmlns:pvml="urn:schemas-microsoft-com:office:powerpoint" xmlns:v="urn:schemas-microsoft-com:vml" xmlns:o="urn:schemas-microsoft-com:office:office" xmlns:dgm="http://schemas.openxmlformats.org/drawingml/2006/diagram" xmlns:c="http://schemas.openxmlformats.org/drawingml/2006/chart" xmlns:mv="urn:schemas-microsoft-com:mac:vml" xmlns:mc="http://schemas.openxmlformats.org/markup-compatibility/2006" xmlns="" r:id="rId32" roundtripDataSignature="AMtx7mj558g+zs1o7BnEogSEStSFHJZ7WA=="/>
+      <go:slidesCustomData xmlns="" xmlns:mc="http://schemas.openxmlformats.org/markup-compatibility/2006" xmlns:mv="urn:schemas-microsoft-com:mac:vml" xmlns:c="http://schemas.openxmlformats.org/drawingml/2006/chart" xmlns:dgm="http://schemas.openxmlformats.org/drawingml/2006/diagram" xmlns:o="urn:schemas-microsoft-com:office:office" xmlns:v="urn:schemas-microsoft-com:vml" xmlns:pvml="urn:schemas-microsoft-com:office:powerpoint" xmlns:com="http://schemas.openxmlformats.org/drawingml/2006/compatibility" xmlns:p14="http://schemas.microsoft.com/office/powerpoint/2010/main" xmlns:p15="http://schemas.microsoft.com/office/powerpoint/2012/main" xmlns:ahyp="http://schemas.microsoft.com/office/drawing/2018/hyperlinkcolor" xmlns:go="http://customooxmlschemas.google.com/" r:id="rId32" roundtripDataSignature="AMtx7mj558g+zs1o7BnEogSEStSFHJZ7WA=="/>
     </p:ext>
   </p:extLst>
 </p:presentation>
@@ -1850,6 +1854,382 @@
 </p:notes>
 </file>
 
+<file path=ppt/notesSlides/notesSlide10.xml><?xml version="1.0" encoding="utf-8"?>
+<p:notes xmlns:a="http://schemas.openxmlformats.org/drawingml/2006/main" xmlns:r="http://schemas.openxmlformats.org/officeDocument/2006/relationships" xmlns:p="http://schemas.openxmlformats.org/presentationml/2006/main" showMasterSp="0" showMasterPhAnim="0">
+  <p:cSld>
+    <p:spTree>
+      <p:nvGrpSpPr>
+        <p:cNvPr id="1" name="Shape 68"/>
+        <p:cNvGrpSpPr/>
+        <p:nvPr/>
+      </p:nvGrpSpPr>
+      <p:grpSpPr>
+        <a:xfrm>
+          <a:off x="0" y="0"/>
+          <a:ext cx="0" cy="0"/>
+          <a:chOff x="0" y="0"/>
+          <a:chExt cx="0" cy="0"/>
+        </a:xfrm>
+      </p:grpSpPr>
+      <p:sp>
+        <p:nvSpPr>
+          <p:cNvPr id="69" name="Google Shape;69;g13a90a8876c_0_1:notes"/>
+          <p:cNvSpPr txBox="1">
+            <a:spLocks noGrp="1"/>
+          </p:cNvSpPr>
+          <p:nvPr>
+            <p:ph type="body" idx="1"/>
+          </p:nvPr>
+        </p:nvSpPr>
+        <p:spPr>
+          <a:xfrm>
+            <a:off x="685800" y="4400550"/>
+            <a:ext cx="5486400" cy="3600600"/>
+          </a:xfrm>
+          <a:prstGeom prst="rect">
+            <a:avLst/>
+          </a:prstGeom>
+          <a:noFill/>
+          <a:ln>
+            <a:noFill/>
+          </a:ln>
+        </p:spPr>
+        <p:txBody>
+          <a:bodyPr spcFirstLastPara="1" wrap="square" lIns="91425" tIns="45700" rIns="91425" bIns="45700" anchor="t" anchorCtr="0">
+            <a:noAutofit/>
+          </a:bodyPr>
+          <a:lstStyle/>
+          <a:p>
+            <a:pPr marL="0" lvl="0" indent="0" algn="l" rtl="0">
+              <a:lnSpc>
+                <a:spcPct val="100000"/>
+              </a:lnSpc>
+              <a:spcBef>
+                <a:spcPts val="0"/>
+              </a:spcBef>
+              <a:spcAft>
+                <a:spcPts val="0"/>
+              </a:spcAft>
+              <a:buSzPts val="1400"/>
+              <a:buNone/>
+            </a:pPr>
+            <a:endParaRPr/>
+          </a:p>
+        </p:txBody>
+      </p:sp>
+      <p:sp>
+        <p:nvSpPr>
+          <p:cNvPr id="70" name="Google Shape;70;g13a90a8876c_0_1:notes"/>
+          <p:cNvSpPr>
+            <a:spLocks noGrp="1" noRot="1" noChangeAspect="1"/>
+          </p:cNvSpPr>
+          <p:nvPr>
+            <p:ph type="sldImg" idx="2"/>
+          </p:nvPr>
+        </p:nvSpPr>
+        <p:spPr>
+          <a:xfrm>
+            <a:off x="1371600" y="1143000"/>
+            <a:ext cx="4114800" cy="3086100"/>
+          </a:xfrm>
+          <a:custGeom>
+            <a:avLst/>
+            <a:gdLst/>
+            <a:ahLst/>
+            <a:cxnLst/>
+            <a:rect l="l" t="t" r="r" b="b"/>
+            <a:pathLst>
+              <a:path w="120000" h="120000" extrusionOk="0">
+                <a:moveTo>
+                  <a:pt x="0" y="0"/>
+                </a:moveTo>
+                <a:lnTo>
+                  <a:pt x="120000" y="0"/>
+                </a:lnTo>
+                <a:lnTo>
+                  <a:pt x="120000" y="120000"/>
+                </a:lnTo>
+                <a:lnTo>
+                  <a:pt x="0" y="120000"/>
+                </a:lnTo>
+                <a:close/>
+              </a:path>
+            </a:pathLst>
+          </a:custGeom>
+          <a:noFill/>
+          <a:ln w="12700" cap="flat" cmpd="sng">
+            <a:solidFill>
+              <a:srgbClr val="000000"/>
+            </a:solidFill>
+            <a:prstDash val="solid"/>
+            <a:round/>
+            <a:headEnd type="none" w="sm" len="sm"/>
+            <a:tailEnd type="none" w="sm" len="sm"/>
+          </a:ln>
+        </p:spPr>
+      </p:sp>
+    </p:spTree>
+    <p:extLst>
+      <p:ext uri="{BB962C8B-B14F-4D97-AF65-F5344CB8AC3E}">
+        <p14:creationId xmlns:p14="http://schemas.microsoft.com/office/powerpoint/2010/main" val="1189222992"/>
+      </p:ext>
+    </p:extLst>
+  </p:cSld>
+  <p:clrMapOvr>
+    <a:masterClrMapping/>
+  </p:clrMapOvr>
+</p:notes>
+</file>
+
+<file path=ppt/notesSlides/notesSlide11.xml><?xml version="1.0" encoding="utf-8"?>
+<p:notes xmlns:a="http://schemas.openxmlformats.org/drawingml/2006/main" xmlns:r="http://schemas.openxmlformats.org/officeDocument/2006/relationships" xmlns:p="http://schemas.openxmlformats.org/presentationml/2006/main" showMasterSp="0" showMasterPhAnim="0">
+  <p:cSld>
+    <p:spTree>
+      <p:nvGrpSpPr>
+        <p:cNvPr id="1" name="Shape 68"/>
+        <p:cNvGrpSpPr/>
+        <p:nvPr/>
+      </p:nvGrpSpPr>
+      <p:grpSpPr>
+        <a:xfrm>
+          <a:off x="0" y="0"/>
+          <a:ext cx="0" cy="0"/>
+          <a:chOff x="0" y="0"/>
+          <a:chExt cx="0" cy="0"/>
+        </a:xfrm>
+      </p:grpSpPr>
+      <p:sp>
+        <p:nvSpPr>
+          <p:cNvPr id="69" name="Google Shape;69;g13a90a8876c_0_1:notes"/>
+          <p:cNvSpPr txBox="1">
+            <a:spLocks noGrp="1"/>
+          </p:cNvSpPr>
+          <p:nvPr>
+            <p:ph type="body" idx="1"/>
+          </p:nvPr>
+        </p:nvSpPr>
+        <p:spPr>
+          <a:xfrm>
+            <a:off x="685800" y="4400550"/>
+            <a:ext cx="5486400" cy="3600600"/>
+          </a:xfrm>
+          <a:prstGeom prst="rect">
+            <a:avLst/>
+          </a:prstGeom>
+          <a:noFill/>
+          <a:ln>
+            <a:noFill/>
+          </a:ln>
+        </p:spPr>
+        <p:txBody>
+          <a:bodyPr spcFirstLastPara="1" wrap="square" lIns="91425" tIns="45700" rIns="91425" bIns="45700" anchor="t" anchorCtr="0">
+            <a:noAutofit/>
+          </a:bodyPr>
+          <a:lstStyle/>
+          <a:p>
+            <a:pPr marL="0" lvl="0" indent="0" algn="l" rtl="0">
+              <a:lnSpc>
+                <a:spcPct val="100000"/>
+              </a:lnSpc>
+              <a:spcBef>
+                <a:spcPts val="0"/>
+              </a:spcBef>
+              <a:spcAft>
+                <a:spcPts val="0"/>
+              </a:spcAft>
+              <a:buSzPts val="1400"/>
+              <a:buNone/>
+            </a:pPr>
+            <a:endParaRPr/>
+          </a:p>
+        </p:txBody>
+      </p:sp>
+      <p:sp>
+        <p:nvSpPr>
+          <p:cNvPr id="70" name="Google Shape;70;g13a90a8876c_0_1:notes"/>
+          <p:cNvSpPr>
+            <a:spLocks noGrp="1" noRot="1" noChangeAspect="1"/>
+          </p:cNvSpPr>
+          <p:nvPr>
+            <p:ph type="sldImg" idx="2"/>
+          </p:nvPr>
+        </p:nvSpPr>
+        <p:spPr>
+          <a:xfrm>
+            <a:off x="1371600" y="1143000"/>
+            <a:ext cx="4114800" cy="3086100"/>
+          </a:xfrm>
+          <a:custGeom>
+            <a:avLst/>
+            <a:gdLst/>
+            <a:ahLst/>
+            <a:cxnLst/>
+            <a:rect l="l" t="t" r="r" b="b"/>
+            <a:pathLst>
+              <a:path w="120000" h="120000" extrusionOk="0">
+                <a:moveTo>
+                  <a:pt x="0" y="0"/>
+                </a:moveTo>
+                <a:lnTo>
+                  <a:pt x="120000" y="0"/>
+                </a:lnTo>
+                <a:lnTo>
+                  <a:pt x="120000" y="120000"/>
+                </a:lnTo>
+                <a:lnTo>
+                  <a:pt x="0" y="120000"/>
+                </a:lnTo>
+                <a:close/>
+              </a:path>
+            </a:pathLst>
+          </a:custGeom>
+          <a:noFill/>
+          <a:ln w="12700" cap="flat" cmpd="sng">
+            <a:solidFill>
+              <a:srgbClr val="000000"/>
+            </a:solidFill>
+            <a:prstDash val="solid"/>
+            <a:round/>
+            <a:headEnd type="none" w="sm" len="sm"/>
+            <a:tailEnd type="none" w="sm" len="sm"/>
+          </a:ln>
+        </p:spPr>
+      </p:sp>
+    </p:spTree>
+    <p:extLst>
+      <p:ext uri="{BB962C8B-B14F-4D97-AF65-F5344CB8AC3E}">
+        <p14:creationId xmlns:p14="http://schemas.microsoft.com/office/powerpoint/2010/main" val="1427259786"/>
+      </p:ext>
+    </p:extLst>
+  </p:cSld>
+  <p:clrMapOvr>
+    <a:masterClrMapping/>
+  </p:clrMapOvr>
+</p:notes>
+</file>
+
+<file path=ppt/notesSlides/notesSlide12.xml><?xml version="1.0" encoding="utf-8"?>
+<p:notes xmlns:a="http://schemas.openxmlformats.org/drawingml/2006/main" xmlns:r="http://schemas.openxmlformats.org/officeDocument/2006/relationships" xmlns:p="http://schemas.openxmlformats.org/presentationml/2006/main" showMasterSp="0" showMasterPhAnim="0">
+  <p:cSld>
+    <p:spTree>
+      <p:nvGrpSpPr>
+        <p:cNvPr id="1" name="Shape 102"/>
+        <p:cNvGrpSpPr/>
+        <p:nvPr/>
+      </p:nvGrpSpPr>
+      <p:grpSpPr>
+        <a:xfrm>
+          <a:off x="0" y="0"/>
+          <a:ext cx="0" cy="0"/>
+          <a:chOff x="0" y="0"/>
+          <a:chExt cx="0" cy="0"/>
+        </a:xfrm>
+      </p:grpSpPr>
+      <p:sp>
+        <p:nvSpPr>
+          <p:cNvPr id="103" name="Google Shape;103;p9:notes"/>
+          <p:cNvSpPr txBox="1">
+            <a:spLocks noGrp="1"/>
+          </p:cNvSpPr>
+          <p:nvPr>
+            <p:ph type="body" idx="1"/>
+          </p:nvPr>
+        </p:nvSpPr>
+        <p:spPr>
+          <a:xfrm>
+            <a:off x="685800" y="4400550"/>
+            <a:ext cx="5486400" cy="3600450"/>
+          </a:xfrm>
+          <a:prstGeom prst="rect">
+            <a:avLst/>
+          </a:prstGeom>
+          <a:noFill/>
+          <a:ln>
+            <a:noFill/>
+          </a:ln>
+        </p:spPr>
+        <p:txBody>
+          <a:bodyPr spcFirstLastPara="1" wrap="square" lIns="91425" tIns="45700" rIns="91425" bIns="45700" anchor="t" anchorCtr="0">
+            <a:noAutofit/>
+          </a:bodyPr>
+          <a:lstStyle/>
+          <a:p>
+            <a:pPr marL="0" lvl="0" indent="0" algn="l" rtl="0">
+              <a:lnSpc>
+                <a:spcPct val="100000"/>
+              </a:lnSpc>
+              <a:spcBef>
+                <a:spcPts val="0"/>
+              </a:spcBef>
+              <a:spcAft>
+                <a:spcPts val="0"/>
+              </a:spcAft>
+              <a:buSzPts val="1400"/>
+              <a:buNone/>
+            </a:pPr>
+            <a:endParaRPr/>
+          </a:p>
+        </p:txBody>
+      </p:sp>
+      <p:sp>
+        <p:nvSpPr>
+          <p:cNvPr id="104" name="Google Shape;104;p9:notes"/>
+          <p:cNvSpPr>
+            <a:spLocks noGrp="1" noRot="1" noChangeAspect="1"/>
+          </p:cNvSpPr>
+          <p:nvPr>
+            <p:ph type="sldImg" idx="2"/>
+          </p:nvPr>
+        </p:nvSpPr>
+        <p:spPr>
+          <a:xfrm>
+            <a:off x="1371600" y="1143000"/>
+            <a:ext cx="4114800" cy="3086100"/>
+          </a:xfrm>
+          <a:custGeom>
+            <a:avLst/>
+            <a:gdLst/>
+            <a:ahLst/>
+            <a:cxnLst/>
+            <a:rect l="l" t="t" r="r" b="b"/>
+            <a:pathLst>
+              <a:path w="120000" h="120000" extrusionOk="0">
+                <a:moveTo>
+                  <a:pt x="0" y="0"/>
+                </a:moveTo>
+                <a:lnTo>
+                  <a:pt x="120000" y="0"/>
+                </a:lnTo>
+                <a:lnTo>
+                  <a:pt x="120000" y="120000"/>
+                </a:lnTo>
+                <a:lnTo>
+                  <a:pt x="0" y="120000"/>
+                </a:lnTo>
+                <a:close/>
+              </a:path>
+            </a:pathLst>
+          </a:custGeom>
+          <a:noFill/>
+          <a:ln w="12700" cap="flat" cmpd="sng">
+            <a:solidFill>
+              <a:srgbClr val="000000"/>
+            </a:solidFill>
+            <a:prstDash val="solid"/>
+            <a:round/>
+            <a:headEnd type="none" w="sm" len="sm"/>
+            <a:tailEnd type="none" w="sm" len="sm"/>
+          </a:ln>
+        </p:spPr>
+      </p:sp>
+    </p:spTree>
+  </p:cSld>
+  <p:clrMapOvr>
+    <a:masterClrMapping/>
+  </p:clrMapOvr>
+</p:notes>
+</file>
+
 <file path=ppt/notesSlides/notesSlide2.xml><?xml version="1.0" encoding="utf-8"?>
 <p:notes xmlns:a="http://schemas.openxmlformats.org/drawingml/2006/main" xmlns:r="http://schemas.openxmlformats.org/officeDocument/2006/relationships" xmlns:p="http://schemas.openxmlformats.org/presentationml/2006/main" showMasterSp="0" showMasterPhAnim="0">
   <p:cSld>
@@ -2209,6 +2589,11 @@
         </p:spPr>
       </p:sp>
     </p:spTree>
+    <p:extLst>
+      <p:ext uri="{BB962C8B-B14F-4D97-AF65-F5344CB8AC3E}">
+        <p14:creationId xmlns:p14="http://schemas.microsoft.com/office/powerpoint/2010/main" val="885207554"/>
+      </p:ext>
+    </p:extLst>
   </p:cSld>
   <p:clrMapOvr>
     <a:masterClrMapping/>
@@ -2331,11 +2716,6 @@
         </p:spPr>
       </p:sp>
     </p:spTree>
-    <p:extLst>
-      <p:ext uri="{BB962C8B-B14F-4D97-AF65-F5344CB8AC3E}">
-        <p14:creationId xmlns:p14="http://schemas.microsoft.com/office/powerpoint/2010/main" val="885207554"/>
-      </p:ext>
-    </p:extLst>
   </p:cSld>
   <p:clrMapOvr>
     <a:masterClrMapping/>
@@ -2602,7 +2982,7 @@
   <p:cSld>
     <p:spTree>
       <p:nvGrpSpPr>
-        <p:cNvPr id="1" name="Shape 102"/>
+        <p:cNvPr id="1" name="Shape 68"/>
         <p:cNvGrpSpPr/>
         <p:nvPr/>
       </p:nvGrpSpPr>
@@ -2616,7 +2996,7 @@
       </p:grpSpPr>
       <p:sp>
         <p:nvSpPr>
-          <p:cNvPr id="103" name="Google Shape;103;p9:notes"/>
+          <p:cNvPr id="69" name="Google Shape;69;g13a90a8876c_0_1:notes"/>
           <p:cNvSpPr txBox="1">
             <a:spLocks noGrp="1"/>
           </p:cNvSpPr>
@@ -2627,7 +3007,7 @@
         <p:spPr>
           <a:xfrm>
             <a:off x="685800" y="4400550"/>
-            <a:ext cx="5486400" cy="3600450"/>
+            <a:ext cx="5486400" cy="3600600"/>
           </a:xfrm>
           <a:prstGeom prst="rect">
             <a:avLst/>
@@ -2662,7 +3042,7 @@
       </p:sp>
       <p:sp>
         <p:nvSpPr>
-          <p:cNvPr id="104" name="Google Shape;104;p9:notes"/>
+          <p:cNvPr id="70" name="Google Shape;70;g13a90a8876c_0_1:notes"/>
           <p:cNvSpPr>
             <a:spLocks noGrp="1" noRot="1" noChangeAspect="1"/>
           </p:cNvSpPr>
@@ -2712,6 +3092,138 @@
         </p:spPr>
       </p:sp>
     </p:spTree>
+    <p:extLst>
+      <p:ext uri="{BB962C8B-B14F-4D97-AF65-F5344CB8AC3E}">
+        <p14:creationId xmlns:p14="http://schemas.microsoft.com/office/powerpoint/2010/main" val="1092856748"/>
+      </p:ext>
+    </p:extLst>
+  </p:cSld>
+  <p:clrMapOvr>
+    <a:masterClrMapping/>
+  </p:clrMapOvr>
+</p:notes>
+</file>
+
+<file path=ppt/notesSlides/notesSlide9.xml><?xml version="1.0" encoding="utf-8"?>
+<p:notes xmlns:a="http://schemas.openxmlformats.org/drawingml/2006/main" xmlns:r="http://schemas.openxmlformats.org/officeDocument/2006/relationships" xmlns:p="http://schemas.openxmlformats.org/presentationml/2006/main" showMasterSp="0" showMasterPhAnim="0">
+  <p:cSld>
+    <p:spTree>
+      <p:nvGrpSpPr>
+        <p:cNvPr id="1" name="Shape 68"/>
+        <p:cNvGrpSpPr/>
+        <p:nvPr/>
+      </p:nvGrpSpPr>
+      <p:grpSpPr>
+        <a:xfrm>
+          <a:off x="0" y="0"/>
+          <a:ext cx="0" cy="0"/>
+          <a:chOff x="0" y="0"/>
+          <a:chExt cx="0" cy="0"/>
+        </a:xfrm>
+      </p:grpSpPr>
+      <p:sp>
+        <p:nvSpPr>
+          <p:cNvPr id="69" name="Google Shape;69;g13a90a8876c_0_1:notes"/>
+          <p:cNvSpPr txBox="1">
+            <a:spLocks noGrp="1"/>
+          </p:cNvSpPr>
+          <p:nvPr>
+            <p:ph type="body" idx="1"/>
+          </p:nvPr>
+        </p:nvSpPr>
+        <p:spPr>
+          <a:xfrm>
+            <a:off x="685800" y="4400550"/>
+            <a:ext cx="5486400" cy="3600600"/>
+          </a:xfrm>
+          <a:prstGeom prst="rect">
+            <a:avLst/>
+          </a:prstGeom>
+          <a:noFill/>
+          <a:ln>
+            <a:noFill/>
+          </a:ln>
+        </p:spPr>
+        <p:txBody>
+          <a:bodyPr spcFirstLastPara="1" wrap="square" lIns="91425" tIns="45700" rIns="91425" bIns="45700" anchor="t" anchorCtr="0">
+            <a:noAutofit/>
+          </a:bodyPr>
+          <a:lstStyle/>
+          <a:p>
+            <a:pPr marL="0" lvl="0" indent="0" algn="l" rtl="0">
+              <a:lnSpc>
+                <a:spcPct val="100000"/>
+              </a:lnSpc>
+              <a:spcBef>
+                <a:spcPts val="0"/>
+              </a:spcBef>
+              <a:spcAft>
+                <a:spcPts val="0"/>
+              </a:spcAft>
+              <a:buSzPts val="1400"/>
+              <a:buNone/>
+            </a:pPr>
+            <a:endParaRPr/>
+          </a:p>
+        </p:txBody>
+      </p:sp>
+      <p:sp>
+        <p:nvSpPr>
+          <p:cNvPr id="70" name="Google Shape;70;g13a90a8876c_0_1:notes"/>
+          <p:cNvSpPr>
+            <a:spLocks noGrp="1" noRot="1" noChangeAspect="1"/>
+          </p:cNvSpPr>
+          <p:nvPr>
+            <p:ph type="sldImg" idx="2"/>
+          </p:nvPr>
+        </p:nvSpPr>
+        <p:spPr>
+          <a:xfrm>
+            <a:off x="1371600" y="1143000"/>
+            <a:ext cx="4114800" cy="3086100"/>
+          </a:xfrm>
+          <a:custGeom>
+            <a:avLst/>
+            <a:gdLst/>
+            <a:ahLst/>
+            <a:cxnLst/>
+            <a:rect l="l" t="t" r="r" b="b"/>
+            <a:pathLst>
+              <a:path w="120000" h="120000" extrusionOk="0">
+                <a:moveTo>
+                  <a:pt x="0" y="0"/>
+                </a:moveTo>
+                <a:lnTo>
+                  <a:pt x="120000" y="0"/>
+                </a:lnTo>
+                <a:lnTo>
+                  <a:pt x="120000" y="120000"/>
+                </a:lnTo>
+                <a:lnTo>
+                  <a:pt x="0" y="120000"/>
+                </a:lnTo>
+                <a:close/>
+              </a:path>
+            </a:pathLst>
+          </a:custGeom>
+          <a:noFill/>
+          <a:ln w="12700" cap="flat" cmpd="sng">
+            <a:solidFill>
+              <a:srgbClr val="000000"/>
+            </a:solidFill>
+            <a:prstDash val="solid"/>
+            <a:round/>
+            <a:headEnd type="none" w="sm" len="sm"/>
+            <a:tailEnd type="none" w="sm" len="sm"/>
+          </a:ln>
+        </p:spPr>
+      </p:sp>
+    </p:spTree>
+    <p:extLst>
+      <p:ext uri="{BB962C8B-B14F-4D97-AF65-F5344CB8AC3E}">
+        <p14:creationId xmlns:p14="http://schemas.microsoft.com/office/powerpoint/2010/main" val="3618944390"/>
+      </p:ext>
+    </p:extLst>
   </p:cSld>
   <p:clrMapOvr>
     <a:masterClrMapping/>
@@ -11497,7 +12009,7 @@
         <p:fade/>
       </p:transition>
     </mc:Choice>
-    <mc:Fallback xmlns:ahyp="http://schemas.microsoft.com/office/drawing/2018/hyperlinkcolor" xmlns:p15="http://schemas.microsoft.com/office/powerpoint/2012/main" xmlns:com="http://schemas.openxmlformats.org/drawingml/2006/compatibility" xmlns:pvml="urn:schemas-microsoft-com:office:powerpoint" xmlns:v="urn:schemas-microsoft-com:vml" xmlns:o="urn:schemas-microsoft-com:office:office" xmlns:dgm="http://schemas.openxmlformats.org/drawingml/2006/diagram" xmlns:c="http://schemas.openxmlformats.org/drawingml/2006/chart" xmlns:mv="urn:schemas-microsoft-com:mac:vml" xmlns="">
+    <mc:Fallback xmlns="" xmlns:mv="urn:schemas-microsoft-com:mac:vml" xmlns:c="http://schemas.openxmlformats.org/drawingml/2006/chart" xmlns:dgm="http://schemas.openxmlformats.org/drawingml/2006/diagram" xmlns:o="urn:schemas-microsoft-com:office:office" xmlns:v="urn:schemas-microsoft-com:vml" xmlns:pvml="urn:schemas-microsoft-com:office:powerpoint" xmlns:com="http://schemas.openxmlformats.org/drawingml/2006/compatibility" xmlns:p15="http://schemas.microsoft.com/office/powerpoint/2012/main" xmlns:ahyp="http://schemas.microsoft.com/office/drawing/2018/hyperlinkcolor">
       <p:transition spd="slow">
         <p:fade/>
       </p:transition>
@@ -12213,6 +12725,774 @@
           <a:chExt cx="0" cy="0"/>
         </a:xfrm>
       </p:grpSpPr>
+    </p:spTree>
+  </p:cSld>
+  <p:clrMapOvr>
+    <a:masterClrMapping/>
+  </p:clrMapOvr>
+  <p:timing>
+    <p:tnLst>
+      <p:par>
+        <p:cTn id="1" dur="indefinite" restart="never" nodeType="tmRoot"/>
+      </p:par>
+    </p:tnLst>
+  </p:timing>
+</p:sld>
+</file>
+
+<file path=ppt/slides/slide10.xml><?xml version="1.0" encoding="utf-8"?>
+<p:sld xmlns:a="http://schemas.openxmlformats.org/drawingml/2006/main" xmlns:r="http://schemas.openxmlformats.org/officeDocument/2006/relationships" xmlns:p="http://schemas.openxmlformats.org/presentationml/2006/main">
+  <p:cSld>
+    <p:spTree>
+      <p:nvGrpSpPr>
+        <p:cNvPr id="1" name="Shape 71"/>
+        <p:cNvGrpSpPr/>
+        <p:nvPr/>
+      </p:nvGrpSpPr>
+      <p:grpSpPr>
+        <a:xfrm>
+          <a:off x="0" y="0"/>
+          <a:ext cx="0" cy="0"/>
+          <a:chOff x="0" y="0"/>
+          <a:chExt cx="0" cy="0"/>
+        </a:xfrm>
+      </p:grpSpPr>
+      <p:sp>
+        <p:nvSpPr>
+          <p:cNvPr id="72" name="Google Shape;72;g13a90a8876c_0_1"/>
+          <p:cNvSpPr txBox="1">
+            <a:spLocks noGrp="1"/>
+          </p:cNvSpPr>
+          <p:nvPr>
+            <p:ph type="sldNum" idx="12"/>
+          </p:nvPr>
+        </p:nvSpPr>
+        <p:spPr>
+          <a:xfrm>
+            <a:off x="6867383" y="6572126"/>
+            <a:ext cx="2057400" cy="365100"/>
+          </a:xfrm>
+          <a:prstGeom prst="rect">
+            <a:avLst/>
+          </a:prstGeom>
+          <a:noFill/>
+          <a:ln>
+            <a:noFill/>
+          </a:ln>
+        </p:spPr>
+        <p:txBody>
+          <a:bodyPr spcFirstLastPara="1" wrap="square" lIns="91425" tIns="45700" rIns="91425" bIns="45700" anchor="t" anchorCtr="0">
+            <a:noAutofit/>
+          </a:bodyPr>
+          <a:lstStyle/>
+          <a:p>
+            <a:pPr marL="0" lvl="0" indent="0" algn="r" rtl="0">
+              <a:lnSpc>
+                <a:spcPct val="100000"/>
+              </a:lnSpc>
+              <a:spcBef>
+                <a:spcPts val="0"/>
+              </a:spcBef>
+              <a:spcAft>
+                <a:spcPts val="0"/>
+              </a:spcAft>
+              <a:buSzPts val="1200"/>
+              <a:buNone/>
+            </a:pPr>
+            <a:fld id="{00000000-1234-1234-1234-123412341234}" type="slidenum">
+              <a:rPr lang="en-US"/>
+              <a:t>10</a:t>
+            </a:fld>
+            <a:endParaRPr/>
+          </a:p>
+        </p:txBody>
+      </p:sp>
+      <p:sp>
+        <p:nvSpPr>
+          <p:cNvPr id="73" name="Google Shape;73;g13a90a8876c_0_1"/>
+          <p:cNvSpPr txBox="1">
+            <a:spLocks noGrp="1"/>
+          </p:cNvSpPr>
+          <p:nvPr>
+            <p:ph type="title"/>
+          </p:nvPr>
+        </p:nvSpPr>
+        <p:spPr>
+          <a:xfrm>
+            <a:off x="235077" y="78613"/>
+            <a:ext cx="8673900" cy="451800"/>
+          </a:xfrm>
+          <a:prstGeom prst="rect">
+            <a:avLst/>
+          </a:prstGeom>
+          <a:noFill/>
+          <a:ln>
+            <a:noFill/>
+          </a:ln>
+        </p:spPr>
+        <p:txBody>
+          <a:bodyPr spcFirstLastPara="1" wrap="square" lIns="91425" tIns="45700" rIns="91425" bIns="45700" anchor="t" anchorCtr="0">
+            <a:noAutofit/>
+          </a:bodyPr>
+          <a:lstStyle/>
+          <a:p>
+            <a:pPr marL="0" lvl="0" indent="0" algn="l" rtl="0">
+              <a:lnSpc>
+                <a:spcPct val="90000"/>
+              </a:lnSpc>
+              <a:spcBef>
+                <a:spcPts val="0"/>
+              </a:spcBef>
+              <a:spcAft>
+                <a:spcPts val="0"/>
+              </a:spcAft>
+              <a:buSzPts val="2800"/>
+              <a:buNone/>
+            </a:pPr>
+            <a:r>
+              <a:rPr lang="en-US" dirty="0" smtClean="0">
+                <a:latin typeface="Arial"/>
+                <a:ea typeface="Arial"/>
+                <a:cs typeface="Arial"/>
+                <a:sym typeface="Arial"/>
+              </a:rPr>
+              <a:t>3. </a:t>
+            </a:r>
+            <a:r>
+              <a:rPr lang="en-US" dirty="0" err="1" smtClean="0">
+                <a:latin typeface="Arial"/>
+                <a:ea typeface="Arial"/>
+                <a:cs typeface="Arial"/>
+                <a:sym typeface="Arial"/>
+              </a:rPr>
+              <a:t>Đánh</a:t>
+            </a:r>
+            <a:r>
+              <a:rPr lang="en-US" dirty="0" smtClean="0">
+                <a:latin typeface="Arial"/>
+                <a:ea typeface="Arial"/>
+                <a:cs typeface="Arial"/>
+                <a:sym typeface="Arial"/>
+              </a:rPr>
+              <a:t> </a:t>
+            </a:r>
+            <a:r>
+              <a:rPr lang="en-US" dirty="0" err="1" smtClean="0">
+                <a:latin typeface="Arial"/>
+                <a:ea typeface="Arial"/>
+                <a:cs typeface="Arial"/>
+                <a:sym typeface="Arial"/>
+              </a:rPr>
+              <a:t>giá</a:t>
+            </a:r>
+            <a:r>
+              <a:rPr lang="en-US" dirty="0" smtClean="0">
+                <a:latin typeface="Arial"/>
+                <a:ea typeface="Arial"/>
+                <a:cs typeface="Arial"/>
+                <a:sym typeface="Arial"/>
+              </a:rPr>
+              <a:t>, refactor</a:t>
+            </a:r>
+            <a:endParaRPr dirty="0">
+              <a:latin typeface="Arial"/>
+              <a:ea typeface="Arial"/>
+              <a:cs typeface="Arial"/>
+              <a:sym typeface="Arial"/>
+            </a:endParaRPr>
+          </a:p>
+        </p:txBody>
+      </p:sp>
+      <p:sp>
+        <p:nvSpPr>
+          <p:cNvPr id="5" name="TextBox 4"/>
+          <p:cNvSpPr txBox="1"/>
+          <p:nvPr/>
+        </p:nvSpPr>
+        <p:spPr>
+          <a:xfrm>
+            <a:off x="301658" y="801278"/>
+            <a:ext cx="8484123" cy="461665"/>
+          </a:xfrm>
+          <a:prstGeom prst="rect">
+            <a:avLst/>
+          </a:prstGeom>
+          <a:noFill/>
+        </p:spPr>
+        <p:txBody>
+          <a:bodyPr wrap="square" rtlCol="0">
+            <a:spAutoFit/>
+          </a:bodyPr>
+          <a:lstStyle/>
+          <a:p>
+            <a:pPr>
+              <a:lnSpc>
+                <a:spcPct val="150000"/>
+              </a:lnSpc>
+            </a:pPr>
+            <a:r>
+              <a:rPr lang="en-US" sz="1600" b="1" dirty="0" smtClean="0"/>
+              <a:t>3.4. </a:t>
+            </a:r>
+            <a:r>
+              <a:rPr lang="en-US" sz="1600" b="1" dirty="0" err="1" smtClean="0"/>
+              <a:t>Các</a:t>
+            </a:r>
+            <a:r>
+              <a:rPr lang="en-US" sz="1600" b="1" dirty="0" smtClean="0"/>
+              <a:t> </a:t>
+            </a:r>
+            <a:r>
+              <a:rPr lang="en-US" sz="1600" b="1" dirty="0" err="1" smtClean="0"/>
+              <a:t>vấn</a:t>
+            </a:r>
+            <a:r>
+              <a:rPr lang="en-US" sz="1600" b="1" dirty="0" smtClean="0"/>
+              <a:t> </a:t>
+            </a:r>
+            <a:r>
+              <a:rPr lang="en-US" sz="1600" b="1" dirty="0" err="1" smtClean="0"/>
+              <a:t>đề</a:t>
+            </a:r>
+            <a:r>
+              <a:rPr lang="en-US" sz="1600" b="1" dirty="0" smtClean="0"/>
+              <a:t> </a:t>
+            </a:r>
+            <a:r>
+              <a:rPr lang="en-US" sz="1600" b="1" dirty="0" err="1" smtClean="0"/>
+              <a:t>về</a:t>
+            </a:r>
+            <a:r>
+              <a:rPr lang="en-US" sz="1600" b="1" dirty="0" smtClean="0"/>
+              <a:t> clean code</a:t>
+            </a:r>
+            <a:endParaRPr lang="en-US" sz="1200" dirty="0" smtClean="0">
+              <a:solidFill>
+                <a:srgbClr val="FF0000"/>
+              </a:solidFill>
+            </a:endParaRPr>
+          </a:p>
+        </p:txBody>
+      </p:sp>
+    </p:spTree>
+    <p:extLst>
+      <p:ext uri="{BB962C8B-B14F-4D97-AF65-F5344CB8AC3E}">
+        <p14:creationId xmlns:p14="http://schemas.microsoft.com/office/powerpoint/2010/main" val="281532326"/>
+      </p:ext>
+    </p:extLst>
+  </p:cSld>
+  <p:clrMapOvr>
+    <a:masterClrMapping/>
+  </p:clrMapOvr>
+  <p:timing>
+    <p:tnLst>
+      <p:par>
+        <p:cTn id="1" dur="indefinite" restart="never" nodeType="tmRoot"/>
+      </p:par>
+    </p:tnLst>
+  </p:timing>
+</p:sld>
+</file>
+
+<file path=ppt/slides/slide11.xml><?xml version="1.0" encoding="utf-8"?>
+<p:sld xmlns:a="http://schemas.openxmlformats.org/drawingml/2006/main" xmlns:r="http://schemas.openxmlformats.org/officeDocument/2006/relationships" xmlns:p="http://schemas.openxmlformats.org/presentationml/2006/main">
+  <p:cSld>
+    <p:spTree>
+      <p:nvGrpSpPr>
+        <p:cNvPr id="1" name="Shape 71"/>
+        <p:cNvGrpSpPr/>
+        <p:nvPr/>
+      </p:nvGrpSpPr>
+      <p:grpSpPr>
+        <a:xfrm>
+          <a:off x="0" y="0"/>
+          <a:ext cx="0" cy="0"/>
+          <a:chOff x="0" y="0"/>
+          <a:chExt cx="0" cy="0"/>
+        </a:xfrm>
+      </p:grpSpPr>
+      <p:sp>
+        <p:nvSpPr>
+          <p:cNvPr id="72" name="Google Shape;72;g13a90a8876c_0_1"/>
+          <p:cNvSpPr txBox="1">
+            <a:spLocks noGrp="1"/>
+          </p:cNvSpPr>
+          <p:nvPr>
+            <p:ph type="sldNum" idx="12"/>
+          </p:nvPr>
+        </p:nvSpPr>
+        <p:spPr>
+          <a:xfrm>
+            <a:off x="6867383" y="6572126"/>
+            <a:ext cx="2057400" cy="365100"/>
+          </a:xfrm>
+          <a:prstGeom prst="rect">
+            <a:avLst/>
+          </a:prstGeom>
+          <a:noFill/>
+          <a:ln>
+            <a:noFill/>
+          </a:ln>
+        </p:spPr>
+        <p:txBody>
+          <a:bodyPr spcFirstLastPara="1" wrap="square" lIns="91425" tIns="45700" rIns="91425" bIns="45700" anchor="t" anchorCtr="0">
+            <a:noAutofit/>
+          </a:bodyPr>
+          <a:lstStyle/>
+          <a:p>
+            <a:pPr marL="0" lvl="0" indent="0" algn="r" rtl="0">
+              <a:lnSpc>
+                <a:spcPct val="100000"/>
+              </a:lnSpc>
+              <a:spcBef>
+                <a:spcPts val="0"/>
+              </a:spcBef>
+              <a:spcAft>
+                <a:spcPts val="0"/>
+              </a:spcAft>
+              <a:buSzPts val="1200"/>
+              <a:buNone/>
+            </a:pPr>
+            <a:fld id="{00000000-1234-1234-1234-123412341234}" type="slidenum">
+              <a:rPr lang="en-US"/>
+              <a:t>11</a:t>
+            </a:fld>
+            <a:endParaRPr/>
+          </a:p>
+        </p:txBody>
+      </p:sp>
+      <p:sp>
+        <p:nvSpPr>
+          <p:cNvPr id="73" name="Google Shape;73;g13a90a8876c_0_1"/>
+          <p:cNvSpPr txBox="1">
+            <a:spLocks noGrp="1"/>
+          </p:cNvSpPr>
+          <p:nvPr>
+            <p:ph type="title"/>
+          </p:nvPr>
+        </p:nvSpPr>
+        <p:spPr>
+          <a:xfrm>
+            <a:off x="235077" y="78613"/>
+            <a:ext cx="8673900" cy="451800"/>
+          </a:xfrm>
+          <a:prstGeom prst="rect">
+            <a:avLst/>
+          </a:prstGeom>
+          <a:noFill/>
+          <a:ln>
+            <a:noFill/>
+          </a:ln>
+        </p:spPr>
+        <p:txBody>
+          <a:bodyPr spcFirstLastPara="1" wrap="square" lIns="91425" tIns="45700" rIns="91425" bIns="45700" anchor="t" anchorCtr="0">
+            <a:noAutofit/>
+          </a:bodyPr>
+          <a:lstStyle/>
+          <a:p>
+            <a:pPr marL="0" lvl="0" indent="0" algn="l" rtl="0">
+              <a:lnSpc>
+                <a:spcPct val="90000"/>
+              </a:lnSpc>
+              <a:spcBef>
+                <a:spcPts val="0"/>
+              </a:spcBef>
+              <a:spcAft>
+                <a:spcPts val="0"/>
+              </a:spcAft>
+              <a:buSzPts val="2800"/>
+              <a:buNone/>
+            </a:pPr>
+            <a:r>
+              <a:rPr lang="en-US" dirty="0" smtClean="0">
+                <a:latin typeface="Arial"/>
+                <a:ea typeface="Arial"/>
+                <a:cs typeface="Arial"/>
+                <a:sym typeface="Arial"/>
+              </a:rPr>
+              <a:t>3. </a:t>
+            </a:r>
+            <a:r>
+              <a:rPr lang="en-US" dirty="0" err="1" smtClean="0">
+                <a:latin typeface="Arial"/>
+                <a:ea typeface="Arial"/>
+                <a:cs typeface="Arial"/>
+                <a:sym typeface="Arial"/>
+              </a:rPr>
+              <a:t>Đánh</a:t>
+            </a:r>
+            <a:r>
+              <a:rPr lang="en-US" dirty="0" smtClean="0">
+                <a:latin typeface="Arial"/>
+                <a:ea typeface="Arial"/>
+                <a:cs typeface="Arial"/>
+                <a:sym typeface="Arial"/>
+              </a:rPr>
+              <a:t> </a:t>
+            </a:r>
+            <a:r>
+              <a:rPr lang="en-US" dirty="0" err="1" smtClean="0">
+                <a:latin typeface="Arial"/>
+                <a:ea typeface="Arial"/>
+                <a:cs typeface="Arial"/>
+                <a:sym typeface="Arial"/>
+              </a:rPr>
+              <a:t>giá</a:t>
+            </a:r>
+            <a:r>
+              <a:rPr lang="en-US" dirty="0" smtClean="0">
+                <a:latin typeface="Arial"/>
+                <a:ea typeface="Arial"/>
+                <a:cs typeface="Arial"/>
+                <a:sym typeface="Arial"/>
+              </a:rPr>
+              <a:t>, refactor</a:t>
+            </a:r>
+            <a:endParaRPr dirty="0">
+              <a:latin typeface="Arial"/>
+              <a:ea typeface="Arial"/>
+              <a:cs typeface="Arial"/>
+              <a:sym typeface="Arial"/>
+            </a:endParaRPr>
+          </a:p>
+        </p:txBody>
+      </p:sp>
+      <p:sp>
+        <p:nvSpPr>
+          <p:cNvPr id="5" name="TextBox 4"/>
+          <p:cNvSpPr txBox="1"/>
+          <p:nvPr/>
+        </p:nvSpPr>
+        <p:spPr>
+          <a:xfrm>
+            <a:off x="301658" y="801278"/>
+            <a:ext cx="8484123" cy="1107996"/>
+          </a:xfrm>
+          <a:prstGeom prst="rect">
+            <a:avLst/>
+          </a:prstGeom>
+          <a:noFill/>
+        </p:spPr>
+        <p:txBody>
+          <a:bodyPr wrap="square" rtlCol="0">
+            <a:spAutoFit/>
+          </a:bodyPr>
+          <a:lstStyle/>
+          <a:p>
+            <a:pPr>
+              <a:lnSpc>
+                <a:spcPct val="150000"/>
+              </a:lnSpc>
+            </a:pPr>
+            <a:r>
+              <a:rPr lang="en-US" sz="1600" b="1" dirty="0" smtClean="0"/>
+              <a:t>3.5. </a:t>
+            </a:r>
+            <a:r>
+              <a:rPr lang="en-US" sz="1600" b="1" dirty="0" err="1" smtClean="0"/>
+              <a:t>Các</a:t>
+            </a:r>
+            <a:r>
+              <a:rPr lang="en-US" sz="1600" b="1" dirty="0" smtClean="0"/>
+              <a:t> </a:t>
+            </a:r>
+            <a:r>
+              <a:rPr lang="en-US" sz="1600" b="1" dirty="0" err="1" smtClean="0"/>
+              <a:t>yêu</a:t>
+            </a:r>
+            <a:r>
+              <a:rPr lang="en-US" sz="1600" b="1" dirty="0" smtClean="0"/>
+              <a:t> </a:t>
+            </a:r>
+            <a:r>
+              <a:rPr lang="en-US" sz="1600" b="1" dirty="0" err="1" smtClean="0"/>
+              <a:t>cầu</a:t>
+            </a:r>
+            <a:r>
+              <a:rPr lang="en-US" sz="1600" b="1" dirty="0" smtClean="0"/>
+              <a:t> </a:t>
+            </a:r>
+            <a:r>
+              <a:rPr lang="en-US" sz="1600" b="1" dirty="0" err="1" smtClean="0"/>
+              <a:t>phát</a:t>
+            </a:r>
+            <a:r>
+              <a:rPr lang="en-US" sz="1600" b="1" dirty="0" smtClean="0"/>
+              <a:t> </a:t>
+            </a:r>
+            <a:r>
+              <a:rPr lang="en-US" sz="1600" b="1" dirty="0" err="1" smtClean="0"/>
+              <a:t>sinh</a:t>
+            </a:r>
+            <a:endParaRPr lang="en-US" sz="1600" b="1" dirty="0" smtClean="0"/>
+          </a:p>
+          <a:p>
+            <a:pPr>
+              <a:lnSpc>
+                <a:spcPct val="150000"/>
+              </a:lnSpc>
+            </a:pPr>
+            <a:r>
+              <a:rPr lang="en-US" sz="1600" b="1" dirty="0" smtClean="0">
+                <a:solidFill>
+                  <a:schemeClr val="tx1"/>
+                </a:solidFill>
+              </a:rPr>
+              <a:t>3.5.1</a:t>
+            </a:r>
+            <a:r>
+              <a:rPr lang="en-US" sz="1600" b="1" dirty="0">
+                <a:solidFill>
+                  <a:schemeClr val="tx1"/>
+                </a:solidFill>
+              </a:rPr>
+              <a:t>. </a:t>
+            </a:r>
+            <a:r>
+              <a:rPr lang="en-US" sz="1600" b="1" dirty="0" err="1">
+                <a:solidFill>
+                  <a:schemeClr val="tx1"/>
+                </a:solidFill>
+              </a:rPr>
+              <a:t>Thêm</a:t>
+            </a:r>
+            <a:r>
+              <a:rPr lang="en-US" sz="1600" b="1" dirty="0">
+                <a:solidFill>
+                  <a:schemeClr val="tx1"/>
+                </a:solidFill>
+              </a:rPr>
+              <a:t> </a:t>
+            </a:r>
+            <a:r>
+              <a:rPr lang="en-US" sz="1600" b="1" dirty="0" err="1">
+                <a:solidFill>
+                  <a:schemeClr val="tx1"/>
+                </a:solidFill>
+              </a:rPr>
+              <a:t>mặt</a:t>
+            </a:r>
+            <a:r>
+              <a:rPr lang="en-US" sz="1600" b="1" dirty="0">
+                <a:solidFill>
+                  <a:schemeClr val="tx1"/>
+                </a:solidFill>
+              </a:rPr>
+              <a:t> </a:t>
+            </a:r>
+            <a:r>
+              <a:rPr lang="en-US" sz="1600" b="1" dirty="0" err="1">
+                <a:solidFill>
+                  <a:schemeClr val="tx1"/>
+                </a:solidFill>
+              </a:rPr>
+              <a:t>hàng</a:t>
+            </a:r>
+            <a:r>
+              <a:rPr lang="en-US" sz="1600" b="1" dirty="0">
+                <a:solidFill>
+                  <a:schemeClr val="tx1"/>
+                </a:solidFill>
+              </a:rPr>
+              <a:t> Media </a:t>
+            </a:r>
+            <a:r>
+              <a:rPr lang="en-US" sz="1600" b="1" dirty="0" err="1">
+                <a:solidFill>
+                  <a:schemeClr val="tx1"/>
+                </a:solidFill>
+              </a:rPr>
+              <a:t>mới</a:t>
+            </a:r>
+            <a:r>
+              <a:rPr lang="en-US" sz="1600" b="1" dirty="0">
+                <a:solidFill>
+                  <a:schemeClr val="tx1"/>
+                </a:solidFill>
+              </a:rPr>
+              <a:t>: </a:t>
+            </a:r>
+            <a:r>
+              <a:rPr lang="en-US" sz="1600" b="1" dirty="0" err="1" smtClean="0">
+                <a:solidFill>
+                  <a:schemeClr val="tx1"/>
+                </a:solidFill>
+              </a:rPr>
+              <a:t>AudioBook</a:t>
+            </a:r>
+            <a:endParaRPr lang="en-US" sz="1600" b="1" dirty="0" smtClean="0">
+              <a:solidFill>
+                <a:schemeClr val="tx1"/>
+              </a:solidFill>
+            </a:endParaRPr>
+          </a:p>
+          <a:p>
+            <a:pPr>
+              <a:lnSpc>
+                <a:spcPct val="150000"/>
+              </a:lnSpc>
+            </a:pPr>
+            <a:endParaRPr lang="en-US" sz="1200" b="1" dirty="0" smtClean="0">
+              <a:solidFill>
+                <a:schemeClr val="tx1"/>
+              </a:solidFill>
+            </a:endParaRPr>
+          </a:p>
+        </p:txBody>
+      </p:sp>
+    </p:spTree>
+    <p:extLst>
+      <p:ext uri="{BB962C8B-B14F-4D97-AF65-F5344CB8AC3E}">
+        <p14:creationId xmlns:p14="http://schemas.microsoft.com/office/powerpoint/2010/main" val="3525458529"/>
+      </p:ext>
+    </p:extLst>
+  </p:cSld>
+  <p:clrMapOvr>
+    <a:masterClrMapping/>
+  </p:clrMapOvr>
+  <p:timing>
+    <p:tnLst>
+      <p:par>
+        <p:cTn id="1" dur="indefinite" restart="never" nodeType="tmRoot"/>
+      </p:par>
+    </p:tnLst>
+  </p:timing>
+</p:sld>
+</file>
+
+<file path=ppt/slides/slide12.xml><?xml version="1.0" encoding="utf-8"?>
+<p:sld xmlns:a="http://schemas.openxmlformats.org/drawingml/2006/main" xmlns:r="http://schemas.openxmlformats.org/officeDocument/2006/relationships" xmlns:p="http://schemas.openxmlformats.org/presentationml/2006/main">
+  <p:cSld>
+    <p:spTree>
+      <p:nvGrpSpPr>
+        <p:cNvPr id="1" name="Shape 105"/>
+        <p:cNvGrpSpPr/>
+        <p:nvPr/>
+      </p:nvGrpSpPr>
+      <p:grpSpPr>
+        <a:xfrm>
+          <a:off x="0" y="0"/>
+          <a:ext cx="0" cy="0"/>
+          <a:chOff x="0" y="0"/>
+          <a:chExt cx="0" cy="0"/>
+        </a:xfrm>
+      </p:grpSpPr>
+      <p:sp>
+        <p:nvSpPr>
+          <p:cNvPr id="106" name="Google Shape;106;p9"/>
+          <p:cNvSpPr txBox="1">
+            <a:spLocks noGrp="1"/>
+          </p:cNvSpPr>
+          <p:nvPr>
+            <p:ph type="sldNum" idx="12"/>
+          </p:nvPr>
+        </p:nvSpPr>
+        <p:spPr>
+          <a:xfrm>
+            <a:off x="6867383" y="6572126"/>
+            <a:ext cx="2057400" cy="365125"/>
+          </a:xfrm>
+          <a:prstGeom prst="rect">
+            <a:avLst/>
+          </a:prstGeom>
+          <a:noFill/>
+          <a:ln>
+            <a:noFill/>
+          </a:ln>
+        </p:spPr>
+        <p:txBody>
+          <a:bodyPr spcFirstLastPara="1" wrap="square" lIns="91425" tIns="45700" rIns="91425" bIns="45700" anchor="t" anchorCtr="0">
+            <a:noAutofit/>
+          </a:bodyPr>
+          <a:lstStyle/>
+          <a:p>
+            <a:pPr marL="0" lvl="0" indent="0" algn="r" rtl="0">
+              <a:lnSpc>
+                <a:spcPct val="100000"/>
+              </a:lnSpc>
+              <a:spcBef>
+                <a:spcPts val="0"/>
+              </a:spcBef>
+              <a:spcAft>
+                <a:spcPts val="0"/>
+              </a:spcAft>
+              <a:buSzPts val="1200"/>
+              <a:buNone/>
+            </a:pPr>
+            <a:fld id="{00000000-1234-1234-1234-123412341234}" type="slidenum">
+              <a:rPr lang="en-US"/>
+              <a:t>12</a:t>
+            </a:fld>
+            <a:endParaRPr/>
+          </a:p>
+        </p:txBody>
+      </p:sp>
+      <p:sp>
+        <p:nvSpPr>
+          <p:cNvPr id="107" name="Google Shape;107;p9"/>
+          <p:cNvSpPr txBox="1"/>
+          <p:nvPr/>
+        </p:nvSpPr>
+        <p:spPr>
+          <a:xfrm>
+            <a:off x="4181094" y="3021991"/>
+            <a:ext cx="4197975" cy="814017"/>
+          </a:xfrm>
+          <a:prstGeom prst="rect">
+            <a:avLst/>
+          </a:prstGeom>
+          <a:noFill/>
+          <a:ln>
+            <a:noFill/>
+          </a:ln>
+        </p:spPr>
+        <p:txBody>
+          <a:bodyPr spcFirstLastPara="1" wrap="square" lIns="91425" tIns="45700" rIns="91425" bIns="45700" anchor="t" anchorCtr="0">
+            <a:noAutofit/>
+          </a:bodyPr>
+          <a:lstStyle/>
+          <a:p>
+            <a:pPr marL="0" marR="0" lvl="0" indent="0" algn="l" rtl="0">
+              <a:lnSpc>
+                <a:spcPct val="90000"/>
+              </a:lnSpc>
+              <a:spcBef>
+                <a:spcPts val="0"/>
+              </a:spcBef>
+              <a:spcAft>
+                <a:spcPts val="0"/>
+              </a:spcAft>
+              <a:buClr>
+                <a:srgbClr val="C00000"/>
+              </a:buClr>
+              <a:buSzPts val="4800"/>
+              <a:buFont typeface="Lato"/>
+              <a:buNone/>
+            </a:pPr>
+            <a:r>
+              <a:rPr lang="en-US" sz="4800" b="1" i="0" u="none" strike="noStrike" cap="none">
+                <a:solidFill>
+                  <a:srgbClr val="C00000"/>
+                </a:solidFill>
+                <a:latin typeface="Lato"/>
+                <a:ea typeface="Lato"/>
+                <a:cs typeface="Lato"/>
+                <a:sym typeface="Lato"/>
+              </a:rPr>
+              <a:t>THANK YOU !</a:t>
+            </a:r>
+            <a:endParaRPr sz="1400" b="0" i="0" u="none" strike="noStrike" cap="none">
+              <a:solidFill>
+                <a:srgbClr val="000000"/>
+              </a:solidFill>
+              <a:latin typeface="Arial"/>
+              <a:ea typeface="Arial"/>
+              <a:cs typeface="Arial"/>
+              <a:sym typeface="Arial"/>
+            </a:endParaRPr>
+          </a:p>
+        </p:txBody>
+      </p:sp>
     </p:spTree>
   </p:cSld>
   <p:clrMapOvr>
@@ -13747,8 +15027,8 @@
         </p:nvSpPr>
         <p:spPr>
           <a:xfrm>
-            <a:off x="473300" y="840350"/>
-            <a:ext cx="6075600" cy="2400627"/>
+            <a:off x="473299" y="840350"/>
+            <a:ext cx="8123945" cy="4801284"/>
           </a:xfrm>
           <a:prstGeom prst="rect">
             <a:avLst/>
@@ -13779,6 +15059,50 @@
             </a:pPr>
             <a:r>
               <a:rPr lang="en-US" sz="2400" dirty="0" err="1" smtClean="0"/>
+              <a:t>Phân</a:t>
+            </a:r>
+            <a:r>
+              <a:rPr lang="en-US" sz="2400" dirty="0" smtClean="0"/>
+              <a:t> </a:t>
+            </a:r>
+            <a:r>
+              <a:rPr lang="en-US" sz="2400" dirty="0" err="1" smtClean="0"/>
+              <a:t>công</a:t>
+            </a:r>
+            <a:r>
+              <a:rPr lang="en-US" sz="2400" dirty="0" smtClean="0"/>
+              <a:t> </a:t>
+            </a:r>
+            <a:r>
+              <a:rPr lang="en-US" sz="2400" dirty="0" err="1" smtClean="0"/>
+              <a:t>công</a:t>
+            </a:r>
+            <a:r>
+              <a:rPr lang="en-US" sz="2400" dirty="0" smtClean="0"/>
+              <a:t> </a:t>
+            </a:r>
+            <a:r>
+              <a:rPr lang="en-US" sz="2400" dirty="0" err="1" smtClean="0"/>
+              <a:t>việc</a:t>
+            </a:r>
+            <a:endParaRPr lang="en-US" sz="2400" dirty="0" smtClean="0"/>
+          </a:p>
+          <a:p>
+            <a:pPr marL="457200" lvl="0" indent="-381000" algn="l" rtl="0">
+              <a:lnSpc>
+                <a:spcPct val="150000"/>
+              </a:lnSpc>
+              <a:spcBef>
+                <a:spcPts val="0"/>
+              </a:spcBef>
+              <a:spcAft>
+                <a:spcPts val="0"/>
+              </a:spcAft>
+              <a:buSzPts val="2400"/>
+              <a:buAutoNum type="arabicPeriod"/>
+            </a:pPr>
+            <a:r>
+              <a:rPr lang="en-US" sz="2400" dirty="0" err="1" smtClean="0"/>
               <a:t>Tổng</a:t>
             </a:r>
             <a:r>
@@ -13819,77 +15143,229 @@
             </a:r>
             <a:r>
               <a:rPr lang="en-US" sz="2400" dirty="0" smtClean="0"/>
-              <a:t> </a:t>
-            </a:r>
-            <a:r>
-              <a:rPr lang="en-US" sz="2400" dirty="0" err="1" smtClean="0"/>
-              <a:t>thiết</a:t>
-            </a:r>
-            <a:r>
-              <a:rPr lang="en-US" sz="2400" dirty="0" smtClean="0"/>
-              <a:t> </a:t>
-            </a:r>
-            <a:r>
-              <a:rPr lang="en-US" sz="2400" dirty="0" err="1" smtClean="0"/>
-              <a:t>kế</a:t>
-            </a:r>
-            <a:r>
-              <a:rPr lang="en-US" sz="2400" dirty="0" smtClean="0"/>
-              <a:t> </a:t>
-            </a:r>
-            <a:r>
-              <a:rPr lang="en-US" sz="2400" dirty="0" err="1" smtClean="0"/>
-              <a:t>cũ</a:t>
-            </a:r>
-            <a:endParaRPr sz="2400" dirty="0"/>
+              <a:t>, refactor</a:t>
+            </a:r>
           </a:p>
           <a:p>
-            <a:pPr marL="457200" lvl="0" indent="-381000" algn="l" rtl="0">
+            <a:pPr lvl="6">
               <a:lnSpc>
                 <a:spcPct val="150000"/>
               </a:lnSpc>
-              <a:spcBef>
-                <a:spcPts val="0"/>
-              </a:spcBef>
-              <a:spcAft>
-                <a:spcPts val="0"/>
-              </a:spcAft>
-              <a:buSzPts val="2400"/>
-              <a:buAutoNum type="arabicPeriod"/>
             </a:pPr>
             <a:r>
-              <a:rPr lang="en-US" sz="2400" dirty="0" err="1" smtClean="0"/>
-              <a:t>Đề</a:t>
-            </a:r>
-            <a:r>
               <a:rPr lang="en-US" sz="2400" dirty="0" smtClean="0"/>
-              <a:t> </a:t>
-            </a:r>
-            <a:r>
-              <a:rPr lang="en-US" sz="2400" dirty="0" err="1" smtClean="0"/>
-              <a:t>xuất</a:t>
-            </a:r>
-            <a:r>
-              <a:rPr lang="en-US" sz="2400" dirty="0" smtClean="0"/>
-              <a:t> </a:t>
-            </a:r>
-            <a:r>
-              <a:rPr lang="en-US" sz="2400" dirty="0" err="1"/>
-              <a:t>c</a:t>
-            </a:r>
-            <a:r>
-              <a:rPr lang="en-US" sz="2400" dirty="0" err="1" smtClean="0"/>
-              <a:t>ải</a:t>
-            </a:r>
-            <a:r>
-              <a:rPr lang="en-US" sz="2400" dirty="0" smtClean="0"/>
-              <a:t> </a:t>
-            </a:r>
-            <a:r>
-              <a:rPr lang="en-US" sz="2400" dirty="0" err="1" smtClean="0"/>
-              <a:t>tiến</a:t>
-            </a:r>
-            <a:endParaRPr sz="2400" dirty="0"/>
+              <a:t>	</a:t>
+            </a:r>
+            <a:r>
+              <a:rPr lang="en-US" sz="2000" dirty="0" smtClean="0"/>
+              <a:t>3.1</a:t>
+            </a:r>
+            <a:r>
+              <a:rPr lang="en-US" sz="2000" dirty="0"/>
+              <a:t>. </a:t>
+            </a:r>
+            <a:r>
+              <a:rPr lang="en-US" sz="2000" dirty="0" err="1" smtClean="0"/>
+              <a:t>Các</a:t>
+            </a:r>
+            <a:r>
+              <a:rPr lang="en-US" sz="2000" dirty="0" smtClean="0"/>
+              <a:t> </a:t>
+            </a:r>
+            <a:r>
+              <a:rPr lang="en-US" sz="2000" dirty="0" err="1" smtClean="0"/>
+              <a:t>vấn</a:t>
+            </a:r>
+            <a:r>
+              <a:rPr lang="en-US" sz="2000" dirty="0" smtClean="0"/>
+              <a:t> </a:t>
+            </a:r>
+            <a:r>
+              <a:rPr lang="en-US" sz="2000" dirty="0" err="1" smtClean="0"/>
+              <a:t>đề</a:t>
+            </a:r>
+            <a:r>
+              <a:rPr lang="en-US" sz="2000" dirty="0" smtClean="0"/>
+              <a:t> vi </a:t>
+            </a:r>
+            <a:r>
+              <a:rPr lang="en-US" sz="2000" dirty="0" err="1" smtClean="0"/>
+              <a:t>phạm</a:t>
+            </a:r>
+            <a:r>
+              <a:rPr lang="en-US" sz="2000" dirty="0" smtClean="0"/>
+              <a:t> High </a:t>
+            </a:r>
+            <a:r>
+              <a:rPr lang="en-US" sz="2000" dirty="0"/>
+              <a:t>coupling</a:t>
+            </a:r>
+          </a:p>
+          <a:p>
+            <a:pPr lvl="6">
+              <a:lnSpc>
+                <a:spcPct val="150000"/>
+              </a:lnSpc>
+            </a:pPr>
+            <a:r>
+              <a:rPr lang="en-US" sz="2000" dirty="0" smtClean="0"/>
+              <a:t>	3.2</a:t>
+            </a:r>
+            <a:r>
+              <a:rPr lang="en-US" sz="2000" dirty="0"/>
+              <a:t>. </a:t>
+            </a:r>
+            <a:r>
+              <a:rPr lang="en-US" sz="2000" dirty="0" err="1" smtClean="0"/>
+              <a:t>Các</a:t>
+            </a:r>
+            <a:r>
+              <a:rPr lang="en-US" sz="2000" dirty="0" smtClean="0"/>
+              <a:t> </a:t>
+            </a:r>
+            <a:r>
+              <a:rPr lang="en-US" sz="2000" dirty="0" err="1" smtClean="0"/>
+              <a:t>vấn</a:t>
+            </a:r>
+            <a:r>
+              <a:rPr lang="en-US" sz="2000" dirty="0" smtClean="0"/>
+              <a:t> </a:t>
+            </a:r>
+            <a:r>
+              <a:rPr lang="en-US" sz="2000" dirty="0" err="1" smtClean="0"/>
+              <a:t>đề</a:t>
+            </a:r>
+            <a:r>
+              <a:rPr lang="en-US" sz="2000" dirty="0" smtClean="0"/>
+              <a:t> vi </a:t>
+            </a:r>
+            <a:r>
+              <a:rPr lang="en-US" sz="2000" dirty="0" err="1" smtClean="0"/>
+              <a:t>phạm</a:t>
+            </a:r>
+            <a:r>
+              <a:rPr lang="en-US" sz="2000" dirty="0" smtClean="0"/>
+              <a:t> Low </a:t>
+            </a:r>
+            <a:r>
+              <a:rPr lang="en-US" sz="2000" dirty="0"/>
+              <a:t>cohesion</a:t>
+            </a:r>
+          </a:p>
+          <a:p>
+            <a:pPr lvl="6">
+              <a:lnSpc>
+                <a:spcPct val="150000"/>
+              </a:lnSpc>
+            </a:pPr>
+            <a:r>
+              <a:rPr lang="en-US" sz="2000" dirty="0" smtClean="0"/>
+              <a:t>	3.3</a:t>
+            </a:r>
+            <a:r>
+              <a:rPr lang="en-US" sz="2000" dirty="0"/>
+              <a:t>. </a:t>
+            </a:r>
+            <a:r>
+              <a:rPr lang="en-US" sz="2000" dirty="0" err="1" smtClean="0"/>
+              <a:t>Các</a:t>
+            </a:r>
+            <a:r>
+              <a:rPr lang="en-US" sz="2000" dirty="0" smtClean="0"/>
+              <a:t> </a:t>
+            </a:r>
+            <a:r>
+              <a:rPr lang="en-US" sz="2000" dirty="0" err="1" smtClean="0"/>
+              <a:t>vấn</a:t>
+            </a:r>
+            <a:r>
+              <a:rPr lang="en-US" sz="2000" dirty="0" smtClean="0"/>
+              <a:t> </a:t>
+            </a:r>
+            <a:r>
+              <a:rPr lang="en-US" sz="2000" dirty="0" err="1" smtClean="0"/>
+              <a:t>đề</a:t>
+            </a:r>
+            <a:r>
+              <a:rPr lang="en-US" sz="2000" dirty="0" smtClean="0"/>
+              <a:t> vi </a:t>
+            </a:r>
+            <a:r>
+              <a:rPr lang="en-US" sz="2000" dirty="0" err="1" smtClean="0"/>
+              <a:t>phạm</a:t>
+            </a:r>
+            <a:r>
+              <a:rPr lang="en-US" sz="2000" dirty="0" smtClean="0"/>
+              <a:t> SOLID</a:t>
+            </a:r>
+            <a:endParaRPr lang="en-US" sz="2000" dirty="0"/>
+          </a:p>
+          <a:p>
+            <a:pPr lvl="6">
+              <a:lnSpc>
+                <a:spcPct val="150000"/>
+              </a:lnSpc>
+            </a:pPr>
+            <a:r>
+              <a:rPr lang="en-US" sz="2000" dirty="0" smtClean="0"/>
+              <a:t>	3.4</a:t>
+            </a:r>
+            <a:r>
+              <a:rPr lang="en-US" sz="2000" dirty="0"/>
+              <a:t>. Clean code</a:t>
+            </a:r>
+          </a:p>
+          <a:p>
+            <a:pPr lvl="6">
+              <a:lnSpc>
+                <a:spcPct val="150000"/>
+              </a:lnSpc>
+            </a:pPr>
+            <a:r>
+              <a:rPr lang="en-US" sz="2000" dirty="0" smtClean="0"/>
+              <a:t>	3.5</a:t>
+            </a:r>
+            <a:r>
+              <a:rPr lang="en-US" sz="2000" dirty="0"/>
+              <a:t>. </a:t>
+            </a:r>
+            <a:r>
+              <a:rPr lang="en-US" sz="2000" dirty="0" err="1" smtClean="0"/>
+              <a:t>Các</a:t>
+            </a:r>
+            <a:r>
+              <a:rPr lang="en-US" sz="2000" dirty="0" smtClean="0"/>
+              <a:t> </a:t>
+            </a:r>
+            <a:r>
+              <a:rPr lang="en-US" sz="2000" dirty="0" err="1" smtClean="0"/>
+              <a:t>yêu</a:t>
+            </a:r>
+            <a:r>
+              <a:rPr lang="en-US" sz="2000" dirty="0" smtClean="0"/>
+              <a:t> </a:t>
+            </a:r>
+            <a:r>
+              <a:rPr lang="en-US" sz="2000" dirty="0" err="1"/>
+              <a:t>cầu</a:t>
+            </a:r>
+            <a:r>
+              <a:rPr lang="en-US" sz="2000" dirty="0"/>
+              <a:t> </a:t>
+            </a:r>
+            <a:r>
+              <a:rPr lang="en-US" sz="2000" dirty="0" err="1" smtClean="0"/>
+              <a:t>phát</a:t>
+            </a:r>
+            <a:r>
+              <a:rPr lang="en-US" sz="2000" dirty="0" smtClean="0"/>
+              <a:t> </a:t>
+            </a:r>
+            <a:r>
+              <a:rPr lang="en-US" sz="2000" dirty="0" err="1" smtClean="0"/>
+              <a:t>sinh</a:t>
+            </a:r>
+            <a:endParaRPr lang="en-US" sz="2000" dirty="0" smtClean="0"/>
           </a:p>
           <a:p>
             <a:pPr marL="457200" lvl="0" indent="-381000" algn="l" rtl="0">
@@ -14061,7 +15537,7 @@
                 <a:cs typeface="Arial"/>
                 <a:sym typeface="Arial"/>
               </a:rPr>
-              <a:t>Tổng</a:t>
+              <a:t>Phân</a:t>
             </a:r>
             <a:r>
               <a:rPr lang="en-US" dirty="0" smtClean="0">
@@ -14079,7 +15555,43 @@
                 <a:cs typeface="Arial"/>
                 <a:sym typeface="Arial"/>
               </a:rPr>
-              <a:t>quan</a:t>
+              <a:t>công</a:t>
+            </a:r>
+            <a:r>
+              <a:rPr lang="en-US" dirty="0" smtClean="0">
+                <a:latin typeface="Arial"/>
+                <a:ea typeface="Arial"/>
+                <a:cs typeface="Arial"/>
+                <a:sym typeface="Arial"/>
+              </a:rPr>
+              <a:t> </a:t>
+            </a:r>
+            <a:r>
+              <a:rPr lang="en-US" dirty="0" err="1" smtClean="0">
+                <a:latin typeface="Arial"/>
+                <a:ea typeface="Arial"/>
+                <a:cs typeface="Arial"/>
+                <a:sym typeface="Arial"/>
+              </a:rPr>
+              <a:t>công</a:t>
+            </a:r>
+            <a:r>
+              <a:rPr lang="en-US" dirty="0" smtClean="0">
+                <a:latin typeface="Arial"/>
+                <a:ea typeface="Arial"/>
+                <a:cs typeface="Arial"/>
+                <a:sym typeface="Arial"/>
+              </a:rPr>
+              <a:t> </a:t>
+            </a:r>
+            <a:r>
+              <a:rPr lang="en-US" dirty="0" err="1" smtClean="0">
+                <a:latin typeface="Arial"/>
+                <a:ea typeface="Arial"/>
+                <a:cs typeface="Arial"/>
+                <a:sym typeface="Arial"/>
+              </a:rPr>
+              <a:t>việc</a:t>
             </a:r>
             <a:endParaRPr dirty="0">
               <a:latin typeface="Arial"/>
@@ -14099,7 +15611,7 @@
         <p:spPr>
           <a:xfrm>
             <a:off x="405353" y="820132"/>
-            <a:ext cx="8191892" cy="2585323"/>
+            <a:ext cx="8191892" cy="5493812"/>
           </a:xfrm>
           <a:prstGeom prst="rect">
             <a:avLst/>
@@ -14112,20 +15624,102 @@
           </a:bodyPr>
           <a:lstStyle/>
           <a:p>
-            <a:pPr marL="285750" indent="-285750">
+            <a:pPr marL="342900" indent="-342900">
               <a:lnSpc>
                 <a:spcPct val="150000"/>
               </a:lnSpc>
-              <a:buFontTx/>
-              <a:buChar char="-"/>
+              <a:buAutoNum type="arabicPeriod"/>
             </a:pPr>
             <a:r>
-              <a:rPr lang="vi-VN" sz="1800" dirty="0" smtClean="0"/>
-              <a:t>AIMS </a:t>
-            </a:r>
-            <a:r>
-              <a:rPr lang="vi-VN" sz="1800" dirty="0"/>
-              <a:t>là một cửa hàng online, có chức năng đặt hàng các loại media (sách, đĩa CD, đĩa DVD) từ cửa hàng. </a:t>
+              <a:rPr lang="en-US" sz="1800" dirty="0" err="1" smtClean="0"/>
+              <a:t>Phát</a:t>
+            </a:r>
+            <a:r>
+              <a:rPr lang="en-US" sz="1800" dirty="0" smtClean="0"/>
+              <a:t> </a:t>
+            </a:r>
+            <a:r>
+              <a:rPr lang="en-US" sz="1800" dirty="0" err="1" smtClean="0"/>
+              <a:t>hiện</a:t>
+            </a:r>
+            <a:r>
+              <a:rPr lang="en-US" sz="1800" dirty="0" smtClean="0"/>
+              <a:t>, </a:t>
+            </a:r>
+            <a:r>
+              <a:rPr lang="en-US" sz="1800" dirty="0" err="1" smtClean="0"/>
+              <a:t>xử</a:t>
+            </a:r>
+            <a:r>
+              <a:rPr lang="en-US" sz="1800" dirty="0" smtClean="0"/>
+              <a:t> </a:t>
+            </a:r>
+            <a:r>
+              <a:rPr lang="en-US" sz="1800" dirty="0" err="1"/>
+              <a:t>lý</a:t>
+            </a:r>
+            <a:r>
+              <a:rPr lang="en-US" sz="1800" dirty="0"/>
+              <a:t> </a:t>
+            </a:r>
+            <a:r>
+              <a:rPr lang="en-US" sz="1800" dirty="0" err="1" smtClean="0"/>
+              <a:t>các</a:t>
+            </a:r>
+            <a:r>
+              <a:rPr lang="en-US" sz="1800" dirty="0" smtClean="0"/>
+              <a:t> </a:t>
+            </a:r>
+            <a:r>
+              <a:rPr lang="en-US" sz="1800" dirty="0" err="1" smtClean="0"/>
+              <a:t>vấn</a:t>
+            </a:r>
+            <a:r>
+              <a:rPr lang="en-US" sz="1800" dirty="0" smtClean="0"/>
+              <a:t> </a:t>
+            </a:r>
+            <a:r>
+              <a:rPr lang="en-US" sz="1800" dirty="0" err="1" smtClean="0"/>
+              <a:t>đề</a:t>
+            </a:r>
+            <a:r>
+              <a:rPr lang="en-US" sz="1800" dirty="0" smtClean="0"/>
+              <a:t> cohesion </a:t>
+            </a:r>
+            <a:r>
+              <a:rPr lang="en-US" sz="1800" dirty="0"/>
+              <a:t>/ coupling / SOLID / </a:t>
+            </a:r>
+            <a:r>
+              <a:rPr lang="en-US" sz="1800" dirty="0" smtClean="0"/>
+              <a:t>clean code: </a:t>
+            </a:r>
+          </a:p>
+          <a:p>
+            <a:pPr>
+              <a:lnSpc>
+                <a:spcPct val="150000"/>
+              </a:lnSpc>
+            </a:pPr>
+            <a:r>
+              <a:rPr lang="en-US" sz="1800" dirty="0" smtClean="0"/>
+              <a:t>Chia </a:t>
+            </a:r>
+            <a:r>
+              <a:rPr lang="en-US" sz="1800" dirty="0" err="1"/>
+              <a:t>theo</a:t>
+            </a:r>
+            <a:r>
+              <a:rPr lang="en-US" sz="1800" dirty="0"/>
+              <a:t> </a:t>
+            </a:r>
+            <a:r>
+              <a:rPr lang="en-US" sz="1800" dirty="0" err="1"/>
+              <a:t>subteam</a:t>
+            </a:r>
+            <a:r>
+              <a:rPr lang="en-US" sz="1800" dirty="0"/>
+              <a:t>: </a:t>
             </a:r>
             <a:endParaRPr lang="en-US" sz="1800" dirty="0" smtClean="0"/>
           </a:p>
@@ -14138,65 +15732,87 @@
               <a:buChar char="-"/>
             </a:pPr>
             <a:r>
-              <a:rPr lang="vi-VN" sz="1800" dirty="0" smtClean="0"/>
-              <a:t>Phần </a:t>
-            </a:r>
-            <a:r>
-              <a:rPr lang="vi-VN" sz="1800" dirty="0"/>
-              <a:t>mềm </a:t>
-            </a:r>
-            <a:r>
-              <a:rPr lang="vi-VN" sz="1800" dirty="0" smtClean="0"/>
-              <a:t>đã </a:t>
-            </a:r>
-            <a:r>
-              <a:rPr lang="vi-VN" sz="1800" dirty="0"/>
-              <a:t>đáp ứng được các chức năng chính tại thời điểm hiện tại, nhưng chưa đảm </a:t>
-            </a:r>
-            <a:r>
-              <a:rPr lang="vi-VN" sz="1800" dirty="0" smtClean="0"/>
-              <a:t>bảo</a:t>
-            </a:r>
-            <a:r>
               <a:rPr lang="en-US" sz="1800" dirty="0" smtClean="0"/>
-              <a:t> </a:t>
-            </a:r>
+              <a:t>Hiếu </a:t>
+            </a:r>
+            <a:r>
+              <a:rPr lang="en-US" sz="1800" dirty="0"/>
+              <a:t>+ </a:t>
+            </a:r>
+            <a:r>
+              <a:rPr lang="en-US" sz="1800" dirty="0" err="1"/>
+              <a:t>Tuân</a:t>
+            </a:r>
+            <a:r>
+              <a:rPr lang="en-US" sz="1800" dirty="0"/>
+              <a:t>: </a:t>
+            </a:r>
+            <a:r>
+              <a:rPr lang="en-US" sz="1800" dirty="0" smtClean="0"/>
+              <a:t>common </a:t>
+            </a:r>
+            <a:r>
+              <a:rPr lang="en-US" sz="1800" dirty="0"/>
+              <a:t>+ controller + </a:t>
+            </a:r>
+            <a:r>
+              <a:rPr lang="en-US" sz="1800" dirty="0" err="1"/>
+              <a:t>dao</a:t>
+            </a:r>
+            <a:r>
+              <a:rPr lang="en-US" sz="1800" dirty="0"/>
+              <a:t> + </a:t>
+            </a:r>
+            <a:r>
+              <a:rPr lang="en-US" sz="1800" dirty="0" smtClean="0"/>
+              <a:t>entity</a:t>
+            </a:r>
+          </a:p>
+          <a:p>
+            <a:pPr marL="285750" indent="-285750">
+              <a:lnSpc>
+                <a:spcPct val="150000"/>
+              </a:lnSpc>
+              <a:buFontTx/>
+              <a:buChar char="-"/>
+            </a:pPr>
             <a:r>
               <a:rPr lang="en-US" sz="1800" dirty="0" err="1" smtClean="0"/>
-              <a:t>tính</a:t>
+              <a:t>Hùng</a:t>
             </a:r>
             <a:r>
               <a:rPr lang="en-US" sz="1800" dirty="0" smtClean="0"/>
-              <a:t> high cohesion, low coupling,</a:t>
-            </a:r>
-            <a:r>
-              <a:rPr lang="vi-VN" sz="1800" dirty="0" smtClean="0"/>
-              <a:t> </a:t>
+              <a:t> </a:t>
+            </a:r>
+            <a:r>
+              <a:rPr lang="en-US" sz="1800" dirty="0"/>
+              <a:t>+ </a:t>
             </a:r>
             <a:r>
               <a:rPr lang="en-US" sz="1800" dirty="0" err="1" smtClean="0"/>
-              <a:t>chưa</a:t>
+              <a:t>Quốc</a:t>
             </a:r>
             <a:r>
               <a:rPr lang="en-US" sz="1800" dirty="0" smtClean="0"/>
-              <a:t> </a:t>
-            </a:r>
-            <a:r>
-              <a:rPr lang="vi-VN" sz="1800" dirty="0" smtClean="0"/>
-              <a:t>tuân </a:t>
-            </a:r>
-            <a:r>
-              <a:rPr lang="vi-VN" sz="1800" dirty="0"/>
-              <a:t>thủ </a:t>
-            </a:r>
-            <a:r>
-              <a:rPr lang="vi-VN" sz="1800" dirty="0" smtClean="0"/>
-              <a:t>SOLID</a:t>
-            </a:r>
-            <a:r>
-              <a:rPr lang="en-US" sz="1800" dirty="0" smtClean="0"/>
-              <a:t>…</a:t>
-            </a:r>
+              <a:t>: subsystem </a:t>
+            </a:r>
+            <a:r>
+              <a:rPr lang="en-US" sz="1800" dirty="0"/>
+              <a:t>+ </a:t>
+            </a:r>
+            <a:r>
+              <a:rPr lang="en-US" sz="1800" dirty="0" err="1"/>
+              <a:t>utils</a:t>
+            </a:r>
+            <a:r>
+              <a:rPr lang="en-US" sz="1800" dirty="0"/>
+              <a:t> + </a:t>
+            </a:r>
+            <a:r>
+              <a:rPr lang="en-US" sz="1800" dirty="0" err="1" smtClean="0"/>
+              <a:t>views.screen</a:t>
+            </a:r>
+            <a:endParaRPr lang="en-US" sz="1800" dirty="0" smtClean="0"/>
           </a:p>
           <a:p>
             <a:pPr>
@@ -14206,15 +15822,125 @@
             </a:pPr>
             <a:r>
               <a:rPr lang="en-US" sz="1800" dirty="0" smtClean="0"/>
-              <a:t>=&gt;</a:t>
+              <a:t>2. </a:t>
             </a:r>
             <a:r>
               <a:rPr lang="vi-VN" sz="1800" dirty="0" smtClean="0"/>
-              <a:t> </a:t>
+              <a:t>Thay </a:t>
+            </a:r>
+            <a:r>
+              <a:rPr lang="vi-VN" sz="1800" dirty="0"/>
+              <a:t>đổi trong tương lai:</a:t>
+            </a:r>
+            <a:br>
+              <a:rPr lang="vi-VN" sz="1800" dirty="0"/>
+            </a:br>
+            <a:r>
+              <a:rPr lang="en-US" sz="1800" dirty="0" smtClean="0"/>
+              <a:t>- </a:t>
+            </a:r>
+            <a:r>
+              <a:rPr lang="vi-VN" sz="1800" dirty="0" smtClean="0"/>
+              <a:t>Số </a:t>
+            </a:r>
+            <a:r>
+              <a:rPr lang="vi-VN" sz="1800" dirty="0"/>
+              <a:t>1: Hùng + Quốc</a:t>
+            </a:r>
+            <a:br>
+              <a:rPr lang="vi-VN" sz="1800" dirty="0"/>
+            </a:br>
+            <a:r>
+              <a:rPr lang="en-US" sz="1800" dirty="0" smtClean="0"/>
+              <a:t>- </a:t>
+            </a:r>
+            <a:r>
+              <a:rPr lang="vi-VN" sz="1800" dirty="0" smtClean="0"/>
+              <a:t>Số </a:t>
+            </a:r>
+            <a:r>
+              <a:rPr lang="vi-VN" sz="1800" dirty="0"/>
+              <a:t>2: Hùng + Hiếu</a:t>
+            </a:r>
+            <a:br>
+              <a:rPr lang="vi-VN" sz="1800" dirty="0"/>
+            </a:br>
+            <a:r>
+              <a:rPr lang="en-US" sz="1800" dirty="0" smtClean="0"/>
+              <a:t>- </a:t>
+            </a:r>
+            <a:r>
+              <a:rPr lang="vi-VN" sz="1800" dirty="0" smtClean="0"/>
+              <a:t>Số </a:t>
+            </a:r>
+            <a:r>
+              <a:rPr lang="vi-VN" sz="1800" dirty="0"/>
+              <a:t>3: Hiếu + Tuân</a:t>
+            </a:r>
+            <a:br>
+              <a:rPr lang="vi-VN" sz="1800" dirty="0"/>
+            </a:br>
+            <a:r>
+              <a:rPr lang="en-US" sz="1800" dirty="0" smtClean="0"/>
+              <a:t>- </a:t>
+            </a:r>
+            <a:r>
+              <a:rPr lang="vi-VN" sz="1800" dirty="0" smtClean="0"/>
+              <a:t>Số </a:t>
+            </a:r>
+            <a:r>
+              <a:rPr lang="vi-VN" sz="1800" dirty="0"/>
+              <a:t>4 + 6: Hiếu + Hùng</a:t>
+            </a:r>
+            <a:br>
+              <a:rPr lang="vi-VN" sz="1800" dirty="0"/>
+            </a:br>
+            <a:r>
+              <a:rPr lang="en-US" sz="1800" dirty="0" smtClean="0"/>
+              <a:t>- </a:t>
+            </a:r>
+            <a:r>
+              <a:rPr lang="vi-VN" sz="1800" dirty="0" smtClean="0"/>
+              <a:t>Số </a:t>
+            </a:r>
+            <a:r>
+              <a:rPr lang="vi-VN" sz="1800" dirty="0"/>
+              <a:t>5: Tuân + Quốc</a:t>
+            </a:r>
+            <a:br>
+              <a:rPr lang="vi-VN" sz="1800" dirty="0"/>
+            </a:br>
+            <a:r>
+              <a:rPr lang="en-US" sz="1800" dirty="0" smtClean="0"/>
+              <a:t>- </a:t>
+            </a:r>
+            <a:r>
+              <a:rPr lang="vi-VN" sz="1800" dirty="0" smtClean="0"/>
+              <a:t>Số </a:t>
+            </a:r>
+            <a:r>
+              <a:rPr lang="vi-VN" sz="1800" dirty="0"/>
+              <a:t>7: Hùng + </a:t>
+            </a:r>
+            <a:r>
+              <a:rPr lang="vi-VN" sz="1800" dirty="0" smtClean="0"/>
+              <a:t>Hiếu</a:t>
+            </a:r>
+            <a:endParaRPr lang="en-US" sz="1800" dirty="0" smtClean="0"/>
+          </a:p>
+          <a:p>
+            <a:pPr>
+              <a:lnSpc>
+                <a:spcPct val="150000"/>
+              </a:lnSpc>
+            </a:pPr>
+            <a:r>
+              <a:rPr lang="en-US" sz="1800" dirty="0" smtClean="0"/>
+              <a:t>3. </a:t>
             </a:r>
             <a:r>
               <a:rPr lang="en-US" sz="1800" dirty="0" err="1" smtClean="0"/>
-              <a:t>khó</a:t>
+              <a:t>Vẽ</a:t>
             </a:r>
             <a:r>
               <a:rPr lang="en-US" sz="1800" dirty="0" smtClean="0"/>
@@ -14222,7 +15948,7 @@
             </a:r>
             <a:r>
               <a:rPr lang="en-US" sz="1800" dirty="0" err="1" smtClean="0"/>
-              <a:t>đáp</a:t>
+              <a:t>biểu</a:t>
             </a:r>
             <a:r>
               <a:rPr lang="en-US" sz="1800" dirty="0" smtClean="0"/>
@@ -14230,15 +15956,34 @@
             </a:r>
             <a:r>
               <a:rPr lang="en-US" sz="1800" dirty="0" err="1" smtClean="0"/>
-              <a:t>ứng</a:t>
+              <a:t>đồ</a:t>
+            </a:r>
+            <a:r>
+              <a:rPr lang="vi-VN" sz="1800" dirty="0" smtClean="0"/>
+              <a:t>: </a:t>
+            </a:r>
+            <a:r>
+              <a:rPr lang="vi-VN" sz="1800" dirty="0" smtClean="0"/>
+              <a:t>Hùng</a:t>
             </a:r>
             <a:r>
               <a:rPr lang="en-US" sz="1800" dirty="0" smtClean="0"/>
-              <a:t> </a:t>
+              <a:t> + Hiếu</a:t>
+            </a:r>
+          </a:p>
+          <a:p>
+            <a:pPr>
+              <a:lnSpc>
+                <a:spcPct val="150000"/>
+              </a:lnSpc>
+            </a:pPr>
+            <a:r>
+              <a:rPr lang="en-US" sz="1800" dirty="0" smtClean="0"/>
+              <a:t>4. </a:t>
             </a:r>
             <a:r>
               <a:rPr lang="en-US" sz="1800" dirty="0" err="1" smtClean="0"/>
-              <a:t>yêu</a:t>
+              <a:t>Làm</a:t>
             </a:r>
             <a:r>
               <a:rPr lang="en-US" sz="1800" dirty="0" smtClean="0"/>
@@ -14246,7 +15991,7 @@
             </a:r>
             <a:r>
               <a:rPr lang="en-US" sz="1800" dirty="0" err="1" smtClean="0"/>
-              <a:t>cầu</a:t>
+              <a:t>báo</a:t>
             </a:r>
             <a:r>
               <a:rPr lang="en-US" sz="1800" dirty="0" smtClean="0"/>
@@ -14254,77 +15999,26 @@
             </a:r>
             <a:r>
               <a:rPr lang="en-US" sz="1800" dirty="0" err="1" smtClean="0"/>
-              <a:t>thay</a:t>
+              <a:t>cáo</a:t>
             </a:r>
             <a:r>
               <a:rPr lang="en-US" sz="1800" dirty="0" smtClean="0"/>
-              <a:t> </a:t>
+              <a:t>: </a:t>
             </a:r>
             <a:r>
               <a:rPr lang="en-US" sz="1800" dirty="0" err="1" smtClean="0"/>
-              <a:t>đổi</a:t>
-            </a:r>
-            <a:r>
-              <a:rPr lang="en-US" sz="1800" dirty="0" smtClean="0"/>
-              <a:t>, </a:t>
-            </a:r>
-            <a:r>
-              <a:rPr lang="en-US" sz="1800" dirty="0" err="1" smtClean="0"/>
-              <a:t>mở</a:t>
-            </a:r>
-            <a:r>
-              <a:rPr lang="en-US" sz="1800" dirty="0" smtClean="0"/>
-              <a:t> </a:t>
-            </a:r>
-            <a:r>
-              <a:rPr lang="en-US" sz="1800" dirty="0" err="1" smtClean="0"/>
-              <a:t>rộng</a:t>
-            </a:r>
-            <a:r>
-              <a:rPr lang="en-US" sz="1800" dirty="0" smtClean="0"/>
-              <a:t> </a:t>
-            </a:r>
-            <a:r>
-              <a:rPr lang="en-US" sz="1800" dirty="0" err="1" smtClean="0"/>
-              <a:t>phát</a:t>
-            </a:r>
-            <a:r>
-              <a:rPr lang="en-US" sz="1800" dirty="0" smtClean="0"/>
-              <a:t> </a:t>
-            </a:r>
-            <a:r>
-              <a:rPr lang="en-US" sz="1800" dirty="0" err="1" smtClean="0"/>
-              <a:t>sinh</a:t>
-            </a:r>
-            <a:r>
-              <a:rPr lang="en-US" sz="1800" dirty="0"/>
-              <a:t> </a:t>
-            </a:r>
-            <a:r>
-              <a:rPr lang="en-US" sz="1800" dirty="0" err="1" smtClean="0"/>
-              <a:t>trong</a:t>
-            </a:r>
-            <a:r>
-              <a:rPr lang="en-US" sz="1800" dirty="0" smtClean="0"/>
-              <a:t> </a:t>
-            </a:r>
-            <a:r>
-              <a:rPr lang="en-US" sz="1800" dirty="0" err="1" smtClean="0"/>
-              <a:t>tương</a:t>
-            </a:r>
-            <a:r>
-              <a:rPr lang="en-US" sz="1800" dirty="0" smtClean="0"/>
-              <a:t> </a:t>
-            </a:r>
-            <a:r>
-              <a:rPr lang="en-US" sz="1800" dirty="0" err="1" smtClean="0"/>
-              <a:t>lai</a:t>
+              <a:t>Hùng</a:t>
             </a:r>
             <a:endParaRPr lang="en-US" sz="1800" dirty="0"/>
           </a:p>
         </p:txBody>
       </p:sp>
     </p:spTree>
+    <p:extLst>
+      <p:ext uri="{BB962C8B-B14F-4D97-AF65-F5344CB8AC3E}">
+        <p14:creationId xmlns:p14="http://schemas.microsoft.com/office/powerpoint/2010/main" val="349625715"/>
+      </p:ext>
+    </p:extLst>
   </p:cSld>
   <p:clrMapOvr>
     <a:masterClrMapping/>
@@ -14449,13 +16143,22 @@
               <a:buNone/>
             </a:pPr>
             <a:r>
+              <a:rPr lang="en-US" dirty="0">
+                <a:latin typeface="Arial"/>
+                <a:ea typeface="Arial"/>
+                <a:cs typeface="Arial"/>
+                <a:sym typeface="Arial"/>
+              </a:rPr>
+              <a:t>2</a:t>
+            </a:r>
+            <a:r>
               <a:rPr lang="en-US" dirty="0" smtClean="0">
                 <a:latin typeface="Arial"/>
                 <a:ea typeface="Arial"/>
                 <a:cs typeface="Arial"/>
                 <a:sym typeface="Arial"/>
               </a:rPr>
-              <a:t>1. </a:t>
+              <a:t>. </a:t>
             </a:r>
             <a:r>
               <a:rPr lang="en-US" dirty="0" err="1" smtClean="0">
@@ -14502,7 +16205,7 @@
         <p:spPr>
           <a:xfrm>
             <a:off x="405353" y="820132"/>
-            <a:ext cx="8191892" cy="5493812"/>
+            <a:ext cx="8191892" cy="2585323"/>
           </a:xfrm>
           <a:prstGeom prst="rect">
             <a:avLst/>
@@ -14515,143 +16218,25 @@
           </a:bodyPr>
           <a:lstStyle/>
           <a:p>
-            <a:pPr>
+            <a:pPr marL="285750" indent="-285750" algn="just">
               <a:lnSpc>
                 <a:spcPct val="150000"/>
               </a:lnSpc>
+              <a:buFontTx/>
+              <a:buChar char="-"/>
             </a:pPr>
             <a:r>
-              <a:rPr lang="en-US" sz="1800" b="1" dirty="0" err="1" smtClean="0"/>
-              <a:t>Phân</a:t>
-            </a:r>
-            <a:r>
-              <a:rPr lang="en-US" sz="1800" b="1" dirty="0" smtClean="0"/>
-              <a:t> </a:t>
-            </a:r>
-            <a:r>
-              <a:rPr lang="en-US" sz="1800" b="1" dirty="0" err="1" smtClean="0"/>
-              <a:t>công</a:t>
-            </a:r>
-            <a:r>
-              <a:rPr lang="en-US" sz="1800" b="1" dirty="0" smtClean="0"/>
-              <a:t> </a:t>
-            </a:r>
-            <a:r>
-              <a:rPr lang="en-US" sz="1800" b="1" dirty="0" err="1" smtClean="0"/>
-              <a:t>công</a:t>
-            </a:r>
-            <a:r>
-              <a:rPr lang="en-US" sz="1800" b="1" dirty="0" smtClean="0"/>
-              <a:t> </a:t>
-            </a:r>
-            <a:r>
-              <a:rPr lang="en-US" sz="1800" b="1" dirty="0" err="1" smtClean="0"/>
-              <a:t>việc</a:t>
-            </a:r>
-            <a:endParaRPr lang="en-US" sz="1800" b="1" dirty="0" smtClean="0"/>
-          </a:p>
-          <a:p>
-            <a:pPr marL="342900" indent="-342900">
-              <a:lnSpc>
-                <a:spcPct val="150000"/>
-              </a:lnSpc>
-              <a:buAutoNum type="arabicPeriod"/>
-            </a:pPr>
-            <a:r>
-              <a:rPr lang="en-US" sz="1800" dirty="0" err="1" smtClean="0"/>
-              <a:t>Phát</a:t>
-            </a:r>
-            <a:r>
-              <a:rPr lang="en-US" sz="1800" dirty="0" smtClean="0"/>
-              <a:t> </a:t>
-            </a:r>
-            <a:r>
-              <a:rPr lang="en-US" sz="1800" dirty="0" err="1" smtClean="0"/>
-              <a:t>hiện</a:t>
-            </a:r>
-            <a:r>
-              <a:rPr lang="en-US" sz="1800" dirty="0" smtClean="0"/>
-              <a:t>, </a:t>
-            </a:r>
-            <a:r>
-              <a:rPr lang="en-US" sz="1800" dirty="0" err="1" smtClean="0"/>
-              <a:t>xử</a:t>
-            </a:r>
-            <a:r>
-              <a:rPr lang="en-US" sz="1800" dirty="0" smtClean="0"/>
-              <a:t> </a:t>
-            </a:r>
-            <a:r>
-              <a:rPr lang="en-US" sz="1800" dirty="0" err="1"/>
-              <a:t>lý</a:t>
-            </a:r>
-            <a:r>
-              <a:rPr lang="en-US" sz="1800" dirty="0"/>
-              <a:t> </a:t>
-            </a:r>
-            <a:r>
-              <a:rPr lang="en-US" sz="1800" dirty="0" err="1" smtClean="0"/>
-              <a:t>các</a:t>
-            </a:r>
-            <a:r>
-              <a:rPr lang="en-US" sz="1800" dirty="0" smtClean="0"/>
-              <a:t> </a:t>
-            </a:r>
-            <a:r>
-              <a:rPr lang="en-US" sz="1800" dirty="0" err="1" smtClean="0"/>
-              <a:t>vấn</a:t>
-            </a:r>
-            <a:r>
-              <a:rPr lang="en-US" sz="1800" dirty="0" smtClean="0"/>
-              <a:t> </a:t>
-            </a:r>
-            <a:r>
-              <a:rPr lang="en-US" sz="1800" dirty="0" err="1" smtClean="0"/>
-              <a:t>đề</a:t>
-            </a:r>
-            <a:r>
-              <a:rPr lang="en-US" sz="1800" dirty="0" smtClean="0"/>
-              <a:t> cohesion </a:t>
-            </a:r>
-            <a:r>
-              <a:rPr lang="en-US" sz="1800" dirty="0"/>
-              <a:t>/ coupling / SOLID / </a:t>
-            </a:r>
-            <a:r>
-              <a:rPr lang="en-US" sz="1800" dirty="0" smtClean="0"/>
-              <a:t>clean code: </a:t>
-            </a:r>
-          </a:p>
-          <a:p>
-            <a:pPr>
-              <a:lnSpc>
-                <a:spcPct val="150000"/>
-              </a:lnSpc>
-            </a:pPr>
-            <a:r>
-              <a:rPr lang="en-US" sz="1800" dirty="0" smtClean="0"/>
-              <a:t>Chia </a:t>
-            </a:r>
-            <a:r>
-              <a:rPr lang="en-US" sz="1800" dirty="0" err="1"/>
-              <a:t>theo</a:t>
-            </a:r>
-            <a:r>
-              <a:rPr lang="en-US" sz="1800" dirty="0"/>
-              <a:t> </a:t>
-            </a:r>
-            <a:r>
-              <a:rPr lang="en-US" sz="1800" dirty="0" err="1"/>
-              <a:t>subteam</a:t>
-            </a:r>
-            <a:r>
-              <a:rPr lang="en-US" sz="1800" dirty="0"/>
-              <a:t>: </a:t>
+              <a:rPr lang="vi-VN" sz="1800" dirty="0" smtClean="0"/>
+              <a:t>AIMS </a:t>
+            </a:r>
+            <a:r>
+              <a:rPr lang="vi-VN" sz="1800" dirty="0"/>
+              <a:t>là một cửa hàng online, có chức năng đặt hàng các loại media (sách, đĩa CD, đĩa DVD) từ cửa hàng. </a:t>
             </a:r>
             <a:endParaRPr lang="en-US" sz="1800" dirty="0" smtClean="0"/>
           </a:p>
           <a:p>
-            <a:pPr marL="285750" indent="-285750">
+            <a:pPr marL="285750" indent="-285750" algn="just">
               <a:lnSpc>
                 <a:spcPct val="150000"/>
               </a:lnSpc>
@@ -14659,290 +16244,373 @@
               <a:buChar char="-"/>
             </a:pPr>
             <a:r>
+              <a:rPr lang="vi-VN" sz="1800" dirty="0" smtClean="0"/>
+              <a:t>Phần </a:t>
+            </a:r>
+            <a:r>
+              <a:rPr lang="vi-VN" sz="1800" dirty="0"/>
+              <a:t>mềm </a:t>
+            </a:r>
+            <a:r>
+              <a:rPr lang="vi-VN" sz="1800" dirty="0" smtClean="0"/>
+              <a:t>đã </a:t>
+            </a:r>
+            <a:r>
+              <a:rPr lang="vi-VN" sz="1800" dirty="0"/>
+              <a:t>đáp ứng được các chức năng chính tại thời điểm hiện tại, nhưng chưa đảm </a:t>
+            </a:r>
+            <a:r>
+              <a:rPr lang="vi-VN" sz="1800" dirty="0" smtClean="0"/>
+              <a:t>bảo</a:t>
+            </a:r>
+            <a:r>
               <a:rPr lang="en-US" sz="1800" dirty="0" smtClean="0"/>
-              <a:t>Hiếu </a:t>
-            </a:r>
-            <a:r>
-              <a:rPr lang="en-US" sz="1800" dirty="0"/>
-              <a:t>+ </a:t>
-            </a:r>
-            <a:r>
-              <a:rPr lang="en-US" sz="1800" dirty="0" err="1"/>
-              <a:t>Tuân</a:t>
-            </a:r>
-            <a:r>
-              <a:rPr lang="en-US" sz="1800" dirty="0"/>
-              <a:t>: </a:t>
+              <a:t> </a:t>
+            </a:r>
+            <a:r>
+              <a:rPr lang="en-US" sz="1800" dirty="0" err="1" smtClean="0"/>
+              <a:t>tính</a:t>
             </a:r>
             <a:r>
               <a:rPr lang="en-US" sz="1800" dirty="0" smtClean="0"/>
-              <a:t>common </a:t>
-            </a:r>
-            <a:r>
-              <a:rPr lang="en-US" sz="1800" dirty="0"/>
-              <a:t>+ controller + </a:t>
-            </a:r>
-            <a:r>
-              <a:rPr lang="en-US" sz="1800" dirty="0" err="1"/>
-              <a:t>dao</a:t>
-            </a:r>
-            <a:r>
-              <a:rPr lang="en-US" sz="1800" dirty="0"/>
-              <a:t> + </a:t>
+              <a:t> high cohesion, low coupling,</a:t>
+            </a:r>
+            <a:r>
+              <a:rPr lang="vi-VN" sz="1800" dirty="0" smtClean="0"/>
+              <a:t> </a:t>
+            </a:r>
+            <a:r>
+              <a:rPr lang="en-US" sz="1800" dirty="0" err="1" smtClean="0"/>
+              <a:t>chưa</a:t>
             </a:r>
             <a:r>
               <a:rPr lang="en-US" sz="1800" dirty="0" smtClean="0"/>
-              <a:t>entity</a:t>
+              <a:t> </a:t>
+            </a:r>
+            <a:r>
+              <a:rPr lang="vi-VN" sz="1800" dirty="0" smtClean="0"/>
+              <a:t>tuân </a:t>
+            </a:r>
+            <a:r>
+              <a:rPr lang="vi-VN" sz="1800" dirty="0"/>
+              <a:t>thủ </a:t>
+            </a:r>
+            <a:r>
+              <a:rPr lang="vi-VN" sz="1800" dirty="0" smtClean="0"/>
+              <a:t>SOLID</a:t>
+            </a:r>
+            <a:r>
+              <a:rPr lang="en-US" sz="1800" dirty="0" smtClean="0"/>
+              <a:t>…</a:t>
             </a:r>
           </a:p>
           <a:p>
-            <a:pPr marL="285750" indent="-285750">
+            <a:pPr algn="just">
               <a:lnSpc>
                 <a:spcPct val="150000"/>
               </a:lnSpc>
-              <a:buFontTx/>
-              <a:buChar char="-"/>
             </a:pPr>
             <a:r>
-              <a:rPr lang="en-US" sz="1800" dirty="0" err="1" smtClean="0"/>
-              <a:t>Hùng</a:t>
-            </a:r>
-            <a:r>
               <a:rPr lang="en-US" sz="1800" dirty="0" smtClean="0"/>
-              <a:t> </a:t>
-            </a:r>
-            <a:r>
-              <a:rPr lang="en-US" sz="1800" dirty="0"/>
-              <a:t>+ </a:t>
-            </a:r>
-            <a:r>
-              <a:rPr lang="en-US" sz="1800" dirty="0" err="1" smtClean="0"/>
-              <a:t>Quốc</a:t>
-            </a:r>
-            <a:r>
-              <a:rPr lang="en-US" sz="1800" dirty="0" smtClean="0"/>
-              <a:t>: subsystem </a:t>
-            </a:r>
-            <a:r>
-              <a:rPr lang="en-US" sz="1800" dirty="0"/>
-              <a:t>+ </a:t>
-            </a:r>
-            <a:r>
-              <a:rPr lang="en-US" sz="1800" dirty="0" err="1"/>
-              <a:t>utils</a:t>
-            </a:r>
-            <a:r>
-              <a:rPr lang="en-US" sz="1800" dirty="0"/>
-              <a:t> + </a:t>
-            </a:r>
-            <a:r>
-              <a:rPr lang="en-US" sz="1800" dirty="0" err="1" smtClean="0"/>
-              <a:t>views.screen</a:t>
-            </a:r>
-            <a:endParaRPr lang="en-US" sz="1800" dirty="0" smtClean="0"/>
-          </a:p>
-          <a:p>
-            <a:pPr>
-              <a:lnSpc>
-                <a:spcPct val="150000"/>
-              </a:lnSpc>
-            </a:pPr>
-            <a:r>
-              <a:rPr lang="en-US" sz="1800" dirty="0" smtClean="0"/>
-              <a:t>2. </a:t>
+              <a:t>=&gt;</a:t>
             </a:r>
             <a:r>
               <a:rPr lang="vi-VN" sz="1800" dirty="0" smtClean="0"/>
-              <a:t>Thay </a:t>
-            </a:r>
-            <a:r>
-              <a:rPr lang="vi-VN" sz="1800" dirty="0"/>
-              <a:t>đổi trong tương lai:</a:t>
-            </a:r>
-            <a:r>
-              <a:rPr lang="vi-VN" sz="1800" dirty="0"/>
-              <a:t/>
-            </a:r>
-            <a:br>
-              <a:rPr lang="vi-VN" sz="1800" dirty="0"/>
-            </a:br>
-            <a:r>
-              <a:rPr lang="en-US" sz="1800" dirty="0" smtClean="0"/>
-              <a:t>- </a:t>
-            </a:r>
-            <a:r>
-              <a:rPr lang="vi-VN" sz="1800" dirty="0" smtClean="0"/>
-              <a:t>Số </a:t>
-            </a:r>
-            <a:r>
-              <a:rPr lang="vi-VN" sz="1800" dirty="0"/>
-              <a:t>1: Hùng + Quốc</a:t>
-            </a:r>
-            <a:r>
-              <a:rPr lang="vi-VN" sz="1800" dirty="0"/>
-              <a:t/>
-            </a:r>
-            <a:br>
-              <a:rPr lang="vi-VN" sz="1800" dirty="0"/>
-            </a:br>
-            <a:r>
-              <a:rPr lang="en-US" sz="1800" dirty="0" smtClean="0"/>
-              <a:t>- </a:t>
-            </a:r>
-            <a:r>
-              <a:rPr lang="vi-VN" sz="1800" dirty="0" smtClean="0"/>
-              <a:t>Số </a:t>
-            </a:r>
-            <a:r>
-              <a:rPr lang="vi-VN" sz="1800" dirty="0"/>
-              <a:t>2: Hùng + Hiếu</a:t>
-            </a:r>
-            <a:r>
-              <a:rPr lang="vi-VN" sz="1800" dirty="0"/>
-              <a:t/>
-            </a:r>
-            <a:br>
-              <a:rPr lang="vi-VN" sz="1800" dirty="0"/>
-            </a:br>
-            <a:r>
-              <a:rPr lang="en-US" sz="1800" dirty="0" smtClean="0"/>
-              <a:t>- </a:t>
-            </a:r>
-            <a:r>
-              <a:rPr lang="vi-VN" sz="1800" dirty="0" smtClean="0"/>
-              <a:t>Số </a:t>
-            </a:r>
-            <a:r>
-              <a:rPr lang="vi-VN" sz="1800" dirty="0"/>
-              <a:t>3: Hiếu + Tuân</a:t>
-            </a:r>
-            <a:r>
-              <a:rPr lang="vi-VN" sz="1800" dirty="0"/>
-              <a:t/>
-            </a:r>
-            <a:br>
-              <a:rPr lang="vi-VN" sz="1800" dirty="0"/>
-            </a:br>
-            <a:r>
-              <a:rPr lang="en-US" sz="1800" dirty="0" smtClean="0"/>
-              <a:t>- </a:t>
-            </a:r>
-            <a:r>
-              <a:rPr lang="vi-VN" sz="1800" dirty="0" smtClean="0"/>
-              <a:t>Số </a:t>
-            </a:r>
-            <a:r>
-              <a:rPr lang="vi-VN" sz="1800" dirty="0"/>
-              <a:t>4 + 6: Hiếu + Hùng</a:t>
-            </a:r>
-            <a:r>
-              <a:rPr lang="vi-VN" sz="1800" dirty="0"/>
-              <a:t/>
-            </a:r>
-            <a:br>
-              <a:rPr lang="vi-VN" sz="1800" dirty="0"/>
-            </a:br>
-            <a:r>
-              <a:rPr lang="en-US" sz="1800" dirty="0" smtClean="0"/>
-              <a:t>- </a:t>
-            </a:r>
-            <a:r>
-              <a:rPr lang="vi-VN" sz="1800" dirty="0" smtClean="0"/>
-              <a:t>Số </a:t>
-            </a:r>
-            <a:r>
-              <a:rPr lang="vi-VN" sz="1800" dirty="0"/>
-              <a:t>5: Tuân + Quốc</a:t>
-            </a:r>
-            <a:r>
-              <a:rPr lang="vi-VN" sz="1800" dirty="0"/>
-              <a:t/>
-            </a:r>
-            <a:br>
-              <a:rPr lang="vi-VN" sz="1800" dirty="0"/>
-            </a:br>
-            <a:r>
-              <a:rPr lang="en-US" sz="1800" dirty="0" smtClean="0"/>
-              <a:t>- </a:t>
-            </a:r>
-            <a:r>
-              <a:rPr lang="vi-VN" sz="1800" dirty="0" smtClean="0"/>
-              <a:t>Số </a:t>
-            </a:r>
-            <a:r>
-              <a:rPr lang="vi-VN" sz="1800" dirty="0"/>
-              <a:t>7: Hùng + </a:t>
-            </a:r>
-            <a:r>
-              <a:rPr lang="vi-VN" sz="1800" dirty="0" smtClean="0"/>
-              <a:t>Hiếu</a:t>
-            </a:r>
-            <a:endParaRPr lang="en-US" sz="1800" dirty="0" smtClean="0"/>
-          </a:p>
-          <a:p>
-            <a:pPr>
-              <a:lnSpc>
-                <a:spcPct val="150000"/>
-              </a:lnSpc>
-            </a:pPr>
-            <a:r>
-              <a:rPr lang="en-US" sz="1800" dirty="0" smtClean="0"/>
-              <a:t>3. </a:t>
-            </a:r>
-            <a:r>
-              <a:rPr lang="vi-VN" sz="1800" dirty="0" smtClean="0"/>
-              <a:t>Làm </a:t>
-            </a:r>
-            <a:r>
-              <a:rPr lang="vi-VN" sz="1800" dirty="0"/>
-              <a:t>báo </a:t>
-            </a:r>
-            <a:r>
-              <a:rPr lang="vi-VN" sz="1800" dirty="0" smtClean="0"/>
-              <a:t>cáo</a:t>
-            </a:r>
-            <a:r>
-              <a:rPr lang="en-US" sz="1800" dirty="0" smtClean="0"/>
+              <a:t> </a:t>
+            </a:r>
+            <a:r>
+              <a:rPr lang="en-US" sz="1800" dirty="0" err="1">
+                <a:solidFill>
+                  <a:srgbClr val="FF0000"/>
+                </a:solidFill>
+              </a:rPr>
+              <a:t>K</a:t>
+            </a:r>
+            <a:r>
+              <a:rPr lang="en-US" sz="1800" dirty="0" err="1" smtClean="0">
+                <a:solidFill>
+                  <a:srgbClr val="FF0000"/>
+                </a:solidFill>
+              </a:rPr>
+              <a:t>hó</a:t>
+            </a:r>
+            <a:r>
+              <a:rPr lang="en-US" sz="1800" dirty="0" smtClean="0">
+                <a:solidFill>
+                  <a:srgbClr val="FF0000"/>
+                </a:solidFill>
+              </a:rPr>
+              <a:t> </a:t>
+            </a:r>
+            <a:r>
+              <a:rPr lang="en-US" sz="1800" dirty="0" err="1" smtClean="0">
+                <a:solidFill>
+                  <a:srgbClr val="FF0000"/>
+                </a:solidFill>
+              </a:rPr>
+              <a:t>đáp</a:t>
+            </a:r>
+            <a:r>
+              <a:rPr lang="en-US" sz="1800" dirty="0" smtClean="0">
+                <a:solidFill>
+                  <a:srgbClr val="FF0000"/>
+                </a:solidFill>
+              </a:rPr>
+              <a:t> </a:t>
+            </a:r>
+            <a:r>
+              <a:rPr lang="en-US" sz="1800" dirty="0" err="1" smtClean="0">
+                <a:solidFill>
+                  <a:srgbClr val="FF0000"/>
+                </a:solidFill>
+              </a:rPr>
+              <a:t>ứng</a:t>
+            </a:r>
+            <a:r>
+              <a:rPr lang="en-US" sz="1800" dirty="0" smtClean="0">
+                <a:solidFill>
+                  <a:srgbClr val="FF0000"/>
+                </a:solidFill>
+              </a:rPr>
+              <a:t> </a:t>
+            </a:r>
+            <a:r>
+              <a:rPr lang="en-US" sz="1800" dirty="0" err="1" smtClean="0">
+                <a:solidFill>
+                  <a:srgbClr val="FF0000"/>
+                </a:solidFill>
+              </a:rPr>
+              <a:t>yêu</a:t>
+            </a:r>
+            <a:r>
+              <a:rPr lang="en-US" sz="1800" dirty="0" smtClean="0">
+                <a:solidFill>
+                  <a:srgbClr val="FF0000"/>
+                </a:solidFill>
+              </a:rPr>
+              <a:t> </a:t>
+            </a:r>
+            <a:r>
+              <a:rPr lang="en-US" sz="1800" dirty="0" err="1" smtClean="0">
+                <a:solidFill>
+                  <a:srgbClr val="FF0000"/>
+                </a:solidFill>
+              </a:rPr>
+              <a:t>cầu</a:t>
+            </a:r>
+            <a:r>
+              <a:rPr lang="en-US" sz="1800" dirty="0" smtClean="0">
+                <a:solidFill>
+                  <a:srgbClr val="FF0000"/>
+                </a:solidFill>
+              </a:rPr>
+              <a:t> </a:t>
+            </a:r>
+            <a:r>
+              <a:rPr lang="en-US" sz="1800" dirty="0" err="1" smtClean="0">
+                <a:solidFill>
+                  <a:srgbClr val="FF0000"/>
+                </a:solidFill>
+              </a:rPr>
+              <a:t>thay</a:t>
+            </a:r>
+            <a:r>
+              <a:rPr lang="en-US" sz="1800" dirty="0" smtClean="0">
+                <a:solidFill>
+                  <a:srgbClr val="FF0000"/>
+                </a:solidFill>
+              </a:rPr>
+              <a:t> </a:t>
+            </a:r>
+            <a:r>
+              <a:rPr lang="en-US" sz="1800" dirty="0" err="1" smtClean="0">
+                <a:solidFill>
+                  <a:srgbClr val="FF0000"/>
+                </a:solidFill>
+              </a:rPr>
+              <a:t>đổi</a:t>
+            </a:r>
+            <a:r>
+              <a:rPr lang="en-US" sz="1800" dirty="0" smtClean="0">
+                <a:solidFill>
+                  <a:srgbClr val="FF0000"/>
+                </a:solidFill>
+              </a:rPr>
               <a:t>, </a:t>
             </a:r>
             <a:r>
-              <a:rPr lang="en-US" sz="1800" dirty="0" err="1" smtClean="0"/>
-              <a:t>vẽ</a:t>
-            </a:r>
-            <a:r>
-              <a:rPr lang="en-US" sz="1800" dirty="0" smtClean="0"/>
-              <a:t> </a:t>
-            </a:r>
-            <a:r>
-              <a:rPr lang="en-US" sz="1800" dirty="0" err="1" smtClean="0"/>
-              <a:t>biểu</a:t>
-            </a:r>
-            <a:r>
-              <a:rPr lang="en-US" sz="1800" dirty="0" smtClean="0"/>
-              <a:t> </a:t>
-            </a:r>
-            <a:r>
-              <a:rPr lang="en-US" sz="1800" dirty="0" err="1" smtClean="0"/>
-              <a:t>đồ</a:t>
-            </a:r>
-            <a:r>
-              <a:rPr lang="vi-VN" sz="1800" dirty="0" smtClean="0"/>
-              <a:t>: Hùng</a:t>
-            </a:r>
-            <a:r>
-              <a:rPr lang="en-US" sz="1800" dirty="0" smtClean="0"/>
-              <a:t> + Hiếu</a:t>
-            </a:r>
-            <a:endParaRPr lang="en-US" sz="1800" b="1" dirty="0"/>
+              <a:rPr lang="en-US" sz="1800" dirty="0" err="1" smtClean="0">
+                <a:solidFill>
+                  <a:srgbClr val="FF0000"/>
+                </a:solidFill>
+              </a:rPr>
+              <a:t>mở</a:t>
+            </a:r>
+            <a:r>
+              <a:rPr lang="en-US" sz="1800" dirty="0" smtClean="0">
+                <a:solidFill>
+                  <a:srgbClr val="FF0000"/>
+                </a:solidFill>
+              </a:rPr>
+              <a:t> </a:t>
+            </a:r>
+            <a:r>
+              <a:rPr lang="en-US" sz="1800" dirty="0" err="1" smtClean="0">
+                <a:solidFill>
+                  <a:srgbClr val="FF0000"/>
+                </a:solidFill>
+              </a:rPr>
+              <a:t>rộng</a:t>
+            </a:r>
+            <a:r>
+              <a:rPr lang="en-US" sz="1800" dirty="0" smtClean="0">
+                <a:solidFill>
+                  <a:srgbClr val="FF0000"/>
+                </a:solidFill>
+              </a:rPr>
+              <a:t> </a:t>
+            </a:r>
+            <a:r>
+              <a:rPr lang="en-US" sz="1800" dirty="0" err="1" smtClean="0">
+                <a:solidFill>
+                  <a:srgbClr val="FF0000"/>
+                </a:solidFill>
+              </a:rPr>
+              <a:t>phát</a:t>
+            </a:r>
+            <a:r>
+              <a:rPr lang="en-US" sz="1800" dirty="0" smtClean="0">
+                <a:solidFill>
+                  <a:srgbClr val="FF0000"/>
+                </a:solidFill>
+              </a:rPr>
+              <a:t> </a:t>
+            </a:r>
+            <a:r>
+              <a:rPr lang="en-US" sz="1800" dirty="0" err="1" smtClean="0">
+                <a:solidFill>
+                  <a:srgbClr val="FF0000"/>
+                </a:solidFill>
+              </a:rPr>
+              <a:t>sinh</a:t>
+            </a:r>
+            <a:r>
+              <a:rPr lang="en-US" sz="1800" dirty="0">
+                <a:solidFill>
+                  <a:srgbClr val="FF0000"/>
+                </a:solidFill>
+              </a:rPr>
+              <a:t> </a:t>
+            </a:r>
+            <a:r>
+              <a:rPr lang="en-US" sz="1800" dirty="0" err="1" smtClean="0">
+                <a:solidFill>
+                  <a:srgbClr val="FF0000"/>
+                </a:solidFill>
+              </a:rPr>
+              <a:t>trong</a:t>
+            </a:r>
+            <a:r>
+              <a:rPr lang="en-US" sz="1800" dirty="0" smtClean="0">
+                <a:solidFill>
+                  <a:srgbClr val="FF0000"/>
+                </a:solidFill>
+              </a:rPr>
+              <a:t> </a:t>
+            </a:r>
+            <a:r>
+              <a:rPr lang="en-US" sz="1800" dirty="0" err="1" smtClean="0">
+                <a:solidFill>
+                  <a:srgbClr val="FF0000"/>
+                </a:solidFill>
+              </a:rPr>
+              <a:t>tương</a:t>
+            </a:r>
+            <a:r>
+              <a:rPr lang="en-US" sz="1800" dirty="0" smtClean="0">
+                <a:solidFill>
+                  <a:srgbClr val="FF0000"/>
+                </a:solidFill>
+              </a:rPr>
+              <a:t> </a:t>
+            </a:r>
+            <a:r>
+              <a:rPr lang="en-US" sz="1800" dirty="0" err="1" smtClean="0">
+                <a:solidFill>
+                  <a:srgbClr val="FF0000"/>
+                </a:solidFill>
+              </a:rPr>
+              <a:t>lai</a:t>
+            </a:r>
+            <a:endParaRPr lang="en-US" sz="1800" dirty="0">
+              <a:solidFill>
+                <a:srgbClr val="FF0000"/>
+              </a:solidFill>
+            </a:endParaRPr>
           </a:p>
         </p:txBody>
       </p:sp>
+      <p:pic>
+        <p:nvPicPr>
+          <p:cNvPr id="2" name="Picture 1"/>
+          <p:cNvPicPr>
+            <a:picLocks noChangeAspect="1"/>
+          </p:cNvPicPr>
+          <p:nvPr/>
+        </p:nvPicPr>
+        <p:blipFill>
+          <a:blip r:embed="rId3">
+            <a:extLst>
+              <a:ext uri="{28A0092B-C50C-407E-A947-70E740481C1C}">
+                <a14:useLocalDpi xmlns:a14="http://schemas.microsoft.com/office/drawing/2010/main" val="0"/>
+              </a:ext>
+            </a:extLst>
+          </a:blip>
+          <a:stretch>
+            <a:fillRect/>
+          </a:stretch>
+        </p:blipFill>
+        <p:spPr>
+          <a:xfrm>
+            <a:off x="764651" y="3405454"/>
+            <a:ext cx="4000598" cy="2665014"/>
+          </a:xfrm>
+          <a:prstGeom prst="rect">
+            <a:avLst/>
+          </a:prstGeom>
+        </p:spPr>
+      </p:pic>
+      <p:pic>
+        <p:nvPicPr>
+          <p:cNvPr id="4" name="Picture 3"/>
+          <p:cNvPicPr>
+            <a:picLocks noChangeAspect="1"/>
+          </p:cNvPicPr>
+          <p:nvPr/>
+        </p:nvPicPr>
+        <p:blipFill>
+          <a:blip r:embed="rId4">
+            <a:extLst>
+              <a:ext uri="{28A0092B-C50C-407E-A947-70E740481C1C}">
+                <a14:useLocalDpi xmlns:a14="http://schemas.microsoft.com/office/drawing/2010/main" val="0"/>
+              </a:ext>
+            </a:extLst>
+          </a:blip>
+          <a:stretch>
+            <a:fillRect/>
+          </a:stretch>
+        </p:blipFill>
+        <p:spPr>
+          <a:xfrm>
+            <a:off x="5859903" y="3887989"/>
+            <a:ext cx="2014960" cy="1699945"/>
+          </a:xfrm>
+          <a:prstGeom prst="rect">
+            <a:avLst/>
+          </a:prstGeom>
+        </p:spPr>
+      </p:pic>
     </p:spTree>
-    <p:extLst>
-      <p:ext uri="{BB962C8B-B14F-4D97-AF65-F5344CB8AC3E}">
-        <p14:creationId xmlns:p14="http://schemas.microsoft.com/office/powerpoint/2010/main" val="349625715"/>
-      </p:ext>
-    </p:extLst>
   </p:cSld>
   <p:clrMapOvr>
     <a:masterClrMapping/>
@@ -15067,13 +16735,22 @@
               <a:buNone/>
             </a:pPr>
             <a:r>
+              <a:rPr lang="en-US" dirty="0">
+                <a:latin typeface="Arial"/>
+                <a:ea typeface="Arial"/>
+                <a:cs typeface="Arial"/>
+                <a:sym typeface="Arial"/>
+              </a:rPr>
+              <a:t>2</a:t>
+            </a:r>
+            <a:r>
               <a:rPr lang="en-US" dirty="0" smtClean="0">
                 <a:latin typeface="Arial"/>
                 <a:ea typeface="Arial"/>
                 <a:cs typeface="Arial"/>
                 <a:sym typeface="Arial"/>
               </a:rPr>
-              <a:t>1. </a:t>
+              <a:t>. </a:t>
             </a:r>
             <a:r>
               <a:rPr lang="en-US" dirty="0" err="1" smtClean="0">
@@ -15189,6 +16866,18 @@
           <a:p>
             <a:pPr algn="ctr"/>
             <a:r>
+              <a:rPr lang="en-US" b="1" dirty="0" err="1" smtClean="0"/>
+              <a:t>Hình</a:t>
+            </a:r>
+            <a:r>
+              <a:rPr lang="en-US" b="1" dirty="0" smtClean="0"/>
+              <a:t> 1</a:t>
+            </a:r>
+            <a:r>
+              <a:rPr lang="en-US" dirty="0" smtClean="0"/>
+              <a:t> </a:t>
+            </a:r>
+            <a:r>
               <a:rPr lang="en-US" dirty="0" err="1" smtClean="0"/>
               <a:t>Biểu</a:t>
             </a:r>
@@ -15215,34 +16904,6 @@
             <a:r>
               <a:rPr lang="en-US" dirty="0" err="1" smtClean="0"/>
               <a:t>quan</a:t>
-            </a:r>
-            <a:r>
-              <a:rPr lang="en-US" dirty="0" smtClean="0"/>
-              <a:t> </a:t>
-            </a:r>
-            <a:r>
-              <a:rPr lang="en-US" dirty="0" err="1" smtClean="0"/>
-              <a:t>của</a:t>
-            </a:r>
-            <a:r>
-              <a:rPr lang="en-US" dirty="0" smtClean="0"/>
-              <a:t> </a:t>
-            </a:r>
-            <a:r>
-              <a:rPr lang="en-US" dirty="0" err="1" smtClean="0"/>
-              <a:t>hệ</a:t>
-            </a:r>
-            <a:r>
-              <a:rPr lang="en-US" dirty="0" smtClean="0"/>
-              <a:t> </a:t>
-            </a:r>
-            <a:r>
-              <a:rPr lang="en-US" dirty="0" err="1" smtClean="0"/>
-              <a:t>thống</a:t>
-            </a:r>
-            <a:r>
-              <a:rPr lang="en-US" dirty="0" smtClean="0"/>
-              <a:t> AIMS</a:t>
             </a:r>
             <a:endParaRPr lang="en-US" dirty="0"/>
           </a:p>
@@ -15384,7 +17045,7 @@
                 <a:cs typeface="Arial"/>
                 <a:sym typeface="Arial"/>
               </a:rPr>
-              <a:t>2. </a:t>
+              <a:t>3. </a:t>
             </a:r>
             <a:r>
               <a:rPr lang="en-US" dirty="0" err="1" smtClean="0">
@@ -15420,52 +17081,7 @@
                 <a:cs typeface="Arial"/>
                 <a:sym typeface="Arial"/>
               </a:rPr>
-              <a:t> </a:t>
-            </a:r>
-            <a:r>
-              <a:rPr lang="en-US" dirty="0" err="1" smtClean="0">
-                <a:latin typeface="Arial"/>
-                <a:ea typeface="Arial"/>
-                <a:cs typeface="Arial"/>
-                <a:sym typeface="Arial"/>
-              </a:rPr>
-              <a:t>thiết</a:t>
-            </a:r>
-            <a:r>
-              <a:rPr lang="en-US" dirty="0" smtClean="0">
-                <a:latin typeface="Arial"/>
-                <a:ea typeface="Arial"/>
-                <a:cs typeface="Arial"/>
-                <a:sym typeface="Arial"/>
-              </a:rPr>
-              <a:t> </a:t>
-            </a:r>
-            <a:r>
-              <a:rPr lang="en-US" dirty="0" err="1" smtClean="0">
-                <a:latin typeface="Arial"/>
-                <a:ea typeface="Arial"/>
-                <a:cs typeface="Arial"/>
-                <a:sym typeface="Arial"/>
-              </a:rPr>
-              <a:t>kế</a:t>
-            </a:r>
-            <a:r>
-              <a:rPr lang="en-US" dirty="0" smtClean="0">
-                <a:latin typeface="Arial"/>
-                <a:ea typeface="Arial"/>
-                <a:cs typeface="Arial"/>
-                <a:sym typeface="Arial"/>
-              </a:rPr>
-              <a:t> </a:t>
-            </a:r>
-            <a:r>
-              <a:rPr lang="en-US" dirty="0" err="1" smtClean="0">
-                <a:latin typeface="Arial"/>
-                <a:ea typeface="Arial"/>
-                <a:cs typeface="Arial"/>
-                <a:sym typeface="Arial"/>
-              </a:rPr>
-              <a:t>cũ</a:t>
+              <a:t>, refactor</a:t>
             </a:r>
             <a:endParaRPr dirty="0">
               <a:latin typeface="Arial"/>
@@ -15478,14 +17094,14 @@
       </p:sp>
       <p:sp>
         <p:nvSpPr>
-          <p:cNvPr id="3" name="TextBox 2"/>
+          <p:cNvPr id="5" name="TextBox 4"/>
           <p:cNvSpPr txBox="1"/>
           <p:nvPr/>
         </p:nvSpPr>
         <p:spPr>
           <a:xfrm>
-            <a:off x="1640264" y="5822671"/>
-            <a:ext cx="5703217" cy="307777"/>
+            <a:off x="301658" y="801278"/>
+            <a:ext cx="8484123" cy="4524315"/>
           </a:xfrm>
           <a:prstGeom prst="rect">
             <a:avLst/>
@@ -15498,64 +17114,1532 @@
           </a:bodyPr>
           <a:lstStyle/>
           <a:p>
-            <a:pPr algn="ctr"/>
-            <a:r>
-              <a:rPr lang="en-US" dirty="0" err="1" smtClean="0"/>
-              <a:t>Biểu</a:t>
-            </a:r>
-            <a:r>
-              <a:rPr lang="en-US" dirty="0" smtClean="0"/>
-              <a:t> </a:t>
-            </a:r>
-            <a:r>
-              <a:rPr lang="en-US" dirty="0" err="1" smtClean="0"/>
-              <a:t>đồ</a:t>
-            </a:r>
-            <a:r>
-              <a:rPr lang="en-US" dirty="0" smtClean="0"/>
-              <a:t> use case </a:t>
-            </a:r>
-            <a:r>
-              <a:rPr lang="en-US" dirty="0" err="1" smtClean="0"/>
-              <a:t>tổng</a:t>
-            </a:r>
-            <a:r>
-              <a:rPr lang="en-US" dirty="0" smtClean="0"/>
-              <a:t> </a:t>
-            </a:r>
-            <a:r>
-              <a:rPr lang="en-US" dirty="0" err="1" smtClean="0"/>
+            <a:pPr>
+              <a:lnSpc>
+                <a:spcPct val="150000"/>
+              </a:lnSpc>
+            </a:pPr>
+            <a:r>
+              <a:rPr lang="en-US" sz="1600" b="1" dirty="0" smtClean="0"/>
+              <a:t>3.1. </a:t>
+            </a:r>
+            <a:r>
+              <a:rPr lang="en-US" sz="1600" b="1" dirty="0" err="1" smtClean="0"/>
+              <a:t>Các</a:t>
+            </a:r>
+            <a:r>
+              <a:rPr lang="en-US" sz="1600" b="1" dirty="0" smtClean="0"/>
+              <a:t> </a:t>
+            </a:r>
+            <a:r>
+              <a:rPr lang="en-US" sz="1600" b="1" dirty="0" err="1" smtClean="0"/>
+              <a:t>vấn</a:t>
+            </a:r>
+            <a:r>
+              <a:rPr lang="en-US" sz="1600" b="1" dirty="0" smtClean="0"/>
+              <a:t> </a:t>
+            </a:r>
+            <a:r>
+              <a:rPr lang="en-US" sz="1600" b="1" dirty="0" err="1" smtClean="0"/>
+              <a:t>đề</a:t>
+            </a:r>
+            <a:r>
+              <a:rPr lang="en-US" sz="1600" b="1" dirty="0" smtClean="0"/>
+              <a:t> vi </a:t>
+            </a:r>
+            <a:r>
+              <a:rPr lang="en-US" sz="1600" b="1" dirty="0" err="1" smtClean="0"/>
+              <a:t>phạm</a:t>
+            </a:r>
+            <a:r>
+              <a:rPr lang="en-US" sz="1600" b="1" dirty="0" smtClean="0"/>
+              <a:t> High cohesion</a:t>
+            </a:r>
+          </a:p>
+          <a:p>
+            <a:pPr marL="285750" indent="-285750">
+              <a:lnSpc>
+                <a:spcPct val="150000"/>
+              </a:lnSpc>
+              <a:buFontTx/>
+              <a:buChar char="-"/>
+            </a:pPr>
+            <a:r>
+              <a:rPr lang="en-US" sz="1600" b="1" dirty="0" smtClean="0"/>
+              <a:t>Co-incidental cohesion</a:t>
+            </a:r>
+          </a:p>
+          <a:p>
+            <a:pPr>
+              <a:lnSpc>
+                <a:spcPct val="150000"/>
+              </a:lnSpc>
+            </a:pPr>
+            <a:r>
+              <a:rPr lang="en-US" sz="1600" dirty="0" smtClean="0"/>
+              <a:t>+ </a:t>
+            </a:r>
+            <a:r>
+              <a:rPr lang="en-US" sz="1600" dirty="0" err="1" smtClean="0"/>
+              <a:t>Một</a:t>
+            </a:r>
+            <a:r>
+              <a:rPr lang="en-US" sz="1600" dirty="0" smtClean="0"/>
+              <a:t> </a:t>
+            </a:r>
+            <a:r>
+              <a:rPr lang="en-US" sz="1600" dirty="0" err="1" smtClean="0"/>
+              <a:t>số</a:t>
+            </a:r>
+            <a:r>
+              <a:rPr lang="en-US" sz="1600" dirty="0" smtClean="0"/>
+              <a:t> </a:t>
+            </a:r>
+            <a:r>
+              <a:rPr lang="en-US" sz="1600" dirty="0" err="1" smtClean="0"/>
+              <a:t>thuộc</a:t>
+            </a:r>
+            <a:r>
+              <a:rPr lang="en-US" sz="1600" dirty="0" smtClean="0"/>
+              <a:t> </a:t>
+            </a:r>
+            <a:r>
+              <a:rPr lang="en-US" sz="1600" dirty="0" err="1" smtClean="0"/>
+              <a:t>tính</a:t>
+            </a:r>
+            <a:r>
+              <a:rPr lang="en-US" sz="1600" dirty="0" smtClean="0"/>
+              <a:t>, </a:t>
+            </a:r>
+            <a:r>
+              <a:rPr lang="en-US" sz="1600" dirty="0" err="1" smtClean="0"/>
+              <a:t>phương</a:t>
+            </a:r>
+            <a:r>
+              <a:rPr lang="en-US" sz="1600" dirty="0" smtClean="0"/>
+              <a:t> </a:t>
+            </a:r>
+            <a:r>
+              <a:rPr lang="en-US" sz="1600" dirty="0" err="1" smtClean="0"/>
+              <a:t>thức</a:t>
+            </a:r>
+            <a:r>
+              <a:rPr lang="en-US" sz="1600" dirty="0" smtClean="0"/>
+              <a:t> </a:t>
+            </a:r>
+            <a:r>
+              <a:rPr lang="en-US" sz="1600" dirty="0" err="1" smtClean="0"/>
+              <a:t>khai</a:t>
+            </a:r>
+            <a:r>
+              <a:rPr lang="en-US" sz="1600" dirty="0" smtClean="0"/>
+              <a:t> </a:t>
+            </a:r>
+            <a:r>
+              <a:rPr lang="en-US" sz="1600" dirty="0" err="1" smtClean="0"/>
+              <a:t>báo</a:t>
+            </a:r>
+            <a:r>
+              <a:rPr lang="en-US" sz="1600" dirty="0" smtClean="0"/>
+              <a:t> </a:t>
+            </a:r>
+            <a:r>
+              <a:rPr lang="en-US" sz="1600" dirty="0" err="1" smtClean="0"/>
+              <a:t>nhưng</a:t>
+            </a:r>
+            <a:r>
+              <a:rPr lang="en-US" sz="1600" dirty="0" smtClean="0"/>
+              <a:t> </a:t>
+            </a:r>
+            <a:r>
+              <a:rPr lang="en-US" sz="1600" dirty="0" err="1" smtClean="0"/>
+              <a:t>không</a:t>
+            </a:r>
+            <a:r>
+              <a:rPr lang="en-US" sz="1600" dirty="0" smtClean="0"/>
+              <a:t> </a:t>
+            </a:r>
+            <a:r>
+              <a:rPr lang="en-US" sz="1600" dirty="0" err="1" smtClean="0"/>
+              <a:t>sử</a:t>
+            </a:r>
+            <a:r>
+              <a:rPr lang="en-US" sz="1600" dirty="0" smtClean="0"/>
+              <a:t> </a:t>
+            </a:r>
+            <a:r>
+              <a:rPr lang="en-US" sz="1600" dirty="0" err="1" smtClean="0"/>
+              <a:t>dụng</a:t>
+            </a:r>
+            <a:endParaRPr lang="en-US" sz="1600" dirty="0"/>
+          </a:p>
+          <a:p>
+            <a:pPr lvl="8">
+              <a:lnSpc>
+                <a:spcPct val="150000"/>
+              </a:lnSpc>
+            </a:pPr>
+            <a:r>
+              <a:rPr lang="en-US" sz="1200" u="sng" dirty="0" smtClean="0">
+                <a:solidFill>
+                  <a:srgbClr val="FF0000"/>
+                </a:solidFill>
+              </a:rPr>
+              <a:t>VD1</a:t>
+            </a:r>
+            <a:r>
+              <a:rPr lang="en-US" sz="1200" dirty="0" smtClean="0">
+                <a:solidFill>
+                  <a:srgbClr val="FF0000"/>
+                </a:solidFill>
+              </a:rPr>
+              <a:t>: </a:t>
+            </a:r>
+            <a:r>
+              <a:rPr lang="en-US" sz="1200" dirty="0" err="1" smtClean="0">
+                <a:solidFill>
+                  <a:srgbClr val="FF0000"/>
+                </a:solidFill>
+              </a:rPr>
+              <a:t>Biến</a:t>
+            </a:r>
+            <a:r>
+              <a:rPr lang="en-US" sz="1200" dirty="0" smtClean="0">
+                <a:solidFill>
+                  <a:srgbClr val="FF0000"/>
+                </a:solidFill>
+              </a:rPr>
+              <a:t> </a:t>
+            </a:r>
+            <a:r>
+              <a:rPr lang="en-US" sz="1200" b="1" dirty="0">
+                <a:solidFill>
+                  <a:srgbClr val="FF0000"/>
+                </a:solidFill>
+              </a:rPr>
+              <a:t>DATE_FORMATTER</a:t>
+            </a:r>
+            <a:r>
+              <a:rPr lang="en-US" sz="1200" dirty="0">
+                <a:solidFill>
+                  <a:srgbClr val="FF0000"/>
+                </a:solidFill>
+              </a:rPr>
+              <a:t> </a:t>
+            </a:r>
+            <a:r>
+              <a:rPr lang="en-US" sz="1200" dirty="0" err="1">
+                <a:solidFill>
+                  <a:srgbClr val="FF0000"/>
+                </a:solidFill>
+              </a:rPr>
+              <a:t>và</a:t>
+            </a:r>
+            <a:r>
+              <a:rPr lang="en-US" sz="1200" dirty="0">
+                <a:solidFill>
+                  <a:srgbClr val="FF0000"/>
+                </a:solidFill>
+              </a:rPr>
+              <a:t> </a:t>
+            </a:r>
+            <a:r>
+              <a:rPr lang="en-US" sz="1200" b="1" dirty="0">
+                <a:solidFill>
+                  <a:srgbClr val="FF0000"/>
+                </a:solidFill>
+              </a:rPr>
+              <a:t>LOGGER</a:t>
+            </a:r>
+            <a:r>
+              <a:rPr lang="en-US" sz="1200" dirty="0">
+                <a:solidFill>
+                  <a:srgbClr val="FF0000"/>
+                </a:solidFill>
+              </a:rPr>
+              <a:t> </a:t>
+            </a:r>
+            <a:r>
+              <a:rPr lang="en-US" sz="1200" dirty="0" err="1" smtClean="0">
+                <a:solidFill>
+                  <a:srgbClr val="FF0000"/>
+                </a:solidFill>
+              </a:rPr>
+              <a:t>trong</a:t>
+            </a:r>
+            <a:r>
+              <a:rPr lang="en-US" sz="1200" dirty="0" smtClean="0">
+                <a:solidFill>
+                  <a:srgbClr val="FF0000"/>
+                </a:solidFill>
+              </a:rPr>
+              <a:t> </a:t>
+            </a:r>
+            <a:r>
+              <a:rPr lang="en-US" sz="1200" b="1" dirty="0" err="1" smtClean="0">
+                <a:solidFill>
+                  <a:srgbClr val="FF0000"/>
+                </a:solidFill>
+              </a:rPr>
+              <a:t>util.Util</a:t>
+            </a:r>
+            <a:r>
+              <a:rPr lang="en-US" sz="1200" b="1" dirty="0" smtClean="0">
+                <a:solidFill>
+                  <a:srgbClr val="FF0000"/>
+                </a:solidFill>
+              </a:rPr>
+              <a:t>.</a:t>
+            </a:r>
+          </a:p>
+          <a:p>
+            <a:pPr>
+              <a:lnSpc>
+                <a:spcPct val="150000"/>
+              </a:lnSpc>
+            </a:pPr>
+            <a:r>
+              <a:rPr lang="en-US" sz="1200" dirty="0" smtClean="0">
+                <a:solidFill>
+                  <a:srgbClr val="FF0000"/>
+                </a:solidFill>
+              </a:rPr>
+              <a:t>VD2: </a:t>
+            </a:r>
+            <a:r>
+              <a:rPr lang="en-US" sz="1200" dirty="0">
+                <a:solidFill>
+                  <a:srgbClr val="FF0000"/>
+                </a:solidFill>
+              </a:rPr>
+              <a:t>Method </a:t>
+            </a:r>
+            <a:r>
+              <a:rPr lang="en-US" sz="1200" b="1" dirty="0" err="1" smtClean="0">
+                <a:solidFill>
+                  <a:srgbClr val="FF0000"/>
+                </a:solidFill>
+              </a:rPr>
+              <a:t>notifyError</a:t>
+            </a:r>
+            <a:r>
+              <a:rPr lang="en-US" sz="1200" b="1" dirty="0" smtClean="0">
+                <a:solidFill>
+                  <a:srgbClr val="FF0000"/>
+                </a:solidFill>
+              </a:rPr>
+              <a:t>()</a:t>
+            </a:r>
+            <a:r>
+              <a:rPr lang="en-US" sz="1200" dirty="0" smtClean="0">
+                <a:solidFill>
+                  <a:srgbClr val="FF0000"/>
+                </a:solidFill>
+              </a:rPr>
+              <a:t> </a:t>
+            </a:r>
+            <a:r>
+              <a:rPr lang="en-US" sz="1200" dirty="0" err="1">
+                <a:solidFill>
+                  <a:srgbClr val="FF0000"/>
+                </a:solidFill>
+              </a:rPr>
+              <a:t>của</a:t>
+            </a:r>
+            <a:r>
+              <a:rPr lang="en-US" sz="1200" dirty="0">
+                <a:solidFill>
+                  <a:srgbClr val="FF0000"/>
+                </a:solidFill>
+              </a:rPr>
+              <a:t> class </a:t>
+            </a:r>
+            <a:r>
+              <a:rPr lang="en-US" sz="1200" b="1" dirty="0" err="1" smtClean="0">
+                <a:solidFill>
+                  <a:srgbClr val="FF0000"/>
+                </a:solidFill>
+              </a:rPr>
+              <a:t>views.screen.shipping.ShippingScreenHandler</a:t>
+            </a:r>
+            <a:r>
+              <a:rPr lang="en-US" sz="1200" dirty="0" smtClean="0">
+                <a:solidFill>
+                  <a:srgbClr val="FF0000"/>
+                </a:solidFill>
+              </a:rPr>
+              <a:t> </a:t>
+            </a:r>
+            <a:r>
+              <a:rPr lang="en-US" sz="1200" dirty="0" err="1" smtClean="0">
+                <a:solidFill>
+                  <a:srgbClr val="FF0000"/>
+                </a:solidFill>
+              </a:rPr>
+              <a:t>được</a:t>
+            </a:r>
+            <a:r>
+              <a:rPr lang="en-US" sz="1200" dirty="0" smtClean="0">
+                <a:solidFill>
+                  <a:srgbClr val="FF0000"/>
+                </a:solidFill>
+              </a:rPr>
+              <a:t> </a:t>
+            </a:r>
+            <a:r>
+              <a:rPr lang="en-US" sz="1200" dirty="0" err="1">
+                <a:solidFill>
+                  <a:srgbClr val="FF0000"/>
+                </a:solidFill>
+              </a:rPr>
+              <a:t>khai</a:t>
+            </a:r>
+            <a:r>
+              <a:rPr lang="en-US" sz="1200" dirty="0">
+                <a:solidFill>
+                  <a:srgbClr val="FF0000"/>
+                </a:solidFill>
+              </a:rPr>
+              <a:t> </a:t>
+            </a:r>
+            <a:r>
+              <a:rPr lang="en-US" sz="1200" dirty="0" err="1">
+                <a:solidFill>
+                  <a:srgbClr val="FF0000"/>
+                </a:solidFill>
+              </a:rPr>
+              <a:t>báo</a:t>
+            </a:r>
+            <a:r>
+              <a:rPr lang="en-US" sz="1200" dirty="0">
+                <a:solidFill>
+                  <a:srgbClr val="FF0000"/>
+                </a:solidFill>
+              </a:rPr>
+              <a:t> </a:t>
+            </a:r>
+            <a:r>
+              <a:rPr lang="en-US" sz="1200" dirty="0" err="1">
+                <a:solidFill>
+                  <a:srgbClr val="FF0000"/>
+                </a:solidFill>
+              </a:rPr>
+              <a:t>nhưng</a:t>
+            </a:r>
+            <a:r>
+              <a:rPr lang="en-US" sz="1200" dirty="0">
+                <a:solidFill>
+                  <a:srgbClr val="FF0000"/>
+                </a:solidFill>
+              </a:rPr>
+              <a:t> </a:t>
+            </a:r>
+            <a:r>
+              <a:rPr lang="en-US" sz="1200" dirty="0" err="1">
+                <a:solidFill>
+                  <a:srgbClr val="FF0000"/>
+                </a:solidFill>
+              </a:rPr>
+              <a:t>không</a:t>
+            </a:r>
+            <a:r>
+              <a:rPr lang="en-US" sz="1200" dirty="0">
+                <a:solidFill>
+                  <a:srgbClr val="FF0000"/>
+                </a:solidFill>
+              </a:rPr>
+              <a:t> </a:t>
+            </a:r>
+            <a:r>
+              <a:rPr lang="en-US" sz="1200" dirty="0" err="1">
+                <a:solidFill>
+                  <a:srgbClr val="FF0000"/>
+                </a:solidFill>
+              </a:rPr>
+              <a:t>được</a:t>
+            </a:r>
+            <a:r>
+              <a:rPr lang="en-US" sz="1200" dirty="0">
+                <a:solidFill>
+                  <a:srgbClr val="FF0000"/>
+                </a:solidFill>
+              </a:rPr>
+              <a:t> </a:t>
+            </a:r>
+            <a:r>
+              <a:rPr lang="en-US" sz="1200" dirty="0" err="1">
+                <a:solidFill>
+                  <a:srgbClr val="FF0000"/>
+                </a:solidFill>
+              </a:rPr>
+              <a:t>sử</a:t>
+            </a:r>
+            <a:r>
+              <a:rPr lang="en-US" sz="1200" dirty="0">
+                <a:solidFill>
+                  <a:srgbClr val="FF0000"/>
+                </a:solidFill>
+              </a:rPr>
+              <a:t> </a:t>
+            </a:r>
+            <a:r>
+              <a:rPr lang="en-US" sz="1200" dirty="0" err="1">
+                <a:solidFill>
+                  <a:srgbClr val="FF0000"/>
+                </a:solidFill>
+              </a:rPr>
+              <a:t>dụng</a:t>
+            </a:r>
+            <a:r>
+              <a:rPr lang="en-US" sz="1200" dirty="0">
+                <a:solidFill>
+                  <a:srgbClr val="FF0000"/>
+                </a:solidFill>
+              </a:rPr>
+              <a:t> </a:t>
+            </a:r>
+            <a:r>
+              <a:rPr lang="en-US" sz="1200" dirty="0" err="1">
+                <a:solidFill>
+                  <a:srgbClr val="FF0000"/>
+                </a:solidFill>
+              </a:rPr>
+              <a:t>và</a:t>
+            </a:r>
+            <a:r>
+              <a:rPr lang="en-US" sz="1200" dirty="0">
+                <a:solidFill>
+                  <a:srgbClr val="FF0000"/>
+                </a:solidFill>
+              </a:rPr>
+              <a:t> </a:t>
+            </a:r>
+            <a:r>
+              <a:rPr lang="en-US" sz="1200" dirty="0" err="1">
+                <a:solidFill>
+                  <a:srgbClr val="FF0000"/>
+                </a:solidFill>
+              </a:rPr>
+              <a:t>cũng</a:t>
+            </a:r>
+            <a:r>
+              <a:rPr lang="en-US" sz="1200" dirty="0">
+                <a:solidFill>
+                  <a:srgbClr val="FF0000"/>
+                </a:solidFill>
+              </a:rPr>
+              <a:t> </a:t>
+            </a:r>
+            <a:r>
+              <a:rPr lang="en-US" sz="1200" dirty="0" err="1">
+                <a:solidFill>
+                  <a:srgbClr val="FF0000"/>
+                </a:solidFill>
+              </a:rPr>
+              <a:t>không</a:t>
+            </a:r>
+            <a:r>
+              <a:rPr lang="en-US" sz="1200" dirty="0">
+                <a:solidFill>
+                  <a:srgbClr val="FF0000"/>
+                </a:solidFill>
+              </a:rPr>
+              <a:t> </a:t>
+            </a:r>
+            <a:r>
+              <a:rPr lang="en-US" sz="1200" dirty="0" err="1">
+                <a:solidFill>
+                  <a:srgbClr val="FF0000"/>
+                </a:solidFill>
+              </a:rPr>
+              <a:t>có</a:t>
+            </a:r>
+            <a:r>
+              <a:rPr lang="en-US" sz="1200" dirty="0">
+                <a:solidFill>
+                  <a:srgbClr val="FF0000"/>
+                </a:solidFill>
+              </a:rPr>
+              <a:t> </a:t>
+            </a:r>
+            <a:r>
+              <a:rPr lang="en-US" sz="1200" dirty="0" err="1">
+                <a:solidFill>
+                  <a:srgbClr val="FF0000"/>
+                </a:solidFill>
+              </a:rPr>
+              <a:t>phần</a:t>
+            </a:r>
+            <a:r>
+              <a:rPr lang="en-US" sz="1200" dirty="0">
+                <a:solidFill>
+                  <a:srgbClr val="FF0000"/>
+                </a:solidFill>
+              </a:rPr>
+              <a:t> </a:t>
+            </a:r>
+            <a:r>
+              <a:rPr lang="en-US" sz="1200" dirty="0" err="1">
+                <a:solidFill>
+                  <a:srgbClr val="FF0000"/>
+                </a:solidFill>
+              </a:rPr>
+              <a:t>cài</a:t>
+            </a:r>
+            <a:r>
+              <a:rPr lang="en-US" sz="1200" dirty="0">
+                <a:solidFill>
+                  <a:srgbClr val="FF0000"/>
+                </a:solidFill>
+              </a:rPr>
+              <a:t> </a:t>
+            </a:r>
+            <a:r>
+              <a:rPr lang="en-US" sz="1200" dirty="0" err="1">
+                <a:solidFill>
+                  <a:srgbClr val="FF0000"/>
+                </a:solidFill>
+              </a:rPr>
+              <a:t>đặt</a:t>
+            </a:r>
+            <a:r>
+              <a:rPr lang="en-US" sz="1200" dirty="0" smtClean="0">
+                <a:solidFill>
+                  <a:srgbClr val="FF0000"/>
+                </a:solidFill>
+              </a:rPr>
+              <a:t>.</a:t>
+            </a:r>
+          </a:p>
+          <a:p>
+            <a:pPr>
+              <a:lnSpc>
+                <a:spcPct val="150000"/>
+              </a:lnSpc>
+            </a:pPr>
+            <a:r>
+              <a:rPr lang="en-US" sz="1600" dirty="0" smtClean="0"/>
+              <a:t>+ </a:t>
+            </a:r>
+            <a:r>
+              <a:rPr lang="en-US" sz="1600" dirty="0" err="1" smtClean="0"/>
+              <a:t>Phương</a:t>
+            </a:r>
+            <a:r>
+              <a:rPr lang="en-US" sz="1600" dirty="0" smtClean="0"/>
+              <a:t> </a:t>
+            </a:r>
+            <a:r>
+              <a:rPr lang="en-US" sz="1600" dirty="0" err="1" smtClean="0"/>
+              <a:t>thức</a:t>
+            </a:r>
+            <a:r>
+              <a:rPr lang="en-US" sz="1600" dirty="0" smtClean="0"/>
+              <a:t> </a:t>
+            </a:r>
+            <a:r>
+              <a:rPr lang="en-US" sz="1600" dirty="0" err="1" smtClean="0"/>
+              <a:t>không</a:t>
+            </a:r>
+            <a:r>
+              <a:rPr lang="en-US" sz="1600" dirty="0" smtClean="0"/>
+              <a:t> </a:t>
+            </a:r>
+            <a:r>
+              <a:rPr lang="en-US" sz="1600" dirty="0" err="1" smtClean="0"/>
+              <a:t>liên</a:t>
+            </a:r>
+            <a:r>
+              <a:rPr lang="en-US" sz="1600" dirty="0" smtClean="0"/>
+              <a:t> </a:t>
+            </a:r>
+            <a:r>
+              <a:rPr lang="en-US" sz="1600" dirty="0" err="1" smtClean="0"/>
               <a:t>quan</a:t>
             </a:r>
-            <a:r>
-              <a:rPr lang="en-US" dirty="0" smtClean="0"/>
-              <a:t> </a:t>
-            </a:r>
-            <a:r>
-              <a:rPr lang="en-US" dirty="0" err="1" smtClean="0"/>
+            <a:endParaRPr lang="en-US" sz="1600" dirty="0" smtClean="0"/>
+          </a:p>
+          <a:p>
+            <a:pPr>
+              <a:lnSpc>
+                <a:spcPct val="150000"/>
+              </a:lnSpc>
+            </a:pPr>
+            <a:r>
+              <a:rPr lang="en-US" sz="1200" u="sng" dirty="0" smtClean="0">
+                <a:solidFill>
+                  <a:srgbClr val="FF0000"/>
+                </a:solidFill>
+              </a:rPr>
+              <a:t>VD1</a:t>
+            </a:r>
+            <a:r>
+              <a:rPr lang="en-US" sz="1200" dirty="0" smtClean="0">
+                <a:solidFill>
+                  <a:srgbClr val="FF0000"/>
+                </a:solidFill>
+              </a:rPr>
+              <a:t>: Method </a:t>
+            </a:r>
+            <a:r>
+              <a:rPr lang="en-US" sz="1200" b="1" dirty="0" smtClean="0">
+                <a:solidFill>
+                  <a:srgbClr val="FF0000"/>
+                </a:solidFill>
+              </a:rPr>
+              <a:t>md5() </a:t>
+            </a:r>
+            <a:r>
+              <a:rPr lang="en-US" sz="1200" dirty="0" err="1" smtClean="0">
+                <a:solidFill>
+                  <a:srgbClr val="FF0000"/>
+                </a:solidFill>
+              </a:rPr>
+              <a:t>trong</a:t>
+            </a:r>
+            <a:r>
+              <a:rPr lang="en-US" sz="1200" dirty="0" smtClean="0">
+                <a:solidFill>
+                  <a:srgbClr val="FF0000"/>
+                </a:solidFill>
+              </a:rPr>
+              <a:t> </a:t>
+            </a:r>
+            <a:r>
+              <a:rPr lang="en-US" sz="1200" b="1" dirty="0" err="1" smtClean="0">
+                <a:solidFill>
+                  <a:srgbClr val="FF0000"/>
+                </a:solidFill>
+              </a:rPr>
+              <a:t>controller.AuthenticationController</a:t>
+            </a:r>
+            <a:r>
+              <a:rPr lang="en-US" sz="1200" b="1" dirty="0" smtClean="0">
+                <a:solidFill>
+                  <a:srgbClr val="FF0000"/>
+                </a:solidFill>
+              </a:rPr>
+              <a:t> </a:t>
+            </a:r>
+            <a:r>
+              <a:rPr lang="en-US" sz="1200" dirty="0" err="1" smtClean="0">
+                <a:solidFill>
+                  <a:srgbClr val="FF0000"/>
+                </a:solidFill>
+              </a:rPr>
+              <a:t>không</a:t>
+            </a:r>
+            <a:r>
+              <a:rPr lang="en-US" sz="1200" dirty="0" smtClean="0">
+                <a:solidFill>
+                  <a:srgbClr val="FF0000"/>
+                </a:solidFill>
+              </a:rPr>
+              <a:t> </a:t>
+            </a:r>
+            <a:r>
+              <a:rPr lang="en-US" sz="1200" dirty="0" err="1" smtClean="0">
+                <a:solidFill>
+                  <a:srgbClr val="FF0000"/>
+                </a:solidFill>
+              </a:rPr>
+              <a:t>liên</a:t>
+            </a:r>
+            <a:r>
+              <a:rPr lang="en-US" sz="1200" dirty="0" smtClean="0">
+                <a:solidFill>
+                  <a:srgbClr val="FF0000"/>
+                </a:solidFill>
+              </a:rPr>
+              <a:t> </a:t>
+            </a:r>
+            <a:r>
+              <a:rPr lang="en-US" sz="1200" dirty="0" err="1" smtClean="0">
+                <a:solidFill>
+                  <a:srgbClr val="FF0000"/>
+                </a:solidFill>
+              </a:rPr>
+              <a:t>quan</a:t>
+            </a:r>
+            <a:r>
+              <a:rPr lang="en-US" sz="1200" dirty="0" smtClean="0">
+                <a:solidFill>
+                  <a:srgbClr val="FF0000"/>
+                </a:solidFill>
+              </a:rPr>
+              <a:t> </a:t>
+            </a:r>
+            <a:r>
+              <a:rPr lang="en-US" sz="1200" dirty="0" err="1" smtClean="0">
+                <a:solidFill>
+                  <a:srgbClr val="FF0000"/>
+                </a:solidFill>
+              </a:rPr>
+              <a:t>đến</a:t>
+            </a:r>
+            <a:r>
+              <a:rPr lang="en-US" sz="1200" dirty="0" smtClean="0">
+                <a:solidFill>
+                  <a:srgbClr val="FF0000"/>
+                </a:solidFill>
+              </a:rPr>
+              <a:t> </a:t>
+            </a:r>
+            <a:r>
+              <a:rPr lang="en-US" sz="1200" dirty="0" err="1" smtClean="0">
+                <a:solidFill>
+                  <a:srgbClr val="FF0000"/>
+                </a:solidFill>
+              </a:rPr>
+              <a:t>chức</a:t>
+            </a:r>
+            <a:r>
+              <a:rPr lang="en-US" sz="1200" dirty="0" smtClean="0">
+                <a:solidFill>
+                  <a:srgbClr val="FF0000"/>
+                </a:solidFill>
+              </a:rPr>
+              <a:t> </a:t>
+            </a:r>
+            <a:r>
+              <a:rPr lang="en-US" sz="1200" dirty="0" err="1" smtClean="0">
+                <a:solidFill>
+                  <a:srgbClr val="FF0000"/>
+                </a:solidFill>
+              </a:rPr>
+              <a:t>năng</a:t>
+            </a:r>
+            <a:r>
+              <a:rPr lang="en-US" sz="1200" dirty="0" smtClean="0">
+                <a:solidFill>
+                  <a:srgbClr val="FF0000"/>
+                </a:solidFill>
+              </a:rPr>
+              <a:t> </a:t>
+            </a:r>
+            <a:r>
+              <a:rPr lang="en-US" sz="1200" dirty="0" err="1" smtClean="0">
+                <a:solidFill>
+                  <a:srgbClr val="FF0000"/>
+                </a:solidFill>
+              </a:rPr>
               <a:t>của</a:t>
             </a:r>
             <a:r>
-              <a:rPr lang="en-US" dirty="0" smtClean="0"/>
-              <a:t> </a:t>
-            </a:r>
-            <a:r>
-              <a:rPr lang="en-US" dirty="0" err="1" smtClean="0"/>
-              <a:t>hệ</a:t>
-            </a:r>
-            <a:r>
-              <a:rPr lang="en-US" dirty="0" smtClean="0"/>
-              <a:t> </a:t>
-            </a:r>
-            <a:r>
-              <a:rPr lang="en-US" dirty="0" err="1" smtClean="0"/>
-              <a:t>thống</a:t>
-            </a:r>
-            <a:r>
-              <a:rPr lang="en-US" dirty="0" smtClean="0"/>
-              <a:t> AIMS</a:t>
-            </a:r>
-            <a:endParaRPr lang="en-US" dirty="0"/>
+              <a:rPr lang="en-US" sz="1200" dirty="0" smtClean="0">
+                <a:solidFill>
+                  <a:srgbClr val="FF0000"/>
+                </a:solidFill>
+              </a:rPr>
+              <a:t> class.</a:t>
+            </a:r>
+          </a:p>
+          <a:p>
+            <a:pPr marL="285750" indent="-285750">
+              <a:lnSpc>
+                <a:spcPct val="150000"/>
+              </a:lnSpc>
+              <a:buFontTx/>
+              <a:buChar char="-"/>
+            </a:pPr>
+            <a:r>
+              <a:rPr lang="en-US" sz="1600" b="1" dirty="0"/>
+              <a:t>Logical </a:t>
+            </a:r>
+            <a:r>
+              <a:rPr lang="en-US" sz="1600" b="1" dirty="0" smtClean="0"/>
+              <a:t>cohesion</a:t>
+            </a:r>
+          </a:p>
+          <a:p>
+            <a:pPr>
+              <a:lnSpc>
+                <a:spcPct val="150000"/>
+              </a:lnSpc>
+            </a:pPr>
+            <a:r>
+              <a:rPr lang="en-US" sz="1200" u="sng" dirty="0" smtClean="0">
+                <a:solidFill>
+                  <a:srgbClr val="FF0000"/>
+                </a:solidFill>
+              </a:rPr>
+              <a:t>VD1</a:t>
+            </a:r>
+            <a:r>
+              <a:rPr lang="en-US" sz="1200" dirty="0" smtClean="0">
+                <a:solidFill>
+                  <a:srgbClr val="FF0000"/>
+                </a:solidFill>
+              </a:rPr>
+              <a:t>: </a:t>
+            </a:r>
+            <a:r>
+              <a:rPr lang="en-US" sz="1200" dirty="0" err="1">
+                <a:solidFill>
+                  <a:srgbClr val="FF0000"/>
+                </a:solidFill>
+              </a:rPr>
+              <a:t>Các</a:t>
+            </a:r>
+            <a:r>
+              <a:rPr lang="en-US" sz="1200" dirty="0">
+                <a:solidFill>
+                  <a:srgbClr val="FF0000"/>
+                </a:solidFill>
+              </a:rPr>
+              <a:t> </a:t>
+            </a:r>
+            <a:r>
+              <a:rPr lang="en-US" sz="1200" dirty="0" smtClean="0">
+                <a:solidFill>
+                  <a:srgbClr val="FF0000"/>
+                </a:solidFill>
+              </a:rPr>
+              <a:t>method </a:t>
+            </a:r>
+            <a:r>
+              <a:rPr lang="en-US" sz="1200" b="1" dirty="0" smtClean="0">
+                <a:solidFill>
+                  <a:srgbClr val="FF0000"/>
+                </a:solidFill>
+              </a:rPr>
+              <a:t>get() </a:t>
+            </a:r>
+            <a:r>
+              <a:rPr lang="en-US" sz="1200" dirty="0" err="1">
+                <a:solidFill>
+                  <a:srgbClr val="FF0000"/>
+                </a:solidFill>
+              </a:rPr>
+              <a:t>và</a:t>
+            </a:r>
+            <a:r>
+              <a:rPr lang="en-US" sz="1200" dirty="0">
+                <a:solidFill>
+                  <a:srgbClr val="FF0000"/>
+                </a:solidFill>
+              </a:rPr>
+              <a:t> </a:t>
+            </a:r>
+            <a:r>
+              <a:rPr lang="en-US" sz="1200" b="1" dirty="0" smtClean="0">
+                <a:solidFill>
+                  <a:srgbClr val="FF0000"/>
+                </a:solidFill>
+              </a:rPr>
+              <a:t>post() </a:t>
+            </a:r>
+            <a:r>
+              <a:rPr lang="en-US" sz="1200" dirty="0" err="1">
+                <a:solidFill>
+                  <a:srgbClr val="FF0000"/>
+                </a:solidFill>
+              </a:rPr>
+              <a:t>của</a:t>
+            </a:r>
+            <a:r>
+              <a:rPr lang="en-US" sz="1200" dirty="0">
+                <a:solidFill>
+                  <a:srgbClr val="FF0000"/>
+                </a:solidFill>
+              </a:rPr>
+              <a:t> </a:t>
+            </a:r>
+            <a:r>
+              <a:rPr lang="en-US" sz="1200" dirty="0" smtClean="0">
+                <a:solidFill>
+                  <a:srgbClr val="FF0000"/>
+                </a:solidFill>
+              </a:rPr>
+              <a:t>class </a:t>
+            </a:r>
+            <a:r>
+              <a:rPr lang="en-US" sz="1200" b="1" dirty="0" err="1" smtClean="0">
+                <a:solidFill>
+                  <a:srgbClr val="FF0000"/>
+                </a:solidFill>
+              </a:rPr>
+              <a:t>utils.ApplicationInterface</a:t>
+            </a:r>
+            <a:r>
+              <a:rPr lang="en-US" sz="1200" dirty="0" smtClean="0">
+                <a:solidFill>
+                  <a:srgbClr val="FF0000"/>
+                </a:solidFill>
+              </a:rPr>
+              <a:t> </a:t>
+            </a:r>
+            <a:r>
+              <a:rPr lang="en-US" sz="1200" dirty="0" err="1">
+                <a:solidFill>
+                  <a:srgbClr val="FF0000"/>
+                </a:solidFill>
+              </a:rPr>
+              <a:t>chỉ</a:t>
+            </a:r>
+            <a:r>
+              <a:rPr lang="en-US" sz="1200" dirty="0">
+                <a:solidFill>
+                  <a:srgbClr val="FF0000"/>
+                </a:solidFill>
+              </a:rPr>
+              <a:t> </a:t>
+            </a:r>
+            <a:r>
+              <a:rPr lang="en-US" sz="1200" dirty="0" err="1">
+                <a:solidFill>
+                  <a:srgbClr val="FF0000"/>
+                </a:solidFill>
+              </a:rPr>
+              <a:t>có</a:t>
+            </a:r>
+            <a:r>
+              <a:rPr lang="en-US" sz="1200" dirty="0">
+                <a:solidFill>
+                  <a:srgbClr val="FF0000"/>
+                </a:solidFill>
+              </a:rPr>
+              <a:t> </a:t>
+            </a:r>
+            <a:r>
+              <a:rPr lang="en-US" sz="1200" dirty="0" err="1">
+                <a:solidFill>
+                  <a:srgbClr val="FF0000"/>
+                </a:solidFill>
+              </a:rPr>
+              <a:t>liên</a:t>
+            </a:r>
+            <a:r>
+              <a:rPr lang="en-US" sz="1200" dirty="0">
+                <a:solidFill>
+                  <a:srgbClr val="FF0000"/>
+                </a:solidFill>
+              </a:rPr>
+              <a:t> </a:t>
+            </a:r>
+            <a:r>
+              <a:rPr lang="en-US" sz="1200" dirty="0" err="1">
+                <a:solidFill>
+                  <a:srgbClr val="FF0000"/>
+                </a:solidFill>
+              </a:rPr>
+              <a:t>kết</a:t>
+            </a:r>
+            <a:r>
+              <a:rPr lang="en-US" sz="1200" dirty="0">
+                <a:solidFill>
+                  <a:srgbClr val="FF0000"/>
+                </a:solidFill>
+              </a:rPr>
+              <a:t> </a:t>
+            </a:r>
+            <a:r>
+              <a:rPr lang="en-US" sz="1200" dirty="0" err="1">
+                <a:solidFill>
+                  <a:srgbClr val="FF0000"/>
+                </a:solidFill>
+              </a:rPr>
+              <a:t>với</a:t>
+            </a:r>
+            <a:r>
+              <a:rPr lang="en-US" sz="1200" dirty="0">
+                <a:solidFill>
+                  <a:srgbClr val="FF0000"/>
+                </a:solidFill>
+              </a:rPr>
+              <a:t> </a:t>
+            </a:r>
+            <a:r>
+              <a:rPr lang="en-US" sz="1200" dirty="0" err="1">
+                <a:solidFill>
+                  <a:srgbClr val="FF0000"/>
+                </a:solidFill>
+              </a:rPr>
+              <a:t>nhau</a:t>
+            </a:r>
+            <a:r>
+              <a:rPr lang="en-US" sz="1200" dirty="0">
+                <a:solidFill>
+                  <a:srgbClr val="FF0000"/>
+                </a:solidFill>
+              </a:rPr>
+              <a:t> </a:t>
+            </a:r>
+            <a:r>
+              <a:rPr lang="en-US" sz="1200" dirty="0" err="1">
+                <a:solidFill>
+                  <a:srgbClr val="FF0000"/>
+                </a:solidFill>
+              </a:rPr>
+              <a:t>một</a:t>
+            </a:r>
+            <a:r>
+              <a:rPr lang="en-US" sz="1200" dirty="0">
+                <a:solidFill>
+                  <a:srgbClr val="FF0000"/>
+                </a:solidFill>
+              </a:rPr>
+              <a:t> </a:t>
+            </a:r>
+            <a:r>
+              <a:rPr lang="en-US" sz="1200" dirty="0" err="1">
+                <a:solidFill>
+                  <a:srgbClr val="FF0000"/>
+                </a:solidFill>
+              </a:rPr>
+              <a:t>cách</a:t>
+            </a:r>
+            <a:r>
+              <a:rPr lang="en-US" sz="1200" dirty="0">
+                <a:solidFill>
+                  <a:srgbClr val="FF0000"/>
+                </a:solidFill>
+              </a:rPr>
+              <a:t> logic </a:t>
+            </a:r>
+            <a:r>
+              <a:rPr lang="en-US" sz="1200" dirty="0" err="1">
+                <a:solidFill>
+                  <a:srgbClr val="FF0000"/>
+                </a:solidFill>
+              </a:rPr>
+              <a:t>khi</a:t>
+            </a:r>
+            <a:r>
+              <a:rPr lang="en-US" sz="1200" dirty="0">
+                <a:solidFill>
+                  <a:srgbClr val="FF0000"/>
+                </a:solidFill>
+              </a:rPr>
+              <a:t> </a:t>
+            </a:r>
+            <a:r>
+              <a:rPr lang="en-US" sz="1200" dirty="0" err="1">
+                <a:solidFill>
+                  <a:srgbClr val="FF0000"/>
+                </a:solidFill>
+              </a:rPr>
+              <a:t>cùng</a:t>
+            </a:r>
+            <a:r>
+              <a:rPr lang="en-US" sz="1200" dirty="0">
+                <a:solidFill>
+                  <a:srgbClr val="FF0000"/>
+                </a:solidFill>
+              </a:rPr>
+              <a:t> </a:t>
+            </a:r>
+            <a:r>
+              <a:rPr lang="en-US" sz="1200" dirty="0" err="1">
+                <a:solidFill>
+                  <a:srgbClr val="FF0000"/>
+                </a:solidFill>
+              </a:rPr>
+              <a:t>thực</a:t>
+            </a:r>
+            <a:r>
+              <a:rPr lang="en-US" sz="1200" dirty="0">
+                <a:solidFill>
+                  <a:srgbClr val="FF0000"/>
+                </a:solidFill>
+              </a:rPr>
+              <a:t> </a:t>
+            </a:r>
+            <a:r>
+              <a:rPr lang="en-US" sz="1200" dirty="0" err="1">
+                <a:solidFill>
+                  <a:srgbClr val="FF0000"/>
+                </a:solidFill>
+              </a:rPr>
+              <a:t>hiện</a:t>
+            </a:r>
+            <a:r>
+              <a:rPr lang="en-US" sz="1200" dirty="0">
+                <a:solidFill>
+                  <a:srgbClr val="FF0000"/>
+                </a:solidFill>
+              </a:rPr>
+              <a:t> </a:t>
+            </a:r>
+            <a:r>
+              <a:rPr lang="en-US" sz="1200" dirty="0" err="1">
+                <a:solidFill>
+                  <a:srgbClr val="FF0000"/>
+                </a:solidFill>
+              </a:rPr>
+              <a:t>việc</a:t>
+            </a:r>
+            <a:r>
+              <a:rPr lang="en-US" sz="1200" dirty="0">
+                <a:solidFill>
+                  <a:srgbClr val="FF0000"/>
+                </a:solidFill>
+              </a:rPr>
+              <a:t> </a:t>
+            </a:r>
+            <a:r>
+              <a:rPr lang="en-US" sz="1200" dirty="0" err="1">
+                <a:solidFill>
+                  <a:srgbClr val="FF0000"/>
+                </a:solidFill>
+              </a:rPr>
+              <a:t>gọi</a:t>
+            </a:r>
+            <a:r>
+              <a:rPr lang="en-US" sz="1200" dirty="0">
+                <a:solidFill>
+                  <a:srgbClr val="FF0000"/>
+                </a:solidFill>
+              </a:rPr>
+              <a:t> </a:t>
+            </a:r>
+            <a:r>
+              <a:rPr lang="en-US" sz="1200" dirty="0" smtClean="0">
+                <a:solidFill>
+                  <a:srgbClr val="FF0000"/>
+                </a:solidFill>
+              </a:rPr>
+              <a:t>API.</a:t>
+            </a:r>
+            <a:endParaRPr lang="en-US" sz="1200" b="1" dirty="0">
+              <a:solidFill>
+                <a:srgbClr val="FF0000"/>
+              </a:solidFill>
+            </a:endParaRPr>
+          </a:p>
+          <a:p>
+            <a:pPr marL="285750" indent="-285750">
+              <a:lnSpc>
+                <a:spcPct val="150000"/>
+              </a:lnSpc>
+              <a:buFontTx/>
+              <a:buChar char="-"/>
+            </a:pPr>
+            <a:r>
+              <a:rPr lang="en-US" sz="1600" b="1" dirty="0" smtClean="0"/>
+              <a:t>Procedure cohesion</a:t>
+            </a:r>
+            <a:endParaRPr lang="en-US" sz="1200" b="1" dirty="0">
+              <a:solidFill>
+                <a:srgbClr val="FF0000"/>
+              </a:solidFill>
+            </a:endParaRPr>
+          </a:p>
+          <a:p>
+            <a:pPr>
+              <a:lnSpc>
+                <a:spcPct val="150000"/>
+              </a:lnSpc>
+            </a:pPr>
+            <a:r>
+              <a:rPr lang="en-US" sz="1200" u="sng" dirty="0" smtClean="0">
+                <a:solidFill>
+                  <a:srgbClr val="FF0000"/>
+                </a:solidFill>
+              </a:rPr>
+              <a:t>VD1</a:t>
+            </a:r>
+            <a:r>
+              <a:rPr lang="en-US" sz="1200" dirty="0" smtClean="0">
+                <a:solidFill>
+                  <a:srgbClr val="FF0000"/>
+                </a:solidFill>
+              </a:rPr>
+              <a:t>: </a:t>
+            </a:r>
+            <a:r>
+              <a:rPr lang="en-US" sz="1200" dirty="0" err="1" smtClean="0">
+                <a:solidFill>
+                  <a:srgbClr val="FF0000"/>
+                </a:solidFill>
+              </a:rPr>
+              <a:t>Các</a:t>
+            </a:r>
+            <a:r>
+              <a:rPr lang="en-US" sz="1200" dirty="0" smtClean="0">
+                <a:solidFill>
+                  <a:srgbClr val="FF0000"/>
+                </a:solidFill>
+              </a:rPr>
+              <a:t> methods </a:t>
+            </a:r>
+            <a:r>
+              <a:rPr lang="en-US" sz="1200" b="1" dirty="0" err="1" smtClean="0">
+                <a:solidFill>
+                  <a:srgbClr val="FF0000"/>
+                </a:solidFill>
+              </a:rPr>
+              <a:t>validatePhoneNumber</a:t>
+            </a:r>
+            <a:r>
+              <a:rPr lang="en-US" sz="1200" dirty="0" smtClean="0">
+                <a:solidFill>
+                  <a:srgbClr val="FF0000"/>
+                </a:solidFill>
+              </a:rPr>
+              <a:t>, </a:t>
+            </a:r>
+            <a:r>
+              <a:rPr lang="en-US" sz="1200" b="1" dirty="0" err="1" smtClean="0">
+                <a:solidFill>
+                  <a:srgbClr val="FF0000"/>
+                </a:solidFill>
+              </a:rPr>
+              <a:t>validateDeliveryInfo</a:t>
+            </a:r>
+            <a:r>
+              <a:rPr lang="en-US" sz="1200" dirty="0" smtClean="0">
+                <a:solidFill>
+                  <a:srgbClr val="FF0000"/>
+                </a:solidFill>
+              </a:rPr>
+              <a:t>, </a:t>
+            </a:r>
+            <a:r>
+              <a:rPr lang="en-US" sz="1200" b="1" dirty="0" err="1" smtClean="0">
+                <a:solidFill>
+                  <a:srgbClr val="FF0000"/>
+                </a:solidFill>
+              </a:rPr>
+              <a:t>validateName</a:t>
+            </a:r>
+            <a:r>
+              <a:rPr lang="en-US" sz="1200" dirty="0" smtClean="0">
+                <a:solidFill>
+                  <a:srgbClr val="FF0000"/>
+                </a:solidFill>
+              </a:rPr>
+              <a:t> </a:t>
+            </a:r>
+            <a:r>
+              <a:rPr lang="en-US" sz="1200" dirty="0" err="1" smtClean="0">
+                <a:solidFill>
+                  <a:srgbClr val="FF0000"/>
+                </a:solidFill>
+              </a:rPr>
+              <a:t>và</a:t>
+            </a:r>
+            <a:r>
+              <a:rPr lang="en-US" sz="1200" dirty="0" smtClean="0">
+                <a:solidFill>
+                  <a:srgbClr val="FF0000"/>
+                </a:solidFill>
+              </a:rPr>
+              <a:t> </a:t>
+            </a:r>
+            <a:r>
+              <a:rPr lang="en-US" sz="1200" b="1" dirty="0" err="1" smtClean="0">
+                <a:solidFill>
+                  <a:srgbClr val="FF0000"/>
+                </a:solidFill>
+              </a:rPr>
+              <a:t>validateAddress</a:t>
+            </a:r>
+            <a:r>
+              <a:rPr lang="en-US" sz="1200" b="1" dirty="0" smtClean="0">
+                <a:solidFill>
+                  <a:srgbClr val="FF0000"/>
+                </a:solidFill>
+              </a:rPr>
+              <a:t> </a:t>
+            </a:r>
+            <a:r>
+              <a:rPr lang="en-US" sz="1200" dirty="0" err="1" smtClean="0">
+                <a:solidFill>
+                  <a:srgbClr val="FF0000"/>
+                </a:solidFill>
+              </a:rPr>
+              <a:t>trong</a:t>
+            </a:r>
+            <a:r>
+              <a:rPr lang="en-US" sz="1200" dirty="0" smtClean="0">
+                <a:solidFill>
+                  <a:srgbClr val="FF0000"/>
+                </a:solidFill>
+              </a:rPr>
+              <a:t> class </a:t>
+            </a:r>
+            <a:r>
+              <a:rPr lang="en-US" sz="1200" b="1" dirty="0" err="1" smtClean="0">
+                <a:solidFill>
+                  <a:srgbClr val="FF0000"/>
+                </a:solidFill>
+              </a:rPr>
+              <a:t>controller.PlaceOrderController</a:t>
+            </a:r>
+            <a:r>
+              <a:rPr lang="en-US" sz="1200" b="1" dirty="0" smtClean="0">
+                <a:solidFill>
+                  <a:srgbClr val="FF0000"/>
+                </a:solidFill>
+              </a:rPr>
+              <a:t> </a:t>
+            </a:r>
+            <a:r>
+              <a:rPr lang="en-US" sz="1200" dirty="0" err="1">
+                <a:solidFill>
+                  <a:srgbClr val="FF0000"/>
+                </a:solidFill>
+              </a:rPr>
+              <a:t>chỉ</a:t>
+            </a:r>
+            <a:r>
+              <a:rPr lang="en-US" sz="1200" dirty="0">
+                <a:solidFill>
+                  <a:srgbClr val="FF0000"/>
+                </a:solidFill>
+              </a:rPr>
+              <a:t> </a:t>
+            </a:r>
+            <a:r>
+              <a:rPr lang="en-US" sz="1200" dirty="0" err="1" smtClean="0">
+                <a:solidFill>
+                  <a:srgbClr val="FF0000"/>
+                </a:solidFill>
+              </a:rPr>
+              <a:t>liên</a:t>
+            </a:r>
+            <a:r>
+              <a:rPr lang="en-US" sz="1200" dirty="0" smtClean="0">
+                <a:solidFill>
+                  <a:srgbClr val="FF0000"/>
+                </a:solidFill>
+              </a:rPr>
+              <a:t> </a:t>
+            </a:r>
+            <a:r>
+              <a:rPr lang="en-US" sz="1200" dirty="0" err="1" smtClean="0">
+                <a:solidFill>
+                  <a:srgbClr val="FF0000"/>
+                </a:solidFill>
+              </a:rPr>
+              <a:t>quan</a:t>
+            </a:r>
+            <a:r>
+              <a:rPr lang="en-US" sz="1200" dirty="0" smtClean="0">
+                <a:solidFill>
+                  <a:srgbClr val="FF0000"/>
+                </a:solidFill>
+              </a:rPr>
+              <a:t> </a:t>
+            </a:r>
+            <a:r>
+              <a:rPr lang="en-US" sz="1200" dirty="0" err="1" smtClean="0">
+                <a:solidFill>
+                  <a:srgbClr val="FF0000"/>
+                </a:solidFill>
+              </a:rPr>
+              <a:t>về</a:t>
+            </a:r>
+            <a:r>
+              <a:rPr lang="en-US" sz="1200" dirty="0" smtClean="0">
+                <a:solidFill>
+                  <a:srgbClr val="FF0000"/>
+                </a:solidFill>
+              </a:rPr>
+              <a:t> </a:t>
+            </a:r>
+            <a:r>
+              <a:rPr lang="en-US" sz="1200" dirty="0" err="1">
+                <a:solidFill>
+                  <a:srgbClr val="FF0000"/>
+                </a:solidFill>
+              </a:rPr>
+              <a:t>trình</a:t>
+            </a:r>
+            <a:r>
+              <a:rPr lang="en-US" sz="1200" dirty="0">
+                <a:solidFill>
+                  <a:srgbClr val="FF0000"/>
+                </a:solidFill>
+              </a:rPr>
+              <a:t> </a:t>
+            </a:r>
+            <a:r>
+              <a:rPr lang="en-US" sz="1200" dirty="0" err="1" smtClean="0">
+                <a:solidFill>
+                  <a:srgbClr val="FF0000"/>
+                </a:solidFill>
+              </a:rPr>
+              <a:t>tự</a:t>
+            </a:r>
+            <a:r>
+              <a:rPr lang="en-US" sz="1200" dirty="0" smtClean="0">
+                <a:solidFill>
+                  <a:srgbClr val="FF0000"/>
+                </a:solidFill>
+              </a:rPr>
+              <a:t> </a:t>
+            </a:r>
+            <a:r>
+              <a:rPr lang="en-US" sz="1200" dirty="0" err="1">
+                <a:solidFill>
+                  <a:srgbClr val="FF0000"/>
+                </a:solidFill>
+              </a:rPr>
+              <a:t>thực</a:t>
+            </a:r>
+            <a:r>
+              <a:rPr lang="en-US" sz="1200" dirty="0">
+                <a:solidFill>
+                  <a:srgbClr val="FF0000"/>
+                </a:solidFill>
+              </a:rPr>
+              <a:t> </a:t>
+            </a:r>
+            <a:r>
+              <a:rPr lang="en-US" sz="1200" dirty="0" err="1" smtClean="0">
+                <a:solidFill>
+                  <a:srgbClr val="FF0000"/>
+                </a:solidFill>
+              </a:rPr>
+              <a:t>thi</a:t>
+            </a:r>
+            <a:r>
+              <a:rPr lang="en-US" sz="1200" dirty="0" smtClean="0">
+                <a:solidFill>
+                  <a:srgbClr val="FF0000"/>
+                </a:solidFill>
+              </a:rPr>
+              <a:t> </a:t>
+            </a:r>
+            <a:r>
+              <a:rPr lang="en-US" sz="1200" dirty="0" err="1" smtClean="0">
+                <a:solidFill>
+                  <a:srgbClr val="FF0000"/>
+                </a:solidFill>
+              </a:rPr>
+              <a:t>chức</a:t>
+            </a:r>
+            <a:r>
+              <a:rPr lang="en-US" sz="1200" dirty="0" smtClean="0">
+                <a:solidFill>
+                  <a:srgbClr val="FF0000"/>
+                </a:solidFill>
+              </a:rPr>
+              <a:t> </a:t>
+            </a:r>
+            <a:r>
+              <a:rPr lang="en-US" sz="1200" dirty="0" err="1" smtClean="0">
+                <a:solidFill>
+                  <a:srgbClr val="FF0000"/>
+                </a:solidFill>
+              </a:rPr>
+              <a:t>năng</a:t>
+            </a:r>
+            <a:r>
+              <a:rPr lang="en-US" sz="1200" dirty="0" smtClean="0">
+                <a:solidFill>
+                  <a:srgbClr val="FF0000"/>
+                </a:solidFill>
+              </a:rPr>
+              <a:t>.</a:t>
+            </a:r>
+            <a:endParaRPr lang="en-US" sz="1200" dirty="0">
+              <a:solidFill>
+                <a:srgbClr val="FF0000"/>
+              </a:solidFill>
+            </a:endParaRPr>
           </a:p>
         </p:txBody>
       </p:sp>
@@ -15584,7 +18668,7 @@
   <p:cSld>
     <p:spTree>
       <p:nvGrpSpPr>
-        <p:cNvPr id="1" name="Shape 105"/>
+        <p:cNvPr id="1" name="Shape 71"/>
         <p:cNvGrpSpPr/>
         <p:nvPr/>
       </p:nvGrpSpPr>
@@ -15598,7 +18682,7 @@
       </p:grpSpPr>
       <p:sp>
         <p:nvSpPr>
-          <p:cNvPr id="106" name="Google Shape;106;p9"/>
+          <p:cNvPr id="72" name="Google Shape;72;g13a90a8876c_0_1"/>
           <p:cNvSpPr txBox="1">
             <a:spLocks noGrp="1"/>
           </p:cNvSpPr>
@@ -15609,7 +18693,7 @@
         <p:spPr>
           <a:xfrm>
             <a:off x="6867383" y="6572126"/>
-            <a:ext cx="2057400" cy="365125"/>
+            <a:ext cx="2057400" cy="365100"/>
           </a:xfrm>
           <a:prstGeom prst="rect">
             <a:avLst/>
@@ -15648,14 +18732,18 @@
       </p:sp>
       <p:sp>
         <p:nvSpPr>
-          <p:cNvPr id="107" name="Google Shape;107;p9"/>
-          <p:cNvSpPr txBox="1"/>
-          <p:nvPr/>
+          <p:cNvPr id="73" name="Google Shape;73;g13a90a8876c_0_1"/>
+          <p:cNvSpPr txBox="1">
+            <a:spLocks noGrp="1"/>
+          </p:cNvSpPr>
+          <p:nvPr>
+            <p:ph type="title"/>
+          </p:nvPr>
         </p:nvSpPr>
         <p:spPr>
           <a:xfrm>
-            <a:off x="4181094" y="3021991"/>
-            <a:ext cx="4197975" cy="814017"/>
+            <a:off x="235077" y="78613"/>
+            <a:ext cx="8673900" cy="451800"/>
           </a:xfrm>
           <a:prstGeom prst="rect">
             <a:avLst/>
@@ -15671,7 +18759,7 @@
           </a:bodyPr>
           <a:lstStyle/>
           <a:p>
-            <a:pPr marL="0" marR="0" lvl="0" indent="0" algn="l" rtl="0">
+            <a:pPr marL="0" lvl="0" indent="0" algn="l" rtl="0">
               <a:lnSpc>
                 <a:spcPct val="90000"/>
               </a:lnSpc>
@@ -15681,29 +18769,55 @@
               <a:spcAft>
                 <a:spcPts val="0"/>
               </a:spcAft>
-              <a:buClr>
-                <a:srgbClr val="C00000"/>
-              </a:buClr>
-              <a:buSzPts val="4800"/>
-              <a:buFont typeface="Lato"/>
+              <a:buSzPts val="2800"/>
               <a:buNone/>
             </a:pPr>
             <a:r>
-              <a:rPr lang="en-US" sz="4800" b="1" i="0" u="none" strike="noStrike" cap="none">
-                <a:solidFill>
-                  <a:srgbClr val="C00000"/>
-                </a:solidFill>
-                <a:latin typeface="Lato"/>
-                <a:ea typeface="Lato"/>
-                <a:cs typeface="Lato"/>
-                <a:sym typeface="Lato"/>
-              </a:rPr>
-              <a:t>THANK YOU !</a:t>
-            </a:r>
-            <a:endParaRPr sz="1400" b="0" i="0" u="none" strike="noStrike" cap="none">
-              <a:solidFill>
-                <a:srgbClr val="000000"/>
-              </a:solidFill>
+              <a:rPr lang="en-US" dirty="0" smtClean="0">
+                <a:latin typeface="Arial"/>
+                <a:ea typeface="Arial"/>
+                <a:cs typeface="Arial"/>
+                <a:sym typeface="Arial"/>
+              </a:rPr>
+              <a:t>3. </a:t>
+            </a:r>
+            <a:r>
+              <a:rPr lang="en-US" dirty="0" err="1" smtClean="0">
+                <a:latin typeface="Arial"/>
+                <a:ea typeface="Arial"/>
+                <a:cs typeface="Arial"/>
+                <a:sym typeface="Arial"/>
+              </a:rPr>
+              <a:t>Đánh</a:t>
+            </a:r>
+            <a:r>
+              <a:rPr lang="en-US" dirty="0" smtClean="0">
+                <a:latin typeface="Arial"/>
+                <a:ea typeface="Arial"/>
+                <a:cs typeface="Arial"/>
+                <a:sym typeface="Arial"/>
+              </a:rPr>
+              <a:t> </a:t>
+            </a:r>
+            <a:r>
+              <a:rPr lang="en-US" dirty="0" err="1" smtClean="0">
+                <a:latin typeface="Arial"/>
+                <a:ea typeface="Arial"/>
+                <a:cs typeface="Arial"/>
+                <a:sym typeface="Arial"/>
+              </a:rPr>
+              <a:t>giá</a:t>
+            </a:r>
+            <a:r>
+              <a:rPr lang="en-US" dirty="0" smtClean="0">
+                <a:latin typeface="Arial"/>
+                <a:ea typeface="Arial"/>
+                <a:cs typeface="Arial"/>
+                <a:sym typeface="Arial"/>
+              </a:rPr>
+              <a:t>, refactor</a:t>
+            </a:r>
+            <a:endParaRPr dirty="0">
               <a:latin typeface="Arial"/>
               <a:ea typeface="Arial"/>
               <a:cs typeface="Arial"/>
@@ -15712,7 +18826,2690 @@
           </a:p>
         </p:txBody>
       </p:sp>
+      <p:sp>
+        <p:nvSpPr>
+          <p:cNvPr id="5" name="TextBox 4"/>
+          <p:cNvSpPr txBox="1"/>
+          <p:nvPr/>
+        </p:nvSpPr>
+        <p:spPr>
+          <a:xfrm>
+            <a:off x="301658" y="801278"/>
+            <a:ext cx="8484123" cy="3231654"/>
+          </a:xfrm>
+          <a:prstGeom prst="rect">
+            <a:avLst/>
+          </a:prstGeom>
+          <a:noFill/>
+        </p:spPr>
+        <p:txBody>
+          <a:bodyPr wrap="square" rtlCol="0">
+            <a:spAutoFit/>
+          </a:bodyPr>
+          <a:lstStyle/>
+          <a:p>
+            <a:pPr>
+              <a:lnSpc>
+                <a:spcPct val="150000"/>
+              </a:lnSpc>
+            </a:pPr>
+            <a:r>
+              <a:rPr lang="en-US" sz="1600" b="1" dirty="0" smtClean="0"/>
+              <a:t>3.2. </a:t>
+            </a:r>
+            <a:r>
+              <a:rPr lang="en-US" sz="1600" b="1" dirty="0" err="1" smtClean="0"/>
+              <a:t>Các</a:t>
+            </a:r>
+            <a:r>
+              <a:rPr lang="en-US" sz="1600" b="1" dirty="0" smtClean="0"/>
+              <a:t> </a:t>
+            </a:r>
+            <a:r>
+              <a:rPr lang="en-US" sz="1600" b="1" dirty="0" err="1" smtClean="0"/>
+              <a:t>vấn</a:t>
+            </a:r>
+            <a:r>
+              <a:rPr lang="en-US" sz="1600" b="1" dirty="0" smtClean="0"/>
+              <a:t> </a:t>
+            </a:r>
+            <a:r>
+              <a:rPr lang="en-US" sz="1600" b="1" dirty="0" err="1" smtClean="0"/>
+              <a:t>đề</a:t>
+            </a:r>
+            <a:r>
+              <a:rPr lang="en-US" sz="1600" b="1" dirty="0" smtClean="0"/>
+              <a:t> vi </a:t>
+            </a:r>
+            <a:r>
+              <a:rPr lang="en-US" sz="1600" b="1" dirty="0" err="1" smtClean="0"/>
+              <a:t>phạm</a:t>
+            </a:r>
+            <a:r>
+              <a:rPr lang="en-US" sz="1600" b="1" dirty="0" smtClean="0"/>
+              <a:t> Low coupling</a:t>
+            </a:r>
+          </a:p>
+          <a:p>
+            <a:pPr marL="285750" indent="-285750">
+              <a:lnSpc>
+                <a:spcPct val="150000"/>
+              </a:lnSpc>
+              <a:buFontTx/>
+              <a:buChar char="-"/>
+            </a:pPr>
+            <a:r>
+              <a:rPr lang="en-US" sz="1600" b="1" dirty="0"/>
+              <a:t>Content </a:t>
+            </a:r>
+            <a:r>
+              <a:rPr lang="en-US" sz="1600" b="1" dirty="0" smtClean="0"/>
+              <a:t>coupling</a:t>
+            </a:r>
+          </a:p>
+          <a:p>
+            <a:pPr lvl="8">
+              <a:lnSpc>
+                <a:spcPct val="150000"/>
+              </a:lnSpc>
+            </a:pPr>
+            <a:r>
+              <a:rPr lang="en-US" sz="1200" u="sng" dirty="0" smtClean="0">
+                <a:solidFill>
+                  <a:srgbClr val="FF0000"/>
+                </a:solidFill>
+              </a:rPr>
+              <a:t>VD1</a:t>
+            </a:r>
+            <a:r>
+              <a:rPr lang="en-US" sz="1200" dirty="0" smtClean="0">
+                <a:solidFill>
+                  <a:srgbClr val="FF0000"/>
+                </a:solidFill>
+              </a:rPr>
+              <a:t>: </a:t>
+            </a:r>
+            <a:r>
+              <a:rPr lang="en-US" sz="1200" dirty="0" err="1" smtClean="0">
+                <a:solidFill>
+                  <a:srgbClr val="FF0000"/>
+                </a:solidFill>
+              </a:rPr>
+              <a:t>Các</a:t>
+            </a:r>
+            <a:r>
+              <a:rPr lang="en-US" sz="1200" dirty="0" smtClean="0">
+                <a:solidFill>
+                  <a:srgbClr val="FF0000"/>
+                </a:solidFill>
+              </a:rPr>
+              <a:t> attributes </a:t>
+            </a:r>
+            <a:r>
+              <a:rPr lang="en-US" sz="1200" dirty="0" err="1" smtClean="0">
+                <a:solidFill>
+                  <a:srgbClr val="FF0000"/>
+                </a:solidFill>
+              </a:rPr>
+              <a:t>của</a:t>
+            </a:r>
+            <a:r>
+              <a:rPr lang="en-US" sz="1200" dirty="0">
+                <a:solidFill>
+                  <a:srgbClr val="FF0000"/>
+                </a:solidFill>
+              </a:rPr>
+              <a:t> </a:t>
+            </a:r>
+            <a:r>
+              <a:rPr lang="en-US" sz="1200" dirty="0" smtClean="0">
+                <a:solidFill>
+                  <a:srgbClr val="FF0000"/>
+                </a:solidFill>
+              </a:rPr>
+              <a:t>class </a:t>
+            </a:r>
+            <a:r>
+              <a:rPr lang="en-US" sz="1200" b="1" dirty="0" err="1" smtClean="0">
+                <a:solidFill>
+                  <a:srgbClr val="FF0000"/>
+                </a:solidFill>
+              </a:rPr>
+              <a:t>entity.shipping.DeliveryInfo</a:t>
+            </a:r>
+            <a:r>
+              <a:rPr lang="en-US" sz="1200" b="1" dirty="0" smtClean="0">
+                <a:solidFill>
+                  <a:srgbClr val="FF0000"/>
+                </a:solidFill>
+              </a:rPr>
+              <a:t> </a:t>
+            </a:r>
+            <a:r>
+              <a:rPr lang="en-US" sz="1200" dirty="0" err="1" smtClean="0">
+                <a:solidFill>
+                  <a:srgbClr val="FF0000"/>
+                </a:solidFill>
+              </a:rPr>
+              <a:t>đang</a:t>
+            </a:r>
+            <a:r>
+              <a:rPr lang="en-US" sz="1200" dirty="0" smtClean="0">
+                <a:solidFill>
+                  <a:srgbClr val="FF0000"/>
+                </a:solidFill>
+              </a:rPr>
+              <a:t> </a:t>
+            </a:r>
+            <a:r>
+              <a:rPr lang="en-US" sz="1200" dirty="0" err="1" smtClean="0">
+                <a:solidFill>
+                  <a:srgbClr val="FF0000"/>
+                </a:solidFill>
+              </a:rPr>
+              <a:t>để</a:t>
+            </a:r>
+            <a:r>
+              <a:rPr lang="en-US" sz="1200" dirty="0" smtClean="0">
+                <a:solidFill>
+                  <a:srgbClr val="FF0000"/>
+                </a:solidFill>
+              </a:rPr>
+              <a:t> access modifier </a:t>
+            </a:r>
+            <a:r>
+              <a:rPr lang="en-US" sz="1200" dirty="0" err="1" smtClean="0">
+                <a:solidFill>
+                  <a:srgbClr val="FF0000"/>
+                </a:solidFill>
+              </a:rPr>
+              <a:t>là</a:t>
+            </a:r>
+            <a:r>
+              <a:rPr lang="en-US" sz="1200" dirty="0" smtClean="0">
+                <a:solidFill>
+                  <a:srgbClr val="FF0000"/>
+                </a:solidFill>
+              </a:rPr>
+              <a:t> protected, </a:t>
+            </a:r>
+            <a:r>
+              <a:rPr lang="en-US" sz="1200" dirty="0" err="1" smtClean="0">
+                <a:solidFill>
+                  <a:srgbClr val="FF0000"/>
+                </a:solidFill>
+              </a:rPr>
+              <a:t>trong</a:t>
+            </a:r>
+            <a:r>
+              <a:rPr lang="en-US" sz="1200" dirty="0" smtClean="0">
+                <a:solidFill>
+                  <a:srgbClr val="FF0000"/>
+                </a:solidFill>
+              </a:rPr>
+              <a:t> </a:t>
+            </a:r>
+            <a:r>
+              <a:rPr lang="en-US" sz="1200" dirty="0" err="1" smtClean="0">
+                <a:solidFill>
+                  <a:srgbClr val="FF0000"/>
+                </a:solidFill>
+              </a:rPr>
+              <a:t>khi</a:t>
+            </a:r>
+            <a:r>
+              <a:rPr lang="en-US" sz="1200" dirty="0" smtClean="0">
+                <a:solidFill>
+                  <a:srgbClr val="FF0000"/>
+                </a:solidFill>
+              </a:rPr>
+              <a:t> </a:t>
+            </a:r>
+            <a:r>
+              <a:rPr lang="en-US" sz="1200" dirty="0" err="1" smtClean="0">
+                <a:solidFill>
+                  <a:srgbClr val="FF0000"/>
+                </a:solidFill>
+              </a:rPr>
+              <a:t>không</a:t>
+            </a:r>
+            <a:r>
+              <a:rPr lang="en-US" sz="1200" dirty="0" smtClean="0">
+                <a:solidFill>
+                  <a:srgbClr val="FF0000"/>
+                </a:solidFill>
+              </a:rPr>
+              <a:t> </a:t>
+            </a:r>
+            <a:r>
+              <a:rPr lang="en-US" sz="1200" dirty="0" err="1" smtClean="0">
+                <a:solidFill>
+                  <a:srgbClr val="FF0000"/>
+                </a:solidFill>
+              </a:rPr>
+              <a:t>có</a:t>
+            </a:r>
+            <a:r>
+              <a:rPr lang="en-US" sz="1200" dirty="0" smtClean="0">
+                <a:solidFill>
+                  <a:srgbClr val="FF0000"/>
+                </a:solidFill>
+              </a:rPr>
+              <a:t> </a:t>
+            </a:r>
+            <a:r>
+              <a:rPr lang="en-US" sz="1200" dirty="0" err="1" smtClean="0">
+                <a:solidFill>
+                  <a:srgbClr val="FF0000"/>
+                </a:solidFill>
+              </a:rPr>
+              <a:t>lớp</a:t>
+            </a:r>
+            <a:r>
+              <a:rPr lang="en-US" sz="1200" dirty="0" smtClean="0">
+                <a:solidFill>
+                  <a:srgbClr val="FF0000"/>
+                </a:solidFill>
+              </a:rPr>
+              <a:t> </a:t>
+            </a:r>
+            <a:r>
+              <a:rPr lang="en-US" sz="1200" dirty="0" err="1" smtClean="0">
+                <a:solidFill>
+                  <a:srgbClr val="FF0000"/>
+                </a:solidFill>
+              </a:rPr>
+              <a:t>nào</a:t>
+            </a:r>
+            <a:r>
+              <a:rPr lang="en-US" sz="1200" dirty="0" smtClean="0">
+                <a:solidFill>
+                  <a:srgbClr val="FF0000"/>
+                </a:solidFill>
+              </a:rPr>
+              <a:t> </a:t>
+            </a:r>
+            <a:r>
+              <a:rPr lang="en-US" sz="1200" dirty="0" err="1" smtClean="0">
+                <a:solidFill>
+                  <a:srgbClr val="FF0000"/>
+                </a:solidFill>
+              </a:rPr>
+              <a:t>kế</a:t>
+            </a:r>
+            <a:r>
+              <a:rPr lang="en-US" sz="1200" dirty="0" smtClean="0">
+                <a:solidFill>
+                  <a:srgbClr val="FF0000"/>
+                </a:solidFill>
+              </a:rPr>
+              <a:t> </a:t>
+            </a:r>
+            <a:r>
+              <a:rPr lang="en-US" sz="1200" dirty="0" err="1" smtClean="0">
+                <a:solidFill>
+                  <a:srgbClr val="FF0000"/>
+                </a:solidFill>
+              </a:rPr>
+              <a:t>thừa</a:t>
+            </a:r>
+            <a:r>
+              <a:rPr lang="en-US" sz="1200" dirty="0" smtClean="0">
+                <a:solidFill>
+                  <a:srgbClr val="FF0000"/>
+                </a:solidFill>
+              </a:rPr>
+              <a:t>. </a:t>
+            </a:r>
+            <a:r>
+              <a:rPr lang="en-US" sz="1200" dirty="0" err="1" smtClean="0">
+                <a:solidFill>
+                  <a:srgbClr val="FF0000"/>
+                </a:solidFill>
+              </a:rPr>
+              <a:t>Các</a:t>
+            </a:r>
+            <a:r>
+              <a:rPr lang="en-US" sz="1200" dirty="0" smtClean="0">
+                <a:solidFill>
+                  <a:srgbClr val="FF0000"/>
+                </a:solidFill>
+              </a:rPr>
+              <a:t> </a:t>
+            </a:r>
+            <a:r>
+              <a:rPr lang="en-US" sz="1200" dirty="0" err="1" smtClean="0">
+                <a:solidFill>
+                  <a:srgbClr val="FF0000"/>
+                </a:solidFill>
+              </a:rPr>
+              <a:t>lớp</a:t>
+            </a:r>
+            <a:r>
+              <a:rPr lang="en-US" sz="1200" dirty="0" smtClean="0">
+                <a:solidFill>
+                  <a:srgbClr val="FF0000"/>
+                </a:solidFill>
+              </a:rPr>
+              <a:t> </a:t>
+            </a:r>
+            <a:r>
+              <a:rPr lang="en-US" sz="1200" dirty="0" err="1" smtClean="0">
+                <a:solidFill>
+                  <a:srgbClr val="FF0000"/>
+                </a:solidFill>
+              </a:rPr>
+              <a:t>trong</a:t>
+            </a:r>
+            <a:r>
+              <a:rPr lang="en-US" sz="1200" dirty="0" smtClean="0">
+                <a:solidFill>
+                  <a:srgbClr val="FF0000"/>
+                </a:solidFill>
+              </a:rPr>
+              <a:t> </a:t>
+            </a:r>
+            <a:r>
+              <a:rPr lang="en-US" sz="1200" dirty="0" err="1" smtClean="0">
+                <a:solidFill>
+                  <a:srgbClr val="FF0000"/>
+                </a:solidFill>
+              </a:rPr>
+              <a:t>cùng</a:t>
+            </a:r>
+            <a:r>
+              <a:rPr lang="en-US" sz="1200" dirty="0" smtClean="0">
+                <a:solidFill>
+                  <a:srgbClr val="FF0000"/>
+                </a:solidFill>
+              </a:rPr>
+              <a:t> package </a:t>
+            </a:r>
+            <a:r>
+              <a:rPr lang="en-US" sz="1200" dirty="0" err="1" smtClean="0">
+                <a:solidFill>
+                  <a:srgbClr val="FF0000"/>
+                </a:solidFill>
+              </a:rPr>
+              <a:t>có</a:t>
+            </a:r>
+            <a:r>
+              <a:rPr lang="en-US" sz="1200" dirty="0" smtClean="0">
+                <a:solidFill>
+                  <a:srgbClr val="FF0000"/>
+                </a:solidFill>
+              </a:rPr>
+              <a:t> </a:t>
+            </a:r>
+            <a:r>
+              <a:rPr lang="en-US" sz="1200" dirty="0" err="1" smtClean="0">
+                <a:solidFill>
+                  <a:srgbClr val="FF0000"/>
+                </a:solidFill>
+              </a:rPr>
+              <a:t>thể</a:t>
+            </a:r>
+            <a:r>
+              <a:rPr lang="en-US" sz="1200" dirty="0" smtClean="0">
+                <a:solidFill>
+                  <a:srgbClr val="FF0000"/>
+                </a:solidFill>
+              </a:rPr>
+              <a:t> </a:t>
+            </a:r>
+            <a:r>
+              <a:rPr lang="en-US" sz="1200" dirty="0" err="1" smtClean="0">
+                <a:solidFill>
+                  <a:srgbClr val="FF0000"/>
+                </a:solidFill>
+              </a:rPr>
+              <a:t>truy</a:t>
+            </a:r>
+            <a:r>
+              <a:rPr lang="en-US" sz="1200" dirty="0" smtClean="0">
+                <a:solidFill>
+                  <a:srgbClr val="FF0000"/>
+                </a:solidFill>
+              </a:rPr>
+              <a:t> </a:t>
+            </a:r>
+            <a:r>
+              <a:rPr lang="en-US" sz="1200" dirty="0" err="1" smtClean="0">
+                <a:solidFill>
+                  <a:srgbClr val="FF0000"/>
+                </a:solidFill>
+              </a:rPr>
+              <a:t>cập</a:t>
+            </a:r>
+            <a:r>
+              <a:rPr lang="en-US" sz="1200" dirty="0" smtClean="0">
+                <a:solidFill>
+                  <a:srgbClr val="FF0000"/>
+                </a:solidFill>
+              </a:rPr>
+              <a:t> </a:t>
+            </a:r>
+            <a:r>
+              <a:rPr lang="en-US" sz="1200" dirty="0" err="1" smtClean="0">
+                <a:solidFill>
+                  <a:srgbClr val="FF0000"/>
+                </a:solidFill>
+              </a:rPr>
+              <a:t>các</a:t>
+            </a:r>
+            <a:r>
+              <a:rPr lang="en-US" sz="1200" dirty="0" smtClean="0">
+                <a:solidFill>
+                  <a:srgbClr val="FF0000"/>
+                </a:solidFill>
+              </a:rPr>
+              <a:t> attributes </a:t>
+            </a:r>
+            <a:r>
+              <a:rPr lang="en-US" sz="1200" dirty="0" err="1" smtClean="0">
+                <a:solidFill>
+                  <a:srgbClr val="FF0000"/>
+                </a:solidFill>
+              </a:rPr>
+              <a:t>và</a:t>
+            </a:r>
+            <a:r>
+              <a:rPr lang="en-US" sz="1200" dirty="0" smtClean="0">
+                <a:solidFill>
+                  <a:srgbClr val="FF0000"/>
+                </a:solidFill>
+              </a:rPr>
+              <a:t> </a:t>
+            </a:r>
+            <a:r>
+              <a:rPr lang="en-US" sz="1200" dirty="0" err="1" smtClean="0">
+                <a:solidFill>
+                  <a:srgbClr val="FF0000"/>
+                </a:solidFill>
+              </a:rPr>
+              <a:t>thay</a:t>
+            </a:r>
+            <a:r>
+              <a:rPr lang="en-US" sz="1200" dirty="0" smtClean="0">
+                <a:solidFill>
+                  <a:srgbClr val="FF0000"/>
+                </a:solidFill>
+              </a:rPr>
+              <a:t> </a:t>
+            </a:r>
+            <a:r>
+              <a:rPr lang="en-US" sz="1200" dirty="0" err="1" smtClean="0">
+                <a:solidFill>
+                  <a:srgbClr val="FF0000"/>
+                </a:solidFill>
+              </a:rPr>
+              <a:t>đổi</a:t>
+            </a:r>
+            <a:r>
+              <a:rPr lang="en-US" sz="1200" dirty="0" smtClean="0">
+                <a:solidFill>
+                  <a:srgbClr val="FF0000"/>
+                </a:solidFill>
+              </a:rPr>
+              <a:t> </a:t>
+            </a:r>
+            <a:r>
+              <a:rPr lang="en-US" sz="1200" dirty="0" err="1" smtClean="0">
+                <a:solidFill>
+                  <a:srgbClr val="FF0000"/>
+                </a:solidFill>
+              </a:rPr>
+              <a:t>giá</a:t>
+            </a:r>
+            <a:r>
+              <a:rPr lang="en-US" sz="1200" dirty="0" smtClean="0">
+                <a:solidFill>
+                  <a:srgbClr val="FF0000"/>
+                </a:solidFill>
+              </a:rPr>
+              <a:t> </a:t>
+            </a:r>
+            <a:r>
+              <a:rPr lang="en-US" sz="1200" dirty="0" err="1" smtClean="0">
+                <a:solidFill>
+                  <a:srgbClr val="FF0000"/>
+                </a:solidFill>
+              </a:rPr>
+              <a:t>trị</a:t>
+            </a:r>
+            <a:r>
+              <a:rPr lang="en-US" sz="1200" dirty="0" smtClean="0">
+                <a:solidFill>
+                  <a:srgbClr val="FF0000"/>
+                </a:solidFill>
+              </a:rPr>
+              <a:t> </a:t>
+            </a:r>
+            <a:r>
+              <a:rPr lang="en-US" sz="1200" dirty="0" err="1" smtClean="0">
+                <a:solidFill>
+                  <a:srgbClr val="FF0000"/>
+                </a:solidFill>
+              </a:rPr>
+              <a:t>trực</a:t>
+            </a:r>
+            <a:r>
+              <a:rPr lang="en-US" sz="1200" dirty="0" smtClean="0">
+                <a:solidFill>
+                  <a:srgbClr val="FF0000"/>
+                </a:solidFill>
+              </a:rPr>
+              <a:t> </a:t>
+            </a:r>
+            <a:r>
+              <a:rPr lang="en-US" sz="1200" dirty="0" err="1" smtClean="0">
+                <a:solidFill>
+                  <a:srgbClr val="FF0000"/>
+                </a:solidFill>
+              </a:rPr>
+              <a:t>tiếp</a:t>
+            </a:r>
+            <a:r>
+              <a:rPr lang="en-US" sz="1200" dirty="0" smtClean="0">
+                <a:solidFill>
+                  <a:srgbClr val="FF0000"/>
+                </a:solidFill>
+              </a:rPr>
+              <a:t>.</a:t>
+            </a:r>
+          </a:p>
+          <a:p>
+            <a:pPr marL="285750" lvl="8" indent="-285750">
+              <a:lnSpc>
+                <a:spcPct val="150000"/>
+              </a:lnSpc>
+              <a:buFontTx/>
+              <a:buChar char="-"/>
+            </a:pPr>
+            <a:r>
+              <a:rPr lang="en-US" sz="1600" b="1" dirty="0"/>
+              <a:t>Common </a:t>
+            </a:r>
+            <a:r>
+              <a:rPr lang="en-US" sz="1600" b="1" dirty="0" smtClean="0"/>
+              <a:t>coupling</a:t>
+            </a:r>
+          </a:p>
+          <a:p>
+            <a:pPr lvl="8">
+              <a:lnSpc>
+                <a:spcPct val="150000"/>
+              </a:lnSpc>
+            </a:pPr>
+            <a:r>
+              <a:rPr lang="en-US" sz="1200" u="sng" dirty="0" smtClean="0">
+                <a:solidFill>
+                  <a:srgbClr val="FF0000"/>
+                </a:solidFill>
+              </a:rPr>
+              <a:t>VD1</a:t>
+            </a:r>
+            <a:r>
+              <a:rPr lang="en-US" sz="1200" dirty="0" smtClean="0">
+                <a:solidFill>
+                  <a:srgbClr val="FF0000"/>
+                </a:solidFill>
+              </a:rPr>
+              <a:t>:</a:t>
+            </a:r>
+            <a:r>
+              <a:rPr lang="vi-VN" sz="1200" dirty="0" smtClean="0">
+                <a:solidFill>
+                  <a:srgbClr val="FF0000"/>
+                </a:solidFill>
+              </a:rPr>
+              <a:t>Các biến </a:t>
+            </a:r>
+            <a:r>
+              <a:rPr lang="vi-VN" sz="1200" b="1" dirty="0" smtClean="0">
+                <a:solidFill>
+                  <a:srgbClr val="FF0000"/>
+                </a:solidFill>
+              </a:rPr>
+              <a:t>PERCENT_VAT </a:t>
+            </a:r>
+            <a:r>
+              <a:rPr lang="vi-VN" sz="1200" dirty="0" smtClean="0">
+                <a:solidFill>
+                  <a:srgbClr val="FF0000"/>
+                </a:solidFill>
+              </a:rPr>
+              <a:t>và</a:t>
+            </a:r>
+            <a:r>
+              <a:rPr lang="vi-VN" sz="1200" b="1" dirty="0" smtClean="0">
+                <a:solidFill>
+                  <a:srgbClr val="FF0000"/>
+                </a:solidFill>
+              </a:rPr>
+              <a:t> REGULAR_FONT</a:t>
+            </a:r>
+            <a:r>
+              <a:rPr lang="en-US" sz="1200" b="1" dirty="0" smtClean="0">
+                <a:solidFill>
+                  <a:srgbClr val="FF0000"/>
+                </a:solidFill>
+              </a:rPr>
+              <a:t> </a:t>
+            </a:r>
+            <a:r>
+              <a:rPr lang="en-US" sz="1200" dirty="0" err="1" smtClean="0">
+                <a:solidFill>
+                  <a:srgbClr val="FF0000"/>
+                </a:solidFill>
+              </a:rPr>
+              <a:t>tại</a:t>
+            </a:r>
+            <a:r>
+              <a:rPr lang="en-US" sz="1200" dirty="0">
+                <a:solidFill>
+                  <a:srgbClr val="FF0000"/>
+                </a:solidFill>
+              </a:rPr>
+              <a:t> </a:t>
+            </a:r>
+            <a:r>
+              <a:rPr lang="vi-VN" sz="1200" b="1" dirty="0" smtClean="0">
+                <a:solidFill>
+                  <a:srgbClr val="FF0000"/>
+                </a:solidFill>
+              </a:rPr>
+              <a:t>views.screen.ViewsConfig</a:t>
+            </a:r>
+            <a:r>
+              <a:rPr lang="en-US" sz="1200" b="1" dirty="0" smtClean="0">
+                <a:solidFill>
+                  <a:srgbClr val="FF0000"/>
+                </a:solidFill>
+              </a:rPr>
+              <a:t> </a:t>
+            </a:r>
+            <a:r>
+              <a:rPr lang="vi-VN" sz="1200" dirty="0" smtClean="0">
+                <a:solidFill>
+                  <a:srgbClr val="FF0000"/>
+                </a:solidFill>
+              </a:rPr>
+              <a:t>đang được dùng chung cho cả hệ thống </a:t>
+            </a:r>
+            <a:r>
+              <a:rPr lang="en-US" sz="1200" dirty="0" err="1" smtClean="0">
+                <a:solidFill>
+                  <a:srgbClr val="FF0000"/>
+                </a:solidFill>
+              </a:rPr>
+              <a:t>nhưng</a:t>
+            </a:r>
+            <a:r>
+              <a:rPr lang="en-US" sz="1200" dirty="0" smtClean="0">
+                <a:solidFill>
+                  <a:srgbClr val="FF0000"/>
+                </a:solidFill>
+              </a:rPr>
+              <a:t> </a:t>
+            </a:r>
+            <a:r>
+              <a:rPr lang="en-US" sz="1200" dirty="0" err="1" smtClean="0">
+                <a:solidFill>
+                  <a:srgbClr val="FF0000"/>
+                </a:solidFill>
+              </a:rPr>
+              <a:t>không</a:t>
+            </a:r>
+            <a:r>
+              <a:rPr lang="en-US" sz="1200" dirty="0" smtClean="0">
+                <a:solidFill>
+                  <a:srgbClr val="FF0000"/>
+                </a:solidFill>
+              </a:rPr>
+              <a:t> </a:t>
+            </a:r>
+            <a:r>
+              <a:rPr lang="en-US" sz="1200" dirty="0" err="1" smtClean="0">
+                <a:solidFill>
+                  <a:srgbClr val="FF0000"/>
+                </a:solidFill>
+              </a:rPr>
+              <a:t>dùng</a:t>
+            </a:r>
+            <a:r>
+              <a:rPr lang="vi-VN" sz="1200" dirty="0" smtClean="0">
+                <a:solidFill>
+                  <a:srgbClr val="FF0000"/>
+                </a:solidFill>
+              </a:rPr>
+              <a:t> từ khóa final.</a:t>
+            </a:r>
+            <a:r>
+              <a:rPr lang="en-US" sz="1200" dirty="0">
+                <a:solidFill>
+                  <a:srgbClr val="FF0000"/>
+                </a:solidFill>
+              </a:rPr>
+              <a:t> </a:t>
+            </a:r>
+            <a:r>
+              <a:rPr lang="en-US" sz="1200" dirty="0" err="1" smtClean="0">
+                <a:solidFill>
+                  <a:srgbClr val="FF0000"/>
+                </a:solidFill>
+              </a:rPr>
+              <a:t>Các</a:t>
+            </a:r>
+            <a:r>
+              <a:rPr lang="en-US" sz="1200" dirty="0" smtClean="0">
+                <a:solidFill>
+                  <a:srgbClr val="FF0000"/>
+                </a:solidFill>
+              </a:rPr>
+              <a:t> </a:t>
+            </a:r>
+            <a:r>
+              <a:rPr lang="en-US" sz="1200" dirty="0">
+                <a:solidFill>
+                  <a:srgbClr val="FF0000"/>
+                </a:solidFill>
+              </a:rPr>
+              <a:t>module </a:t>
+            </a:r>
+            <a:r>
+              <a:rPr lang="en-US" sz="1200" dirty="0" err="1" smtClean="0">
+                <a:solidFill>
+                  <a:srgbClr val="FF0000"/>
+                </a:solidFill>
+              </a:rPr>
+              <a:t>khác</a:t>
+            </a:r>
+            <a:r>
+              <a:rPr lang="en-US" sz="1200" dirty="0" smtClean="0">
+                <a:solidFill>
+                  <a:srgbClr val="FF0000"/>
+                </a:solidFill>
+              </a:rPr>
+              <a:t> </a:t>
+            </a:r>
+            <a:r>
+              <a:rPr lang="en-US" sz="1200" dirty="0" err="1" smtClean="0">
+                <a:solidFill>
+                  <a:srgbClr val="FF0000"/>
+                </a:solidFill>
+              </a:rPr>
+              <a:t>có</a:t>
+            </a:r>
+            <a:r>
+              <a:rPr lang="en-US" sz="1200" dirty="0" smtClean="0">
+                <a:solidFill>
+                  <a:srgbClr val="FF0000"/>
+                </a:solidFill>
+              </a:rPr>
+              <a:t> </a:t>
+            </a:r>
+            <a:r>
+              <a:rPr lang="en-US" sz="1200" dirty="0" err="1">
+                <a:solidFill>
+                  <a:srgbClr val="FF0000"/>
+                </a:solidFill>
+              </a:rPr>
+              <a:t>thể</a:t>
+            </a:r>
+            <a:r>
+              <a:rPr lang="en-US" sz="1200" dirty="0">
+                <a:solidFill>
+                  <a:srgbClr val="FF0000"/>
+                </a:solidFill>
+              </a:rPr>
+              <a:t> </a:t>
+            </a:r>
+            <a:r>
+              <a:rPr lang="en-US" sz="1200" dirty="0" err="1">
+                <a:solidFill>
+                  <a:srgbClr val="FF0000"/>
+                </a:solidFill>
+              </a:rPr>
+              <a:t>cùng</a:t>
+            </a:r>
+            <a:r>
+              <a:rPr lang="en-US" sz="1200" dirty="0">
+                <a:solidFill>
+                  <a:srgbClr val="FF0000"/>
+                </a:solidFill>
+              </a:rPr>
+              <a:t> </a:t>
+            </a:r>
+            <a:r>
+              <a:rPr lang="en-US" sz="1200" dirty="0" err="1">
+                <a:solidFill>
+                  <a:srgbClr val="FF0000"/>
+                </a:solidFill>
+              </a:rPr>
+              <a:t>đọc</a:t>
+            </a:r>
+            <a:r>
+              <a:rPr lang="en-US" sz="1200" dirty="0">
+                <a:solidFill>
+                  <a:srgbClr val="FF0000"/>
+                </a:solidFill>
+              </a:rPr>
+              <a:t> </a:t>
+            </a:r>
+            <a:r>
+              <a:rPr lang="en-US" sz="1200" dirty="0" err="1">
+                <a:solidFill>
+                  <a:srgbClr val="FF0000"/>
+                </a:solidFill>
+              </a:rPr>
+              <a:t>và</a:t>
+            </a:r>
+            <a:r>
+              <a:rPr lang="en-US" sz="1200" dirty="0">
+                <a:solidFill>
+                  <a:srgbClr val="FF0000"/>
+                </a:solidFill>
+              </a:rPr>
+              <a:t> </a:t>
+            </a:r>
+            <a:r>
+              <a:rPr lang="en-US" sz="1200" dirty="0" err="1">
+                <a:solidFill>
+                  <a:srgbClr val="FF0000"/>
+                </a:solidFill>
+              </a:rPr>
+              <a:t>cùng</a:t>
+            </a:r>
+            <a:r>
+              <a:rPr lang="en-US" sz="1200" dirty="0">
+                <a:solidFill>
+                  <a:srgbClr val="FF0000"/>
+                </a:solidFill>
+              </a:rPr>
+              <a:t> </a:t>
+            </a:r>
+            <a:r>
+              <a:rPr lang="en-US" sz="1200" dirty="0" err="1">
+                <a:solidFill>
+                  <a:srgbClr val="FF0000"/>
+                </a:solidFill>
+              </a:rPr>
+              <a:t>thay</a:t>
+            </a:r>
+            <a:r>
+              <a:rPr lang="en-US" sz="1200" dirty="0">
+                <a:solidFill>
+                  <a:srgbClr val="FF0000"/>
+                </a:solidFill>
+              </a:rPr>
+              <a:t> </a:t>
+            </a:r>
+            <a:r>
+              <a:rPr lang="en-US" sz="1200" dirty="0" err="1">
+                <a:solidFill>
+                  <a:srgbClr val="FF0000"/>
+                </a:solidFill>
+              </a:rPr>
+              <a:t>đổi</a:t>
+            </a:r>
+            <a:r>
+              <a:rPr lang="en-US" sz="1200" dirty="0">
+                <a:solidFill>
+                  <a:srgbClr val="FF0000"/>
+                </a:solidFill>
+              </a:rPr>
+              <a:t> </a:t>
+            </a:r>
+            <a:r>
+              <a:rPr lang="en-US" sz="1200" dirty="0" err="1">
+                <a:solidFill>
+                  <a:srgbClr val="FF0000"/>
+                </a:solidFill>
+              </a:rPr>
+              <a:t>dữ</a:t>
+            </a:r>
+            <a:r>
+              <a:rPr lang="en-US" sz="1200" dirty="0">
+                <a:solidFill>
+                  <a:srgbClr val="FF0000"/>
+                </a:solidFill>
+              </a:rPr>
+              <a:t> </a:t>
+            </a:r>
+            <a:r>
+              <a:rPr lang="en-US" sz="1200" dirty="0" err="1">
+                <a:solidFill>
+                  <a:srgbClr val="FF0000"/>
+                </a:solidFill>
+              </a:rPr>
+              <a:t>liệu</a:t>
+            </a:r>
+            <a:r>
+              <a:rPr lang="en-US" sz="1200" dirty="0">
+                <a:solidFill>
+                  <a:srgbClr val="FF0000"/>
+                </a:solidFill>
+              </a:rPr>
+              <a:t> </a:t>
+            </a:r>
+            <a:r>
+              <a:rPr lang="en-US" sz="1200" dirty="0" err="1">
+                <a:solidFill>
+                  <a:srgbClr val="FF0000"/>
+                </a:solidFill>
+              </a:rPr>
+              <a:t>dùng</a:t>
+            </a:r>
+            <a:r>
+              <a:rPr lang="en-US" sz="1200" dirty="0">
+                <a:solidFill>
+                  <a:srgbClr val="FF0000"/>
+                </a:solidFill>
+              </a:rPr>
+              <a:t> </a:t>
+            </a:r>
+            <a:r>
+              <a:rPr lang="en-US" sz="1200" dirty="0" err="1">
+                <a:solidFill>
+                  <a:srgbClr val="FF0000"/>
+                </a:solidFill>
+              </a:rPr>
+              <a:t>chung</a:t>
+            </a:r>
+            <a:r>
+              <a:rPr lang="en-US" sz="1200" dirty="0">
+                <a:solidFill>
+                  <a:srgbClr val="FF0000"/>
+                </a:solidFill>
+              </a:rPr>
+              <a:t> </a:t>
+            </a:r>
+            <a:r>
+              <a:rPr lang="en-US" sz="1200" dirty="0" err="1" smtClean="0">
+                <a:solidFill>
+                  <a:srgbClr val="FF0000"/>
+                </a:solidFill>
+              </a:rPr>
+              <a:t>này</a:t>
+            </a:r>
+            <a:r>
+              <a:rPr lang="en-US" sz="1200" dirty="0" smtClean="0">
+                <a:solidFill>
+                  <a:srgbClr val="FF0000"/>
+                </a:solidFill>
+              </a:rPr>
+              <a:t>.</a:t>
+            </a:r>
+          </a:p>
+          <a:p>
+            <a:pPr marL="285750" lvl="8" indent="-285750">
+              <a:lnSpc>
+                <a:spcPct val="150000"/>
+              </a:lnSpc>
+              <a:buFontTx/>
+              <a:buChar char="-"/>
+            </a:pPr>
+            <a:r>
+              <a:rPr lang="en-US" sz="1600" b="1" dirty="0"/>
+              <a:t>Stamp </a:t>
+            </a:r>
+            <a:r>
+              <a:rPr lang="en-US" sz="1600" b="1" dirty="0" smtClean="0"/>
+              <a:t>coupling</a:t>
+            </a:r>
+          </a:p>
+          <a:p>
+            <a:pPr lvl="8">
+              <a:lnSpc>
+                <a:spcPct val="150000"/>
+              </a:lnSpc>
+            </a:pPr>
+            <a:r>
+              <a:rPr lang="en-US" sz="1200" u="sng" dirty="0">
+                <a:solidFill>
+                  <a:srgbClr val="FF0000"/>
+                </a:solidFill>
+              </a:rPr>
+              <a:t>VD1</a:t>
+            </a:r>
+            <a:r>
+              <a:rPr lang="en-US" sz="1200" dirty="0">
+                <a:solidFill>
+                  <a:srgbClr val="FF0000"/>
+                </a:solidFill>
+              </a:rPr>
+              <a:t>: </a:t>
+            </a:r>
+            <a:r>
+              <a:rPr lang="en-US" sz="1200" dirty="0" err="1">
+                <a:solidFill>
+                  <a:srgbClr val="FF0000"/>
+                </a:solidFill>
+              </a:rPr>
+              <a:t>Tham</a:t>
+            </a:r>
+            <a:r>
+              <a:rPr lang="en-US" sz="1200" dirty="0">
+                <a:solidFill>
+                  <a:srgbClr val="FF0000"/>
+                </a:solidFill>
+              </a:rPr>
+              <a:t> </a:t>
+            </a:r>
+            <a:r>
+              <a:rPr lang="en-US" sz="1200" dirty="0" err="1">
+                <a:solidFill>
+                  <a:srgbClr val="FF0000"/>
+                </a:solidFill>
+              </a:rPr>
+              <a:t>số</a:t>
+            </a:r>
+            <a:r>
+              <a:rPr lang="en-US" sz="1200" dirty="0">
+                <a:solidFill>
+                  <a:srgbClr val="FF0000"/>
+                </a:solidFill>
+              </a:rPr>
+              <a:t> </a:t>
+            </a:r>
+            <a:r>
+              <a:rPr lang="en-US" sz="1200" dirty="0" err="1">
+                <a:solidFill>
+                  <a:srgbClr val="FF0000"/>
+                </a:solidFill>
+              </a:rPr>
+              <a:t>của</a:t>
+            </a:r>
+            <a:r>
+              <a:rPr lang="en-US" sz="1200" dirty="0">
+                <a:solidFill>
+                  <a:srgbClr val="FF0000"/>
+                </a:solidFill>
+              </a:rPr>
+              <a:t> method </a:t>
+            </a:r>
+            <a:r>
+              <a:rPr lang="en-US" sz="1200" b="1" dirty="0" err="1">
+                <a:solidFill>
+                  <a:srgbClr val="FF0000"/>
+                </a:solidFill>
+              </a:rPr>
+              <a:t>checkMediaInCart</a:t>
+            </a:r>
+            <a:r>
+              <a:rPr lang="en-US" sz="1200" dirty="0">
+                <a:solidFill>
+                  <a:srgbClr val="FF0000"/>
+                </a:solidFill>
+              </a:rPr>
+              <a:t> </a:t>
+            </a:r>
+            <a:r>
+              <a:rPr lang="en-US" sz="1200" dirty="0" err="1" smtClean="0">
+                <a:solidFill>
+                  <a:srgbClr val="FF0000"/>
+                </a:solidFill>
+              </a:rPr>
+              <a:t>trong</a:t>
+            </a:r>
+            <a:r>
+              <a:rPr lang="en-US" sz="1200" dirty="0">
+                <a:solidFill>
+                  <a:srgbClr val="FF0000"/>
+                </a:solidFill>
+              </a:rPr>
+              <a:t> </a:t>
+            </a:r>
+            <a:r>
+              <a:rPr lang="en-US" sz="1200" dirty="0" smtClean="0">
+                <a:solidFill>
+                  <a:srgbClr val="FF0000"/>
+                </a:solidFill>
+              </a:rPr>
+              <a:t>class </a:t>
+            </a:r>
+            <a:r>
+              <a:rPr lang="en-US" sz="1200" b="1" dirty="0" err="1" smtClean="0">
+                <a:solidFill>
+                  <a:srgbClr val="FF0000"/>
+                </a:solidFill>
+              </a:rPr>
+              <a:t>entity.cart.Cart</a:t>
+            </a:r>
+            <a:r>
+              <a:rPr lang="en-US" sz="1200" dirty="0" smtClean="0">
+                <a:solidFill>
+                  <a:srgbClr val="FF0000"/>
+                </a:solidFill>
+              </a:rPr>
+              <a:t> </a:t>
+            </a:r>
+            <a:r>
+              <a:rPr lang="en-US" sz="1200" dirty="0" err="1" smtClean="0">
+                <a:solidFill>
+                  <a:srgbClr val="FF0000"/>
+                </a:solidFill>
+              </a:rPr>
+              <a:t>đang</a:t>
+            </a:r>
+            <a:r>
+              <a:rPr lang="en-US" sz="1200" dirty="0" smtClean="0">
+                <a:solidFill>
+                  <a:srgbClr val="FF0000"/>
+                </a:solidFill>
+              </a:rPr>
+              <a:t> </a:t>
+            </a:r>
+            <a:r>
+              <a:rPr lang="en-US" sz="1200" dirty="0" err="1">
+                <a:solidFill>
+                  <a:srgbClr val="FF0000"/>
+                </a:solidFill>
+              </a:rPr>
+              <a:t>có</a:t>
+            </a:r>
+            <a:r>
+              <a:rPr lang="en-US" sz="1200" dirty="0">
+                <a:solidFill>
+                  <a:srgbClr val="FF0000"/>
+                </a:solidFill>
+              </a:rPr>
+              <a:t> </a:t>
+            </a:r>
+            <a:r>
+              <a:rPr lang="en-US" sz="1200" dirty="0" err="1">
+                <a:solidFill>
+                  <a:srgbClr val="FF0000"/>
+                </a:solidFill>
+              </a:rPr>
+              <a:t>kiểu</a:t>
+            </a:r>
+            <a:r>
+              <a:rPr lang="en-US" sz="1200" dirty="0">
+                <a:solidFill>
+                  <a:srgbClr val="FF0000"/>
+                </a:solidFill>
+              </a:rPr>
+              <a:t> </a:t>
+            </a:r>
+            <a:r>
+              <a:rPr lang="en-US" sz="1200" dirty="0" err="1">
+                <a:solidFill>
+                  <a:srgbClr val="FF0000"/>
+                </a:solidFill>
+              </a:rPr>
+              <a:t>dữ</a:t>
+            </a:r>
+            <a:r>
+              <a:rPr lang="en-US" sz="1200" dirty="0">
+                <a:solidFill>
+                  <a:srgbClr val="FF0000"/>
+                </a:solidFill>
+              </a:rPr>
+              <a:t> </a:t>
+            </a:r>
+            <a:r>
+              <a:rPr lang="en-US" sz="1200" dirty="0" err="1">
+                <a:solidFill>
+                  <a:srgbClr val="FF0000"/>
+                </a:solidFill>
+              </a:rPr>
+              <a:t>liệu</a:t>
+            </a:r>
+            <a:r>
+              <a:rPr lang="en-US" sz="1200" dirty="0">
+                <a:solidFill>
+                  <a:srgbClr val="FF0000"/>
+                </a:solidFill>
+              </a:rPr>
+              <a:t> </a:t>
+            </a:r>
+            <a:r>
+              <a:rPr lang="en-US" sz="1200" dirty="0" err="1">
+                <a:solidFill>
+                  <a:srgbClr val="FF0000"/>
+                </a:solidFill>
+              </a:rPr>
+              <a:t>là</a:t>
+            </a:r>
+            <a:r>
+              <a:rPr lang="en-US" sz="1200" dirty="0">
+                <a:solidFill>
+                  <a:srgbClr val="FF0000"/>
+                </a:solidFill>
+              </a:rPr>
+              <a:t> </a:t>
+            </a:r>
+            <a:r>
+              <a:rPr lang="en-US" sz="1200" b="1" dirty="0" smtClean="0">
+                <a:solidFill>
+                  <a:srgbClr val="FF0000"/>
+                </a:solidFill>
+              </a:rPr>
+              <a:t>Media</a:t>
+            </a:r>
+            <a:r>
+              <a:rPr lang="en-US" sz="1200" dirty="0" smtClean="0">
+                <a:solidFill>
+                  <a:srgbClr val="FF0000"/>
+                </a:solidFill>
+              </a:rPr>
+              <a:t>. </a:t>
+            </a:r>
+            <a:r>
+              <a:rPr lang="en-US" sz="1200" dirty="0" err="1" smtClean="0">
+                <a:solidFill>
+                  <a:srgbClr val="FF0000"/>
+                </a:solidFill>
+              </a:rPr>
+              <a:t>Trong</a:t>
+            </a:r>
+            <a:r>
+              <a:rPr lang="en-US" sz="1200" dirty="0" smtClean="0">
+                <a:solidFill>
+                  <a:srgbClr val="FF0000"/>
+                </a:solidFill>
+              </a:rPr>
+              <a:t> </a:t>
+            </a:r>
+            <a:r>
+              <a:rPr lang="en-US" sz="1200" dirty="0" err="1" smtClean="0">
+                <a:solidFill>
+                  <a:srgbClr val="FF0000"/>
+                </a:solidFill>
+              </a:rPr>
+              <a:t>khi</a:t>
+            </a:r>
+            <a:r>
+              <a:rPr lang="en-US" sz="1200" dirty="0" smtClean="0">
+                <a:solidFill>
+                  <a:srgbClr val="FF0000"/>
+                </a:solidFill>
+              </a:rPr>
+              <a:t> method </a:t>
+            </a:r>
+            <a:r>
+              <a:rPr lang="en-US" sz="1200" dirty="0" err="1" smtClean="0">
+                <a:solidFill>
+                  <a:srgbClr val="FF0000"/>
+                </a:solidFill>
+              </a:rPr>
+              <a:t>này</a:t>
+            </a:r>
+            <a:r>
+              <a:rPr lang="en-US" sz="1200" dirty="0" smtClean="0">
+                <a:solidFill>
+                  <a:srgbClr val="FF0000"/>
+                </a:solidFill>
+              </a:rPr>
+              <a:t> </a:t>
+            </a:r>
+            <a:r>
+              <a:rPr lang="en-US" sz="1200" dirty="0" err="1" smtClean="0">
+                <a:solidFill>
+                  <a:srgbClr val="FF0000"/>
+                </a:solidFill>
+              </a:rPr>
+              <a:t>chỉ</a:t>
+            </a:r>
+            <a:r>
+              <a:rPr lang="en-US" sz="1200" dirty="0" smtClean="0">
+                <a:solidFill>
+                  <a:srgbClr val="FF0000"/>
+                </a:solidFill>
+              </a:rPr>
+              <a:t> </a:t>
+            </a:r>
+            <a:r>
+              <a:rPr lang="en-US" sz="1200" dirty="0" err="1" smtClean="0">
+                <a:solidFill>
+                  <a:srgbClr val="FF0000"/>
+                </a:solidFill>
+              </a:rPr>
+              <a:t>cần</a:t>
+            </a:r>
+            <a:r>
+              <a:rPr lang="en-US" sz="1200" dirty="0" smtClean="0">
+                <a:solidFill>
+                  <a:srgbClr val="FF0000"/>
+                </a:solidFill>
+              </a:rPr>
+              <a:t> </a:t>
+            </a:r>
+            <a:r>
+              <a:rPr lang="en-US" sz="1200" dirty="0" err="1" smtClean="0">
+                <a:solidFill>
+                  <a:srgbClr val="FF0000"/>
+                </a:solidFill>
+              </a:rPr>
+              <a:t>dùng</a:t>
+            </a:r>
+            <a:r>
+              <a:rPr lang="en-US" sz="1200" dirty="0" smtClean="0">
+                <a:solidFill>
+                  <a:srgbClr val="FF0000"/>
+                </a:solidFill>
+              </a:rPr>
+              <a:t> </a:t>
+            </a:r>
+            <a:r>
+              <a:rPr lang="en-US" sz="1200" dirty="0" err="1" smtClean="0">
+                <a:solidFill>
+                  <a:srgbClr val="FF0000"/>
+                </a:solidFill>
+              </a:rPr>
+              <a:t>trường</a:t>
+            </a:r>
+            <a:r>
+              <a:rPr lang="en-US" sz="1200" dirty="0" smtClean="0">
+                <a:solidFill>
+                  <a:srgbClr val="FF0000"/>
+                </a:solidFill>
+              </a:rPr>
+              <a:t> id.</a:t>
+            </a:r>
+          </a:p>
+        </p:txBody>
+      </p:sp>
     </p:spTree>
+    <p:extLst>
+      <p:ext uri="{BB962C8B-B14F-4D97-AF65-F5344CB8AC3E}">
+        <p14:creationId xmlns:p14="http://schemas.microsoft.com/office/powerpoint/2010/main" val="3392505386"/>
+      </p:ext>
+    </p:extLst>
+  </p:cSld>
+  <p:clrMapOvr>
+    <a:masterClrMapping/>
+  </p:clrMapOvr>
+  <p:timing>
+    <p:tnLst>
+      <p:par>
+        <p:cTn id="1" dur="indefinite" restart="never" nodeType="tmRoot"/>
+      </p:par>
+    </p:tnLst>
+  </p:timing>
+</p:sld>
+</file>
+
+<file path=ppt/slides/slide9.xml><?xml version="1.0" encoding="utf-8"?>
+<p:sld xmlns:a="http://schemas.openxmlformats.org/drawingml/2006/main" xmlns:r="http://schemas.openxmlformats.org/officeDocument/2006/relationships" xmlns:p="http://schemas.openxmlformats.org/presentationml/2006/main">
+  <p:cSld>
+    <p:spTree>
+      <p:nvGrpSpPr>
+        <p:cNvPr id="1" name="Shape 71"/>
+        <p:cNvGrpSpPr/>
+        <p:nvPr/>
+      </p:nvGrpSpPr>
+      <p:grpSpPr>
+        <a:xfrm>
+          <a:off x="0" y="0"/>
+          <a:ext cx="0" cy="0"/>
+          <a:chOff x="0" y="0"/>
+          <a:chExt cx="0" cy="0"/>
+        </a:xfrm>
+      </p:grpSpPr>
+      <p:sp>
+        <p:nvSpPr>
+          <p:cNvPr id="72" name="Google Shape;72;g13a90a8876c_0_1"/>
+          <p:cNvSpPr txBox="1">
+            <a:spLocks noGrp="1"/>
+          </p:cNvSpPr>
+          <p:nvPr>
+            <p:ph type="sldNum" idx="12"/>
+          </p:nvPr>
+        </p:nvSpPr>
+        <p:spPr>
+          <a:xfrm>
+            <a:off x="6867383" y="6572126"/>
+            <a:ext cx="2057400" cy="365100"/>
+          </a:xfrm>
+          <a:prstGeom prst="rect">
+            <a:avLst/>
+          </a:prstGeom>
+          <a:noFill/>
+          <a:ln>
+            <a:noFill/>
+          </a:ln>
+        </p:spPr>
+        <p:txBody>
+          <a:bodyPr spcFirstLastPara="1" wrap="square" lIns="91425" tIns="45700" rIns="91425" bIns="45700" anchor="t" anchorCtr="0">
+            <a:noAutofit/>
+          </a:bodyPr>
+          <a:lstStyle/>
+          <a:p>
+            <a:pPr marL="0" lvl="0" indent="0" algn="r" rtl="0">
+              <a:lnSpc>
+                <a:spcPct val="100000"/>
+              </a:lnSpc>
+              <a:spcBef>
+                <a:spcPts val="0"/>
+              </a:spcBef>
+              <a:spcAft>
+                <a:spcPts val="0"/>
+              </a:spcAft>
+              <a:buSzPts val="1200"/>
+              <a:buNone/>
+            </a:pPr>
+            <a:fld id="{00000000-1234-1234-1234-123412341234}" type="slidenum">
+              <a:rPr lang="en-US"/>
+              <a:t>9</a:t>
+            </a:fld>
+            <a:endParaRPr/>
+          </a:p>
+        </p:txBody>
+      </p:sp>
+      <p:sp>
+        <p:nvSpPr>
+          <p:cNvPr id="73" name="Google Shape;73;g13a90a8876c_0_1"/>
+          <p:cNvSpPr txBox="1">
+            <a:spLocks noGrp="1"/>
+          </p:cNvSpPr>
+          <p:nvPr>
+            <p:ph type="title"/>
+          </p:nvPr>
+        </p:nvSpPr>
+        <p:spPr>
+          <a:xfrm>
+            <a:off x="235077" y="78613"/>
+            <a:ext cx="8673900" cy="451800"/>
+          </a:xfrm>
+          <a:prstGeom prst="rect">
+            <a:avLst/>
+          </a:prstGeom>
+          <a:noFill/>
+          <a:ln>
+            <a:noFill/>
+          </a:ln>
+        </p:spPr>
+        <p:txBody>
+          <a:bodyPr spcFirstLastPara="1" wrap="square" lIns="91425" tIns="45700" rIns="91425" bIns="45700" anchor="t" anchorCtr="0">
+            <a:noAutofit/>
+          </a:bodyPr>
+          <a:lstStyle/>
+          <a:p>
+            <a:pPr marL="0" lvl="0" indent="0" algn="l" rtl="0">
+              <a:lnSpc>
+                <a:spcPct val="90000"/>
+              </a:lnSpc>
+              <a:spcBef>
+                <a:spcPts val="0"/>
+              </a:spcBef>
+              <a:spcAft>
+                <a:spcPts val="0"/>
+              </a:spcAft>
+              <a:buSzPts val="2800"/>
+              <a:buNone/>
+            </a:pPr>
+            <a:r>
+              <a:rPr lang="en-US" dirty="0" smtClean="0">
+                <a:latin typeface="Arial"/>
+                <a:ea typeface="Arial"/>
+                <a:cs typeface="Arial"/>
+                <a:sym typeface="Arial"/>
+              </a:rPr>
+              <a:t>3. </a:t>
+            </a:r>
+            <a:r>
+              <a:rPr lang="en-US" dirty="0" err="1" smtClean="0">
+                <a:latin typeface="Arial"/>
+                <a:ea typeface="Arial"/>
+                <a:cs typeface="Arial"/>
+                <a:sym typeface="Arial"/>
+              </a:rPr>
+              <a:t>Đánh</a:t>
+            </a:r>
+            <a:r>
+              <a:rPr lang="en-US" dirty="0" smtClean="0">
+                <a:latin typeface="Arial"/>
+                <a:ea typeface="Arial"/>
+                <a:cs typeface="Arial"/>
+                <a:sym typeface="Arial"/>
+              </a:rPr>
+              <a:t> </a:t>
+            </a:r>
+            <a:r>
+              <a:rPr lang="en-US" dirty="0" err="1" smtClean="0">
+                <a:latin typeface="Arial"/>
+                <a:ea typeface="Arial"/>
+                <a:cs typeface="Arial"/>
+                <a:sym typeface="Arial"/>
+              </a:rPr>
+              <a:t>giá</a:t>
+            </a:r>
+            <a:r>
+              <a:rPr lang="en-US" dirty="0" smtClean="0">
+                <a:latin typeface="Arial"/>
+                <a:ea typeface="Arial"/>
+                <a:cs typeface="Arial"/>
+                <a:sym typeface="Arial"/>
+              </a:rPr>
+              <a:t>, refactor</a:t>
+            </a:r>
+            <a:endParaRPr dirty="0">
+              <a:latin typeface="Arial"/>
+              <a:ea typeface="Arial"/>
+              <a:cs typeface="Arial"/>
+              <a:sym typeface="Arial"/>
+            </a:endParaRPr>
+          </a:p>
+        </p:txBody>
+      </p:sp>
+      <p:sp>
+        <p:nvSpPr>
+          <p:cNvPr id="5" name="TextBox 4"/>
+          <p:cNvSpPr txBox="1"/>
+          <p:nvPr/>
+        </p:nvSpPr>
+        <p:spPr>
+          <a:xfrm>
+            <a:off x="301658" y="801278"/>
+            <a:ext cx="8484123" cy="3416320"/>
+          </a:xfrm>
+          <a:prstGeom prst="rect">
+            <a:avLst/>
+          </a:prstGeom>
+          <a:noFill/>
+        </p:spPr>
+        <p:txBody>
+          <a:bodyPr wrap="square" rtlCol="0">
+            <a:spAutoFit/>
+          </a:bodyPr>
+          <a:lstStyle/>
+          <a:p>
+            <a:pPr>
+              <a:lnSpc>
+                <a:spcPct val="150000"/>
+              </a:lnSpc>
+            </a:pPr>
+            <a:r>
+              <a:rPr lang="en-US" sz="1600" b="1" dirty="0" smtClean="0"/>
+              <a:t>3.3. </a:t>
+            </a:r>
+            <a:r>
+              <a:rPr lang="en-US" sz="1600" b="1" dirty="0" err="1" smtClean="0"/>
+              <a:t>Các</a:t>
+            </a:r>
+            <a:r>
+              <a:rPr lang="en-US" sz="1600" b="1" dirty="0" smtClean="0"/>
+              <a:t> </a:t>
+            </a:r>
+            <a:r>
+              <a:rPr lang="en-US" sz="1600" b="1" dirty="0" err="1" smtClean="0"/>
+              <a:t>vấn</a:t>
+            </a:r>
+            <a:r>
+              <a:rPr lang="en-US" sz="1600" b="1" dirty="0" smtClean="0"/>
+              <a:t> </a:t>
+            </a:r>
+            <a:r>
+              <a:rPr lang="en-US" sz="1600" b="1" dirty="0" err="1" smtClean="0"/>
+              <a:t>đề</a:t>
+            </a:r>
+            <a:r>
+              <a:rPr lang="en-US" sz="1600" b="1" dirty="0" smtClean="0"/>
+              <a:t> vi </a:t>
+            </a:r>
+            <a:r>
+              <a:rPr lang="en-US" sz="1600" b="1" dirty="0" err="1" smtClean="0"/>
+              <a:t>phạm</a:t>
+            </a:r>
+            <a:r>
+              <a:rPr lang="en-US" sz="1600" b="1" dirty="0" smtClean="0"/>
+              <a:t> SOLID</a:t>
+            </a:r>
+          </a:p>
+          <a:p>
+            <a:pPr marL="285750" indent="-285750">
+              <a:lnSpc>
+                <a:spcPct val="150000"/>
+              </a:lnSpc>
+              <a:buFontTx/>
+              <a:buChar char="-"/>
+            </a:pPr>
+            <a:r>
+              <a:rPr lang="en-US" sz="1600" b="1" dirty="0" smtClean="0"/>
+              <a:t>Single </a:t>
+            </a:r>
+            <a:r>
+              <a:rPr lang="en-US" sz="1600" b="1" dirty="0"/>
+              <a:t>Responsibility Principle (SRP</a:t>
+            </a:r>
+            <a:r>
+              <a:rPr lang="en-US" sz="1600" b="1" dirty="0" smtClean="0"/>
+              <a:t>)</a:t>
+            </a:r>
+          </a:p>
+          <a:p>
+            <a:pPr>
+              <a:lnSpc>
+                <a:spcPct val="150000"/>
+              </a:lnSpc>
+            </a:pPr>
+            <a:r>
+              <a:rPr lang="en-US" sz="1200" u="sng" dirty="0" smtClean="0">
+                <a:solidFill>
+                  <a:srgbClr val="FF0000"/>
+                </a:solidFill>
+              </a:rPr>
+              <a:t>VD1</a:t>
+            </a:r>
+            <a:r>
+              <a:rPr lang="en-US" sz="1200" dirty="0">
+                <a:solidFill>
+                  <a:srgbClr val="FF0000"/>
+                </a:solidFill>
+              </a:rPr>
+              <a:t>: Class </a:t>
+            </a:r>
+            <a:r>
+              <a:rPr lang="en-US" sz="1200" b="1" dirty="0" err="1">
+                <a:solidFill>
+                  <a:srgbClr val="FF0000"/>
+                </a:solidFill>
+              </a:rPr>
+              <a:t>DeliveryInfo</a:t>
+            </a:r>
+            <a:r>
+              <a:rPr lang="en-US" sz="1200" dirty="0">
+                <a:solidFill>
+                  <a:srgbClr val="FF0000"/>
+                </a:solidFill>
+              </a:rPr>
+              <a:t> </a:t>
+            </a:r>
+            <a:r>
+              <a:rPr lang="en-US" sz="1200" dirty="0" err="1">
+                <a:solidFill>
+                  <a:srgbClr val="FF0000"/>
+                </a:solidFill>
+              </a:rPr>
+              <a:t>đang</a:t>
+            </a:r>
+            <a:r>
+              <a:rPr lang="en-US" sz="1200" dirty="0">
+                <a:solidFill>
+                  <a:srgbClr val="FF0000"/>
+                </a:solidFill>
+              </a:rPr>
+              <a:t> </a:t>
+            </a:r>
+            <a:r>
+              <a:rPr lang="en-US" sz="1200" dirty="0" err="1">
+                <a:solidFill>
+                  <a:srgbClr val="FF0000"/>
+                </a:solidFill>
+              </a:rPr>
+              <a:t>có</a:t>
+            </a:r>
+            <a:r>
+              <a:rPr lang="en-US" sz="1200" dirty="0">
+                <a:solidFill>
+                  <a:srgbClr val="FF0000"/>
+                </a:solidFill>
+              </a:rPr>
+              <a:t> </a:t>
+            </a:r>
+            <a:r>
+              <a:rPr lang="en-US" sz="1200" dirty="0" err="1">
+                <a:solidFill>
+                  <a:srgbClr val="FF0000"/>
+                </a:solidFill>
+              </a:rPr>
+              <a:t>chứa</a:t>
+            </a:r>
+            <a:r>
+              <a:rPr lang="en-US" sz="1200" dirty="0">
+                <a:solidFill>
+                  <a:srgbClr val="FF0000"/>
+                </a:solidFill>
+              </a:rPr>
+              <a:t> </a:t>
+            </a:r>
+            <a:r>
+              <a:rPr lang="en-US" sz="1200" dirty="0" err="1">
+                <a:solidFill>
+                  <a:srgbClr val="FF0000"/>
+                </a:solidFill>
+              </a:rPr>
+              <a:t>một</a:t>
+            </a:r>
+            <a:r>
+              <a:rPr lang="en-US" sz="1200" dirty="0">
+                <a:solidFill>
+                  <a:srgbClr val="FF0000"/>
+                </a:solidFill>
+              </a:rPr>
+              <a:t> method </a:t>
+            </a:r>
+            <a:r>
+              <a:rPr lang="en-US" sz="1200" dirty="0" err="1">
+                <a:solidFill>
+                  <a:srgbClr val="FF0000"/>
+                </a:solidFill>
+              </a:rPr>
+              <a:t>dùng</a:t>
+            </a:r>
+            <a:r>
+              <a:rPr lang="en-US" sz="1200" dirty="0">
+                <a:solidFill>
+                  <a:srgbClr val="FF0000"/>
+                </a:solidFill>
+              </a:rPr>
+              <a:t> </a:t>
+            </a:r>
+            <a:r>
+              <a:rPr lang="en-US" sz="1200" dirty="0" err="1">
+                <a:solidFill>
+                  <a:srgbClr val="FF0000"/>
+                </a:solidFill>
+              </a:rPr>
+              <a:t>để</a:t>
+            </a:r>
+            <a:r>
+              <a:rPr lang="en-US" sz="1200" dirty="0">
+                <a:solidFill>
+                  <a:srgbClr val="FF0000"/>
+                </a:solidFill>
+              </a:rPr>
+              <a:t> </a:t>
+            </a:r>
+            <a:r>
+              <a:rPr lang="en-US" sz="1200" dirty="0" err="1">
+                <a:solidFill>
+                  <a:srgbClr val="FF0000"/>
+                </a:solidFill>
+              </a:rPr>
+              <a:t>tính</a:t>
+            </a:r>
+            <a:r>
+              <a:rPr lang="en-US" sz="1200" dirty="0">
+                <a:solidFill>
+                  <a:srgbClr val="FF0000"/>
+                </a:solidFill>
+              </a:rPr>
+              <a:t> </a:t>
+            </a:r>
+            <a:r>
+              <a:rPr lang="en-US" sz="1200" dirty="0" err="1">
+                <a:solidFill>
+                  <a:srgbClr val="FF0000"/>
+                </a:solidFill>
+              </a:rPr>
+              <a:t>toán</a:t>
+            </a:r>
+            <a:r>
+              <a:rPr lang="en-US" sz="1200" dirty="0">
+                <a:solidFill>
+                  <a:srgbClr val="FF0000"/>
+                </a:solidFill>
+              </a:rPr>
+              <a:t> chi </a:t>
+            </a:r>
+            <a:r>
+              <a:rPr lang="en-US" sz="1200" dirty="0" err="1">
+                <a:solidFill>
+                  <a:srgbClr val="FF0000"/>
+                </a:solidFill>
+              </a:rPr>
+              <a:t>phí</a:t>
+            </a:r>
+            <a:r>
+              <a:rPr lang="en-US" sz="1200" dirty="0">
+                <a:solidFill>
+                  <a:srgbClr val="FF0000"/>
+                </a:solidFill>
+              </a:rPr>
+              <a:t> </a:t>
+            </a:r>
+            <a:r>
+              <a:rPr lang="en-US" sz="1200" dirty="0" err="1">
+                <a:solidFill>
+                  <a:srgbClr val="FF0000"/>
+                </a:solidFill>
+              </a:rPr>
+              <a:t>vận</a:t>
+            </a:r>
+            <a:r>
+              <a:rPr lang="en-US" sz="1200" dirty="0">
+                <a:solidFill>
+                  <a:srgbClr val="FF0000"/>
+                </a:solidFill>
+              </a:rPr>
+              <a:t> </a:t>
+            </a:r>
+            <a:r>
+              <a:rPr lang="en-US" sz="1200" dirty="0" err="1" smtClean="0">
+                <a:solidFill>
+                  <a:srgbClr val="FF0000"/>
+                </a:solidFill>
+              </a:rPr>
+              <a:t>chuyển</a:t>
+            </a:r>
+            <a:r>
+              <a:rPr lang="en-US" sz="1200" dirty="0" smtClean="0">
+                <a:solidFill>
+                  <a:srgbClr val="FF0000"/>
+                </a:solidFill>
+              </a:rPr>
+              <a:t>. Class </a:t>
+            </a:r>
+            <a:r>
+              <a:rPr lang="en-US" sz="1200" dirty="0" err="1" smtClean="0">
+                <a:solidFill>
+                  <a:srgbClr val="FF0000"/>
+                </a:solidFill>
+              </a:rPr>
+              <a:t>này</a:t>
+            </a:r>
+            <a:r>
+              <a:rPr lang="en-US" sz="1200" dirty="0" smtClean="0">
+                <a:solidFill>
+                  <a:srgbClr val="FF0000"/>
+                </a:solidFill>
+              </a:rPr>
+              <a:t> </a:t>
+            </a:r>
+            <a:r>
+              <a:rPr lang="vi-VN" sz="1200" dirty="0" smtClean="0">
+                <a:solidFill>
+                  <a:srgbClr val="FF0000"/>
+                </a:solidFill>
+              </a:rPr>
+              <a:t>chỉ</a:t>
+            </a:r>
+            <a:r>
+              <a:rPr lang="en-US" sz="1200" dirty="0" smtClean="0">
+                <a:solidFill>
+                  <a:srgbClr val="FF0000"/>
+                </a:solidFill>
+              </a:rPr>
+              <a:t> </a:t>
+            </a:r>
+            <a:r>
+              <a:rPr lang="en-US" sz="1200" dirty="0" err="1" smtClean="0">
+                <a:solidFill>
+                  <a:srgbClr val="FF0000"/>
+                </a:solidFill>
+              </a:rPr>
+              <a:t>nên</a:t>
+            </a:r>
+            <a:r>
+              <a:rPr lang="vi-VN" sz="1200" dirty="0" smtClean="0">
+                <a:solidFill>
+                  <a:srgbClr val="FF0000"/>
+                </a:solidFill>
+              </a:rPr>
+              <a:t> </a:t>
+            </a:r>
+            <a:r>
+              <a:rPr lang="vi-VN" sz="1200" dirty="0">
+                <a:solidFill>
+                  <a:srgbClr val="FF0000"/>
+                </a:solidFill>
+              </a:rPr>
+              <a:t>có nhiệm vụ chứa các thông tin về đơn hàng như tên người nhận, địa chỉ, hướng dẫn giao hàng… </a:t>
+            </a:r>
+            <a:endParaRPr lang="en-US" sz="1200" dirty="0" smtClean="0">
+              <a:solidFill>
+                <a:srgbClr val="FF0000"/>
+              </a:solidFill>
+            </a:endParaRPr>
+          </a:p>
+          <a:p>
+            <a:pPr>
+              <a:lnSpc>
+                <a:spcPct val="150000"/>
+              </a:lnSpc>
+            </a:pPr>
+            <a:r>
+              <a:rPr lang="en-US" sz="1200" u="sng" dirty="0" smtClean="0">
+                <a:solidFill>
+                  <a:srgbClr val="FF0000"/>
+                </a:solidFill>
+              </a:rPr>
+              <a:t>VD2</a:t>
+            </a:r>
+            <a:r>
+              <a:rPr lang="en-US" sz="1200" dirty="0">
+                <a:solidFill>
+                  <a:srgbClr val="FF0000"/>
+                </a:solidFill>
+              </a:rPr>
+              <a:t>: Class </a:t>
+            </a:r>
+            <a:r>
+              <a:rPr lang="en-US" sz="1200" b="1" dirty="0" err="1">
+                <a:solidFill>
+                  <a:srgbClr val="FF0000"/>
+                </a:solidFill>
+              </a:rPr>
+              <a:t>AuthenticationController</a:t>
+            </a:r>
+            <a:r>
+              <a:rPr lang="en-US" sz="1200" dirty="0">
+                <a:solidFill>
+                  <a:srgbClr val="FF0000"/>
+                </a:solidFill>
+              </a:rPr>
+              <a:t> </a:t>
+            </a:r>
+            <a:r>
+              <a:rPr lang="en-US" sz="1200" dirty="0" err="1">
+                <a:solidFill>
+                  <a:srgbClr val="FF0000"/>
+                </a:solidFill>
+              </a:rPr>
+              <a:t>đang</a:t>
+            </a:r>
+            <a:r>
+              <a:rPr lang="en-US" sz="1200" dirty="0">
+                <a:solidFill>
+                  <a:srgbClr val="FF0000"/>
+                </a:solidFill>
+              </a:rPr>
+              <a:t> </a:t>
+            </a:r>
+            <a:r>
+              <a:rPr lang="en-US" sz="1200" dirty="0" err="1">
+                <a:solidFill>
+                  <a:srgbClr val="FF0000"/>
+                </a:solidFill>
+              </a:rPr>
+              <a:t>có</a:t>
+            </a:r>
+            <a:r>
+              <a:rPr lang="en-US" sz="1200" dirty="0">
+                <a:solidFill>
+                  <a:srgbClr val="FF0000"/>
+                </a:solidFill>
+              </a:rPr>
+              <a:t> </a:t>
+            </a:r>
+            <a:r>
+              <a:rPr lang="en-US" sz="1200" dirty="0" err="1">
+                <a:solidFill>
+                  <a:srgbClr val="FF0000"/>
+                </a:solidFill>
+              </a:rPr>
+              <a:t>một</a:t>
+            </a:r>
+            <a:r>
+              <a:rPr lang="en-US" sz="1200" dirty="0">
+                <a:solidFill>
+                  <a:srgbClr val="FF0000"/>
+                </a:solidFill>
+              </a:rPr>
+              <a:t> method </a:t>
+            </a:r>
+            <a:r>
+              <a:rPr lang="en-US" sz="1200" dirty="0" err="1">
+                <a:solidFill>
+                  <a:srgbClr val="FF0000"/>
+                </a:solidFill>
+              </a:rPr>
+              <a:t>để</a:t>
+            </a:r>
+            <a:r>
+              <a:rPr lang="en-US" sz="1200" dirty="0">
+                <a:solidFill>
+                  <a:srgbClr val="FF0000"/>
+                </a:solidFill>
+              </a:rPr>
+              <a:t> </a:t>
+            </a:r>
+            <a:r>
+              <a:rPr lang="en-US" sz="1200" dirty="0" err="1">
+                <a:solidFill>
+                  <a:srgbClr val="FF0000"/>
+                </a:solidFill>
+              </a:rPr>
+              <a:t>sinh</a:t>
+            </a:r>
+            <a:r>
+              <a:rPr lang="en-US" sz="1200" dirty="0">
+                <a:solidFill>
+                  <a:srgbClr val="FF0000"/>
+                </a:solidFill>
+              </a:rPr>
+              <a:t> </a:t>
+            </a:r>
+            <a:r>
+              <a:rPr lang="en-US" sz="1200" dirty="0" err="1">
+                <a:solidFill>
+                  <a:srgbClr val="FF0000"/>
+                </a:solidFill>
+              </a:rPr>
+              <a:t>mã</a:t>
+            </a:r>
+            <a:r>
+              <a:rPr lang="en-US" sz="1200" dirty="0">
+                <a:solidFill>
+                  <a:srgbClr val="FF0000"/>
+                </a:solidFill>
+              </a:rPr>
+              <a:t> </a:t>
+            </a:r>
+            <a:r>
+              <a:rPr lang="en-US" sz="1200" dirty="0" err="1">
+                <a:solidFill>
+                  <a:srgbClr val="FF0000"/>
+                </a:solidFill>
+              </a:rPr>
+              <a:t>băm</a:t>
+            </a:r>
+            <a:r>
+              <a:rPr lang="en-US" sz="1200" dirty="0">
+                <a:solidFill>
+                  <a:srgbClr val="FF0000"/>
+                </a:solidFill>
+              </a:rPr>
+              <a:t> </a:t>
+            </a:r>
+            <a:r>
+              <a:rPr lang="en-US" sz="1200" dirty="0" err="1">
+                <a:solidFill>
+                  <a:srgbClr val="FF0000"/>
+                </a:solidFill>
+              </a:rPr>
+              <a:t>sử</a:t>
+            </a:r>
+            <a:r>
+              <a:rPr lang="en-US" sz="1200" dirty="0">
+                <a:solidFill>
+                  <a:srgbClr val="FF0000"/>
+                </a:solidFill>
+              </a:rPr>
+              <a:t> </a:t>
+            </a:r>
+            <a:r>
+              <a:rPr lang="en-US" sz="1200" dirty="0" err="1">
+                <a:solidFill>
+                  <a:srgbClr val="FF0000"/>
+                </a:solidFill>
+              </a:rPr>
+              <a:t>dụng</a:t>
+            </a:r>
+            <a:r>
+              <a:rPr lang="en-US" sz="1200" dirty="0">
+                <a:solidFill>
+                  <a:srgbClr val="FF0000"/>
+                </a:solidFill>
+              </a:rPr>
+              <a:t> </a:t>
+            </a:r>
+            <a:r>
+              <a:rPr lang="en-US" sz="1200" dirty="0" err="1">
+                <a:solidFill>
+                  <a:srgbClr val="FF0000"/>
+                </a:solidFill>
+              </a:rPr>
+              <a:t>hàm</a:t>
+            </a:r>
+            <a:r>
+              <a:rPr lang="en-US" sz="1200" dirty="0">
+                <a:solidFill>
+                  <a:srgbClr val="FF0000"/>
+                </a:solidFill>
+              </a:rPr>
+              <a:t> </a:t>
+            </a:r>
+            <a:r>
+              <a:rPr lang="en-US" sz="1200" dirty="0" smtClean="0">
+                <a:solidFill>
+                  <a:srgbClr val="FF0000"/>
+                </a:solidFill>
+              </a:rPr>
+              <a:t>MD5. Class </a:t>
+            </a:r>
+            <a:r>
+              <a:rPr lang="en-US" sz="1200" dirty="0" err="1" smtClean="0">
+                <a:solidFill>
+                  <a:srgbClr val="FF0000"/>
+                </a:solidFill>
+              </a:rPr>
+              <a:t>này</a:t>
+            </a:r>
+            <a:r>
+              <a:rPr lang="en-US" sz="1200" dirty="0" smtClean="0">
+                <a:solidFill>
+                  <a:srgbClr val="FF0000"/>
+                </a:solidFill>
+              </a:rPr>
+              <a:t> </a:t>
+            </a:r>
+            <a:r>
+              <a:rPr lang="en-US" sz="1200" dirty="0" err="1" smtClean="0">
+                <a:solidFill>
+                  <a:srgbClr val="FF0000"/>
+                </a:solidFill>
+              </a:rPr>
+              <a:t>chỉ</a:t>
+            </a:r>
+            <a:r>
+              <a:rPr lang="en-US" sz="1200" dirty="0" smtClean="0">
+                <a:solidFill>
+                  <a:srgbClr val="FF0000"/>
+                </a:solidFill>
+              </a:rPr>
+              <a:t> </a:t>
+            </a:r>
+            <a:r>
+              <a:rPr lang="en-US" sz="1200" dirty="0" err="1" smtClean="0">
+                <a:solidFill>
+                  <a:srgbClr val="FF0000"/>
+                </a:solidFill>
+              </a:rPr>
+              <a:t>nên</a:t>
+            </a:r>
+            <a:r>
+              <a:rPr lang="en-US" sz="1200" dirty="0" smtClean="0">
+                <a:solidFill>
+                  <a:srgbClr val="FF0000"/>
+                </a:solidFill>
+              </a:rPr>
+              <a:t> </a:t>
+            </a:r>
+            <a:r>
+              <a:rPr lang="vi-VN" sz="1200" dirty="0" smtClean="0">
+                <a:solidFill>
+                  <a:srgbClr val="FF0000"/>
+                </a:solidFill>
+              </a:rPr>
+              <a:t>có </a:t>
+            </a:r>
+            <a:r>
+              <a:rPr lang="vi-VN" sz="1200" dirty="0">
+                <a:solidFill>
+                  <a:srgbClr val="FF0000"/>
+                </a:solidFill>
+              </a:rPr>
+              <a:t>nhiệm vụ xử lý logic các yêu cầu authenticate người </a:t>
+            </a:r>
+            <a:r>
+              <a:rPr lang="vi-VN" sz="1200" dirty="0" smtClean="0">
+                <a:solidFill>
+                  <a:srgbClr val="FF0000"/>
+                </a:solidFill>
+              </a:rPr>
+              <a:t>dùng</a:t>
+            </a:r>
+            <a:r>
+              <a:rPr lang="en-US" sz="1200" dirty="0" smtClean="0">
+                <a:solidFill>
+                  <a:srgbClr val="FF0000"/>
+                </a:solidFill>
+              </a:rPr>
+              <a:t>.</a:t>
+            </a:r>
+          </a:p>
+          <a:p>
+            <a:pPr>
+              <a:lnSpc>
+                <a:spcPct val="150000"/>
+              </a:lnSpc>
+            </a:pPr>
+            <a:r>
+              <a:rPr lang="en-US" sz="1200" u="sng" dirty="0" smtClean="0">
+                <a:solidFill>
+                  <a:srgbClr val="FF0000"/>
+                </a:solidFill>
+              </a:rPr>
+              <a:t>VD3</a:t>
+            </a:r>
+            <a:r>
+              <a:rPr lang="en-US" sz="1200" dirty="0" smtClean="0">
+                <a:solidFill>
+                  <a:srgbClr val="FF0000"/>
+                </a:solidFill>
+              </a:rPr>
+              <a:t>: </a:t>
+            </a:r>
+            <a:r>
+              <a:rPr lang="vi-VN" sz="1200" dirty="0">
+                <a:solidFill>
+                  <a:srgbClr val="FF0000"/>
+                </a:solidFill>
+              </a:rPr>
+              <a:t>Class </a:t>
+            </a:r>
+            <a:r>
+              <a:rPr lang="vi-VN" sz="1200" b="1" dirty="0">
+                <a:solidFill>
+                  <a:srgbClr val="FF0000"/>
+                </a:solidFill>
+              </a:rPr>
+              <a:t>PlaceOrderController</a:t>
+            </a:r>
+            <a:r>
+              <a:rPr lang="vi-VN" sz="1200" dirty="0">
+                <a:solidFill>
+                  <a:srgbClr val="FF0000"/>
+                </a:solidFill>
+              </a:rPr>
+              <a:t> đang có các method để thực hiện validate dữ liệu người dùng nhập vào</a:t>
+            </a:r>
+            <a:r>
+              <a:rPr lang="vi-VN" sz="1200" dirty="0" smtClean="0">
+                <a:solidFill>
+                  <a:srgbClr val="FF0000"/>
+                </a:solidFill>
+              </a:rPr>
+              <a:t>.</a:t>
+            </a:r>
+            <a:r>
+              <a:rPr lang="en-US" sz="1200" dirty="0" smtClean="0">
+                <a:solidFill>
+                  <a:srgbClr val="FF0000"/>
+                </a:solidFill>
+              </a:rPr>
+              <a:t> Class </a:t>
+            </a:r>
+            <a:r>
+              <a:rPr lang="en-US" sz="1200" dirty="0" err="1" smtClean="0">
+                <a:solidFill>
+                  <a:srgbClr val="FF0000"/>
+                </a:solidFill>
+              </a:rPr>
+              <a:t>này</a:t>
+            </a:r>
+            <a:r>
+              <a:rPr lang="en-US" sz="1200" dirty="0" smtClean="0">
+                <a:solidFill>
+                  <a:srgbClr val="FF0000"/>
+                </a:solidFill>
+              </a:rPr>
+              <a:t> </a:t>
+            </a:r>
+            <a:r>
+              <a:rPr lang="en-US" sz="1200" dirty="0" err="1" smtClean="0">
+                <a:solidFill>
+                  <a:srgbClr val="FF0000"/>
+                </a:solidFill>
+              </a:rPr>
+              <a:t>chỉ</a:t>
+            </a:r>
+            <a:r>
+              <a:rPr lang="en-US" sz="1200" dirty="0" smtClean="0">
+                <a:solidFill>
+                  <a:srgbClr val="FF0000"/>
+                </a:solidFill>
+              </a:rPr>
+              <a:t> </a:t>
+            </a:r>
+            <a:r>
+              <a:rPr lang="en-US" sz="1200" dirty="0" err="1" smtClean="0">
+                <a:solidFill>
+                  <a:srgbClr val="FF0000"/>
+                </a:solidFill>
+              </a:rPr>
+              <a:t>nên</a:t>
+            </a:r>
+            <a:r>
+              <a:rPr lang="en-US" sz="1200" dirty="0" smtClean="0">
+                <a:solidFill>
+                  <a:srgbClr val="FF0000"/>
+                </a:solidFill>
+              </a:rPr>
+              <a:t> </a:t>
+            </a:r>
+            <a:r>
+              <a:rPr lang="vi-VN" sz="1200" dirty="0" smtClean="0">
+                <a:solidFill>
+                  <a:srgbClr val="FF0000"/>
+                </a:solidFill>
+              </a:rPr>
+              <a:t>nhiệm </a:t>
+            </a:r>
+            <a:r>
+              <a:rPr lang="vi-VN" sz="1200" dirty="0">
+                <a:solidFill>
+                  <a:srgbClr val="FF0000"/>
+                </a:solidFill>
+              </a:rPr>
+              <a:t>vụ xử lý logic khi người dùng đặt </a:t>
+            </a:r>
+            <a:r>
+              <a:rPr lang="vi-VN" sz="1200" dirty="0" smtClean="0">
+                <a:solidFill>
+                  <a:srgbClr val="FF0000"/>
+                </a:solidFill>
+              </a:rPr>
+              <a:t>hàng</a:t>
+            </a:r>
+            <a:r>
+              <a:rPr lang="en-US" sz="1200" dirty="0">
+                <a:solidFill>
+                  <a:srgbClr val="FF0000"/>
+                </a:solidFill>
+              </a:rPr>
+              <a:t>.</a:t>
+            </a:r>
+          </a:p>
+          <a:p>
+            <a:pPr marL="285750" lvl="8" indent="-285750">
+              <a:lnSpc>
+                <a:spcPct val="150000"/>
+              </a:lnSpc>
+              <a:buFontTx/>
+              <a:buChar char="-"/>
+            </a:pPr>
+            <a:r>
+              <a:rPr lang="en-US" sz="1600" b="1" dirty="0" smtClean="0"/>
+              <a:t>Open </a:t>
+            </a:r>
+            <a:r>
+              <a:rPr lang="en-US" sz="1600" b="1" dirty="0"/>
+              <a:t>Closed Principle (OCP</a:t>
+            </a:r>
+            <a:r>
+              <a:rPr lang="en-US" sz="1600" b="1" dirty="0" smtClean="0"/>
+              <a:t>) </a:t>
+            </a:r>
+          </a:p>
+          <a:p>
+            <a:pPr lvl="8">
+              <a:lnSpc>
+                <a:spcPct val="150000"/>
+              </a:lnSpc>
+            </a:pPr>
+            <a:r>
+              <a:rPr lang="en-US" sz="1200" u="sng" dirty="0" smtClean="0">
+                <a:solidFill>
+                  <a:srgbClr val="FF0000"/>
+                </a:solidFill>
+              </a:rPr>
+              <a:t>VD1</a:t>
+            </a:r>
+            <a:r>
+              <a:rPr lang="en-US" sz="1200" dirty="0" smtClean="0">
+                <a:solidFill>
+                  <a:srgbClr val="FF0000"/>
+                </a:solidFill>
+              </a:rPr>
+              <a:t>: Class </a:t>
+            </a:r>
+            <a:r>
+              <a:rPr lang="en-US" sz="1200" b="1" dirty="0" err="1" smtClean="0">
+                <a:solidFill>
+                  <a:srgbClr val="FF0000"/>
+                </a:solidFill>
+              </a:rPr>
+              <a:t>DeliveryInfo</a:t>
+            </a:r>
+            <a:r>
+              <a:rPr lang="en-US" sz="1200" b="1" dirty="0" smtClean="0">
+                <a:solidFill>
+                  <a:srgbClr val="FF0000"/>
+                </a:solidFill>
+              </a:rPr>
+              <a:t>, </a:t>
+            </a:r>
+            <a:r>
+              <a:rPr lang="en-US" sz="1200" b="1" dirty="0" err="1" smtClean="0">
+                <a:solidFill>
+                  <a:srgbClr val="FF0000"/>
+                </a:solidFill>
+              </a:rPr>
+              <a:t>PaymentTransaction</a:t>
+            </a:r>
+            <a:r>
+              <a:rPr lang="en-US" sz="1200" b="1" dirty="0" smtClean="0">
+                <a:solidFill>
+                  <a:srgbClr val="FF0000"/>
+                </a:solidFill>
+              </a:rPr>
+              <a:t> </a:t>
+            </a:r>
+            <a:r>
+              <a:rPr lang="en-US" sz="1200" dirty="0" err="1" smtClean="0">
+                <a:solidFill>
+                  <a:srgbClr val="FF0000"/>
+                </a:solidFill>
+              </a:rPr>
+              <a:t>phụ</a:t>
+            </a:r>
+            <a:r>
+              <a:rPr lang="en-US" sz="1200" dirty="0" smtClean="0">
+                <a:solidFill>
+                  <a:srgbClr val="FF0000"/>
+                </a:solidFill>
+              </a:rPr>
+              <a:t> </a:t>
+            </a:r>
+            <a:r>
+              <a:rPr lang="en-US" sz="1200" dirty="0" err="1" smtClean="0">
+                <a:solidFill>
+                  <a:srgbClr val="FF0000"/>
+                </a:solidFill>
+              </a:rPr>
+              <a:t>thuộc</a:t>
+            </a:r>
+            <a:r>
+              <a:rPr lang="en-US" sz="1200" dirty="0" smtClean="0">
+                <a:solidFill>
+                  <a:srgbClr val="FF0000"/>
+                </a:solidFill>
+              </a:rPr>
+              <a:t> </a:t>
+            </a:r>
+            <a:r>
+              <a:rPr lang="en-US" sz="1200" dirty="0" err="1" smtClean="0">
+                <a:solidFill>
+                  <a:srgbClr val="FF0000"/>
+                </a:solidFill>
+              </a:rPr>
+              <a:t>trực</a:t>
+            </a:r>
+            <a:r>
+              <a:rPr lang="en-US" sz="1200" dirty="0" smtClean="0">
+                <a:solidFill>
+                  <a:srgbClr val="FF0000"/>
+                </a:solidFill>
+              </a:rPr>
+              <a:t> </a:t>
+            </a:r>
+            <a:r>
+              <a:rPr lang="en-US" sz="1200" dirty="0" err="1" smtClean="0">
+                <a:solidFill>
+                  <a:srgbClr val="FF0000"/>
+                </a:solidFill>
+              </a:rPr>
+              <a:t>tiếp</a:t>
+            </a:r>
+            <a:r>
+              <a:rPr lang="en-US" sz="1200" dirty="0" smtClean="0">
+                <a:solidFill>
+                  <a:srgbClr val="FF0000"/>
+                </a:solidFill>
+              </a:rPr>
+              <a:t> </a:t>
+            </a:r>
+            <a:r>
+              <a:rPr lang="en-US" sz="1200" dirty="0" err="1" smtClean="0">
+                <a:solidFill>
+                  <a:srgbClr val="FF0000"/>
+                </a:solidFill>
+              </a:rPr>
+              <a:t>vào</a:t>
+            </a:r>
+            <a:r>
+              <a:rPr lang="en-US" sz="1200" dirty="0" smtClean="0">
+                <a:solidFill>
+                  <a:srgbClr val="FF0000"/>
+                </a:solidFill>
+              </a:rPr>
+              <a:t> </a:t>
+            </a:r>
+            <a:r>
+              <a:rPr lang="en-US" sz="1200" b="1" dirty="0" err="1" smtClean="0">
+                <a:solidFill>
+                  <a:srgbClr val="FF0000"/>
+                </a:solidFill>
+              </a:rPr>
+              <a:t>CreditCard</a:t>
+            </a:r>
+            <a:r>
+              <a:rPr lang="en-US" sz="1200" b="1" dirty="0" smtClean="0">
+                <a:solidFill>
+                  <a:srgbClr val="FF0000"/>
+                </a:solidFill>
+              </a:rPr>
+              <a:t>, </a:t>
+            </a:r>
+            <a:r>
+              <a:rPr lang="en-US" sz="1200" dirty="0" err="1" smtClean="0">
+                <a:solidFill>
+                  <a:srgbClr val="FF0000"/>
+                </a:solidFill>
+              </a:rPr>
+              <a:t>khó</a:t>
+            </a:r>
+            <a:r>
+              <a:rPr lang="en-US" sz="1200" dirty="0" smtClean="0">
+                <a:solidFill>
+                  <a:srgbClr val="FF0000"/>
+                </a:solidFill>
+              </a:rPr>
+              <a:t> </a:t>
+            </a:r>
+            <a:r>
+              <a:rPr lang="en-US" sz="1200" dirty="0" err="1" smtClean="0">
+                <a:solidFill>
+                  <a:srgbClr val="FF0000"/>
+                </a:solidFill>
+              </a:rPr>
+              <a:t>mở</a:t>
+            </a:r>
+            <a:r>
+              <a:rPr lang="en-US" sz="1200" dirty="0" smtClean="0">
+                <a:solidFill>
+                  <a:srgbClr val="FF0000"/>
+                </a:solidFill>
+              </a:rPr>
+              <a:t> </a:t>
+            </a:r>
+            <a:r>
+              <a:rPr lang="en-US" sz="1200" dirty="0" err="1" smtClean="0">
+                <a:solidFill>
+                  <a:srgbClr val="FF0000"/>
+                </a:solidFill>
+              </a:rPr>
+              <a:t>rộng</a:t>
+            </a:r>
+            <a:r>
+              <a:rPr lang="en-US" sz="1200" dirty="0" smtClean="0">
+                <a:solidFill>
+                  <a:srgbClr val="FF0000"/>
+                </a:solidFill>
+              </a:rPr>
+              <a:t> </a:t>
+            </a:r>
+            <a:r>
+              <a:rPr lang="en-US" sz="1200" dirty="0" err="1" smtClean="0">
+                <a:solidFill>
+                  <a:srgbClr val="FF0000"/>
+                </a:solidFill>
+              </a:rPr>
+              <a:t>trong</a:t>
+            </a:r>
+            <a:r>
+              <a:rPr lang="en-US" sz="1200" dirty="0" smtClean="0">
+                <a:solidFill>
+                  <a:srgbClr val="FF0000"/>
+                </a:solidFill>
+              </a:rPr>
+              <a:t> </a:t>
+            </a:r>
+            <a:r>
+              <a:rPr lang="en-US" sz="1200" dirty="0" err="1" smtClean="0">
+                <a:solidFill>
+                  <a:srgbClr val="FF0000"/>
+                </a:solidFill>
+              </a:rPr>
+              <a:t>trường</a:t>
+            </a:r>
+            <a:r>
+              <a:rPr lang="en-US" sz="1200" dirty="0" smtClean="0">
+                <a:solidFill>
+                  <a:srgbClr val="FF0000"/>
+                </a:solidFill>
+              </a:rPr>
+              <a:t> </a:t>
+            </a:r>
+            <a:r>
+              <a:rPr lang="en-US" sz="1200" dirty="0" err="1" smtClean="0">
+                <a:solidFill>
+                  <a:srgbClr val="FF0000"/>
+                </a:solidFill>
+              </a:rPr>
+              <a:t>hợp</a:t>
+            </a:r>
+            <a:r>
+              <a:rPr lang="en-US" sz="1200" dirty="0" smtClean="0">
+                <a:solidFill>
+                  <a:srgbClr val="FF0000"/>
+                </a:solidFill>
+              </a:rPr>
+              <a:t> </a:t>
+            </a:r>
+            <a:r>
+              <a:rPr lang="en-US" sz="1200" dirty="0" err="1" smtClean="0">
+                <a:solidFill>
+                  <a:srgbClr val="FF0000"/>
+                </a:solidFill>
+              </a:rPr>
+              <a:t>có</a:t>
+            </a:r>
+            <a:r>
+              <a:rPr lang="en-US" sz="1200" dirty="0" smtClean="0">
+                <a:solidFill>
+                  <a:srgbClr val="FF0000"/>
+                </a:solidFill>
+              </a:rPr>
+              <a:t> </a:t>
+            </a:r>
+            <a:r>
+              <a:rPr lang="en-US" sz="1200" dirty="0" err="1" smtClean="0">
+                <a:solidFill>
+                  <a:srgbClr val="FF0000"/>
+                </a:solidFill>
+              </a:rPr>
+              <a:t>thêm</a:t>
+            </a:r>
+            <a:r>
+              <a:rPr lang="en-US" sz="1200" dirty="0" smtClean="0">
+                <a:solidFill>
+                  <a:srgbClr val="FF0000"/>
+                </a:solidFill>
+              </a:rPr>
+              <a:t> </a:t>
+            </a:r>
+            <a:r>
+              <a:rPr lang="en-US" sz="1200" b="1" dirty="0" err="1" smtClean="0">
+                <a:solidFill>
+                  <a:srgbClr val="FF0000"/>
+                </a:solidFill>
+              </a:rPr>
+              <a:t>DomesticCard</a:t>
+            </a:r>
+            <a:r>
+              <a:rPr lang="en-US" sz="1200" dirty="0" smtClean="0">
+                <a:solidFill>
+                  <a:srgbClr val="FF0000"/>
+                </a:solidFill>
+              </a:rPr>
+              <a:t>.</a:t>
+            </a:r>
+          </a:p>
+        </p:txBody>
+      </p:sp>
+    </p:spTree>
+    <p:extLst>
+      <p:ext uri="{BB962C8B-B14F-4D97-AF65-F5344CB8AC3E}">
+        <p14:creationId xmlns:p14="http://schemas.microsoft.com/office/powerpoint/2010/main" val="2160177315"/>
+      </p:ext>
+    </p:extLst>
   </p:cSld>
   <p:clrMapOvr>
     <a:masterClrMapping/>

--- a/presentation/Design_Pattern_Slide.pptx
+++ b/presentation/Design_Pattern_Slide.pptx
@@ -50,7 +50,7 @@
       <p:boldItalic r:id="rId36"/>
     </p:embeddedFont>
     <p:embeddedFont>
-      <p:font typeface="Lato" panose="020F0502020204030203" pitchFamily="34" charset="0"/>
+      <p:font typeface="Lato" panose="020B0604020202020204" charset="0"/>
       <p:regular r:id="rId37"/>
       <p:bold r:id="rId38"/>
       <p:italic r:id="rId39"/>
@@ -291,7 +291,7 @@
       <p15:sldGuideLst xmlns:p15="http://schemas.microsoft.com/office/powerpoint/2012/main"/>
     </p:ext>
     <p:ext uri="http://customooxmlschemas.google.com/">
-      <go:slidesCustomData xmlns="" xmlns:mc="http://schemas.openxmlformats.org/markup-compatibility/2006" xmlns:mv="urn:schemas-microsoft-com:mac:vml" xmlns:c="http://schemas.openxmlformats.org/drawingml/2006/chart" xmlns:dgm="http://schemas.openxmlformats.org/drawingml/2006/diagram" xmlns:o="urn:schemas-microsoft-com:office:office" xmlns:v="urn:schemas-microsoft-com:vml" xmlns:pvml="urn:schemas-microsoft-com:office:powerpoint" xmlns:com="http://schemas.openxmlformats.org/drawingml/2006/compatibility" xmlns:p14="http://schemas.microsoft.com/office/powerpoint/2010/main" xmlns:p15="http://schemas.microsoft.com/office/powerpoint/2012/main" xmlns:ahyp="http://schemas.microsoft.com/office/drawing/2018/hyperlinkcolor" xmlns:go="http://customooxmlschemas.google.com/" r:id="rId41" roundtripDataSignature="AMtx7mj558g+zs1o7BnEogSEStSFHJZ7WA=="/>
+      <go:slidesCustomData xmlns:go="http://customooxmlschemas.google.com/" xmlns:ahyp="http://schemas.microsoft.com/office/drawing/2018/hyperlinkcolor" xmlns:p15="http://schemas.microsoft.com/office/powerpoint/2012/main" xmlns:p14="http://schemas.microsoft.com/office/powerpoint/2010/main" xmlns:com="http://schemas.openxmlformats.org/drawingml/2006/compatibility" xmlns:pvml="urn:schemas-microsoft-com:office:powerpoint" xmlns:v="urn:schemas-microsoft-com:vml" xmlns:o="urn:schemas-microsoft-com:office:office" xmlns:dgm="http://schemas.openxmlformats.org/drawingml/2006/diagram" xmlns:c="http://schemas.openxmlformats.org/drawingml/2006/chart" xmlns:mv="urn:schemas-microsoft-com:mac:vml" xmlns:mc="http://schemas.openxmlformats.org/markup-compatibility/2006" xmlns="" r:id="rId41" roundtripDataSignature="AMtx7mj558g+zs1o7BnEogSEStSFHJZ7WA=="/>
     </p:ext>
   </p:extLst>
 </p:presentation>
@@ -14321,7 +14321,7 @@
         <p:fade/>
       </p:transition>
     </mc:Choice>
-    <mc:Fallback xmlns="" xmlns:mv="urn:schemas-microsoft-com:mac:vml" xmlns:c="http://schemas.openxmlformats.org/drawingml/2006/chart" xmlns:dgm="http://schemas.openxmlformats.org/drawingml/2006/diagram" xmlns:o="urn:schemas-microsoft-com:office:office" xmlns:v="urn:schemas-microsoft-com:vml" xmlns:pvml="urn:schemas-microsoft-com:office:powerpoint" xmlns:com="http://schemas.openxmlformats.org/drawingml/2006/compatibility" xmlns:p15="http://schemas.microsoft.com/office/powerpoint/2012/main" xmlns:ahyp="http://schemas.microsoft.com/office/drawing/2018/hyperlinkcolor">
+    <mc:Fallback xmlns:ahyp="http://schemas.microsoft.com/office/drawing/2018/hyperlinkcolor" xmlns:p15="http://schemas.microsoft.com/office/powerpoint/2012/main" xmlns:com="http://schemas.openxmlformats.org/drawingml/2006/compatibility" xmlns:pvml="urn:schemas-microsoft-com:office:powerpoint" xmlns:v="urn:schemas-microsoft-com:vml" xmlns:o="urn:schemas-microsoft-com:office:office" xmlns:dgm="http://schemas.openxmlformats.org/drawingml/2006/diagram" xmlns:c="http://schemas.openxmlformats.org/drawingml/2006/chart" xmlns:mv="urn:schemas-microsoft-com:mac:vml" xmlns="">
       <p:transition spd="slow">
         <p:fade/>
       </p:transition>
@@ -17236,7 +17236,7 @@
         </p:blipFill>
         <p:spPr>
           <a:xfrm>
-            <a:off x="1259093" y="2258726"/>
+            <a:off x="1253532" y="4136599"/>
             <a:ext cx="6636990" cy="1292543"/>
           </a:xfrm>
           <a:prstGeom prst="rect">
@@ -17244,6 +17244,198 @@
           </a:prstGeom>
         </p:spPr>
       </p:pic>
+      <p:sp>
+        <p:nvSpPr>
+          <p:cNvPr id="2" name="TextBox 1"/>
+          <p:cNvSpPr txBox="1"/>
+          <p:nvPr/>
+        </p:nvSpPr>
+        <p:spPr>
+          <a:xfrm>
+            <a:off x="1953066" y="5474379"/>
+            <a:ext cx="5729882" cy="307777"/>
+          </a:xfrm>
+          <a:prstGeom prst="rect">
+            <a:avLst/>
+          </a:prstGeom>
+          <a:noFill/>
+        </p:spPr>
+        <p:txBody>
+          <a:bodyPr wrap="square" rtlCol="0">
+            <a:spAutoFit/>
+          </a:bodyPr>
+          <a:lstStyle/>
+          <a:p>
+            <a:r>
+              <a:rPr lang="en-US" i="1" dirty="0" smtClean="0"/>
+              <a:t>Hard-code </a:t>
+            </a:r>
+            <a:r>
+              <a:rPr lang="en-US" i="1" dirty="0" err="1" smtClean="0"/>
+              <a:t>danh</a:t>
+            </a:r>
+            <a:r>
+              <a:rPr lang="en-US" i="1" dirty="0" smtClean="0"/>
+              <a:t> </a:t>
+            </a:r>
+            <a:r>
+              <a:rPr lang="en-US" i="1" dirty="0" err="1" smtClean="0"/>
+              <a:t>sách</a:t>
+            </a:r>
+            <a:r>
+              <a:rPr lang="en-US" i="1" dirty="0" smtClean="0"/>
+              <a:t> </a:t>
+            </a:r>
+            <a:r>
+              <a:rPr lang="en-US" i="1" dirty="0" err="1" smtClean="0"/>
+              <a:t>loại</a:t>
+            </a:r>
+            <a:r>
+              <a:rPr lang="en-US" i="1" dirty="0" smtClean="0"/>
+              <a:t> Media </a:t>
+            </a:r>
+            <a:r>
+              <a:rPr lang="en-US" i="1" dirty="0" err="1" smtClean="0"/>
+              <a:t>trong</a:t>
+            </a:r>
+            <a:r>
+              <a:rPr lang="en-US" i="1" dirty="0" smtClean="0"/>
+              <a:t> class </a:t>
+            </a:r>
+            <a:r>
+              <a:rPr lang="en-US" i="1" dirty="0" err="1" smtClean="0"/>
+              <a:t>HomeScreenHandler</a:t>
+            </a:r>
+            <a:endParaRPr lang="en-US" i="1" dirty="0"/>
+          </a:p>
+        </p:txBody>
+      </p:sp>
+      <p:pic>
+        <p:nvPicPr>
+          <p:cNvPr id="4" name="Picture 3"/>
+          <p:cNvPicPr>
+            <a:picLocks noChangeAspect="1"/>
+          </p:cNvPicPr>
+          <p:nvPr/>
+        </p:nvPicPr>
+        <p:blipFill>
+          <a:blip r:embed="rId4"/>
+          <a:stretch>
+            <a:fillRect/>
+          </a:stretch>
+        </p:blipFill>
+        <p:spPr>
+          <a:xfrm>
+            <a:off x="1253532" y="2072733"/>
+            <a:ext cx="2707170" cy="1841763"/>
+          </a:xfrm>
+          <a:prstGeom prst="rect">
+            <a:avLst/>
+          </a:prstGeom>
+        </p:spPr>
+      </p:pic>
+      <p:sp>
+        <p:nvSpPr>
+          <p:cNvPr id="8" name="TextBox 7"/>
+          <p:cNvSpPr txBox="1"/>
+          <p:nvPr/>
+        </p:nvSpPr>
+        <p:spPr>
+          <a:xfrm>
+            <a:off x="4060093" y="3391276"/>
+            <a:ext cx="3622855" cy="523220"/>
+          </a:xfrm>
+          <a:prstGeom prst="rect">
+            <a:avLst/>
+          </a:prstGeom>
+          <a:noFill/>
+        </p:spPr>
+        <p:txBody>
+          <a:bodyPr wrap="square" rtlCol="0">
+            <a:spAutoFit/>
+          </a:bodyPr>
+          <a:lstStyle/>
+          <a:p>
+            <a:r>
+              <a:rPr lang="en-US" i="1" dirty="0" err="1" smtClean="0"/>
+              <a:t>Chức</a:t>
+            </a:r>
+            <a:r>
+              <a:rPr lang="en-US" i="1" dirty="0" smtClean="0"/>
+              <a:t> </a:t>
+            </a:r>
+            <a:r>
+              <a:rPr lang="en-US" i="1" dirty="0" err="1" smtClean="0"/>
+              <a:t>năng</a:t>
+            </a:r>
+            <a:r>
+              <a:rPr lang="en-US" i="1" dirty="0" smtClean="0"/>
+              <a:t> </a:t>
+            </a:r>
+            <a:r>
+              <a:rPr lang="en-US" i="1" dirty="0" err="1" smtClean="0"/>
+              <a:t>tìm</a:t>
+            </a:r>
+            <a:r>
+              <a:rPr lang="en-US" i="1" dirty="0" smtClean="0"/>
+              <a:t> </a:t>
+            </a:r>
+            <a:r>
+              <a:rPr lang="en-US" i="1" dirty="0" err="1" smtClean="0"/>
+              <a:t>kiếm</a:t>
+            </a:r>
+            <a:r>
+              <a:rPr lang="en-US" i="1" dirty="0" smtClean="0"/>
+              <a:t> </a:t>
+            </a:r>
+            <a:r>
+              <a:rPr lang="en-US" i="1" dirty="0" err="1" smtClean="0"/>
+              <a:t>theo</a:t>
+            </a:r>
+            <a:r>
+              <a:rPr lang="en-US" i="1" dirty="0" smtClean="0"/>
+              <a:t> </a:t>
+            </a:r>
+            <a:r>
+              <a:rPr lang="en-US" i="1" dirty="0" err="1" smtClean="0"/>
+              <a:t>từng</a:t>
+            </a:r>
+            <a:r>
+              <a:rPr lang="en-US" i="1" dirty="0" smtClean="0"/>
+              <a:t> </a:t>
+            </a:r>
+            <a:r>
+              <a:rPr lang="en-US" i="1" dirty="0" err="1" smtClean="0"/>
+              <a:t>loại</a:t>
+            </a:r>
+            <a:r>
+              <a:rPr lang="en-US" i="1" dirty="0" smtClean="0"/>
+              <a:t> Media </a:t>
+            </a:r>
+            <a:r>
+              <a:rPr lang="en-US" i="1" dirty="0" err="1" smtClean="0"/>
+              <a:t>trên</a:t>
+            </a:r>
+            <a:r>
+              <a:rPr lang="en-US" i="1" dirty="0" smtClean="0"/>
+              <a:t> </a:t>
+            </a:r>
+            <a:r>
+              <a:rPr lang="en-US" i="1" dirty="0" err="1" smtClean="0"/>
+              <a:t>giao</a:t>
+            </a:r>
+            <a:r>
+              <a:rPr lang="en-US" i="1" dirty="0" smtClean="0"/>
+              <a:t> </a:t>
+            </a:r>
+            <a:r>
+              <a:rPr lang="en-US" i="1" dirty="0" err="1" smtClean="0"/>
+              <a:t>diện</a:t>
+            </a:r>
+            <a:endParaRPr lang="en-US" i="1" dirty="0"/>
+          </a:p>
+        </p:txBody>
+      </p:sp>
     </p:spTree>
     <p:extLst>
       <p:ext uri="{BB962C8B-B14F-4D97-AF65-F5344CB8AC3E}">
@@ -17669,7 +17861,7 @@
         </p:nvSpPr>
         <p:spPr>
           <a:xfrm>
-            <a:off x="3824612" y="4738256"/>
+            <a:off x="3824612" y="6077322"/>
             <a:ext cx="1438214" cy="307777"/>
           </a:xfrm>
           <a:prstGeom prst="rect">
@@ -17684,40 +17876,40 @@
           <a:lstStyle/>
           <a:p>
             <a:r>
-              <a:rPr lang="en-US" dirty="0" err="1"/>
+              <a:rPr lang="en-US" i="1" dirty="0" err="1"/>
               <a:t>Thiết</a:t>
             </a:r>
             <a:r>
-              <a:rPr lang="en-US" dirty="0"/>
-              <a:t> </a:t>
-            </a:r>
-            <a:r>
-              <a:rPr lang="en-US" dirty="0" err="1"/>
+              <a:rPr lang="en-US" i="1" dirty="0"/>
+              <a:t> </a:t>
+            </a:r>
+            <a:r>
+              <a:rPr lang="en-US" i="1" dirty="0" err="1"/>
               <a:t>kế</a:t>
             </a:r>
             <a:r>
-              <a:rPr lang="en-US" dirty="0"/>
-              <a:t> </a:t>
-            </a:r>
-            <a:r>
-              <a:rPr lang="en-US" dirty="0" err="1"/>
+              <a:rPr lang="en-US" i="1" dirty="0"/>
+              <a:t> </a:t>
+            </a:r>
+            <a:r>
+              <a:rPr lang="en-US" i="1" dirty="0" err="1"/>
               <a:t>cải</a:t>
             </a:r>
             <a:r>
-              <a:rPr lang="en-US" dirty="0"/>
-              <a:t> </a:t>
-            </a:r>
-            <a:r>
-              <a:rPr lang="en-US" dirty="0" err="1"/>
+              <a:rPr lang="en-US" i="1" dirty="0"/>
+              <a:t> </a:t>
+            </a:r>
+            <a:r>
+              <a:rPr lang="en-US" i="1" dirty="0" err="1"/>
               <a:t>tiến</a:t>
             </a:r>
-            <a:endParaRPr lang="en-US" dirty="0"/>
+            <a:endParaRPr lang="en-US" i="1" dirty="0"/>
           </a:p>
         </p:txBody>
       </p:sp>
       <p:pic>
         <p:nvPicPr>
-          <p:cNvPr id="8" name="Picture 7" descr="Diagram&#10;&#10;Description automatically generated">
+          <p:cNvPr id="8" name="Picture 7">
             <a:extLst>
               <a:ext uri="{FF2B5EF4-FFF2-40B4-BE49-F238E27FC236}">
                 <a16:creationId xmlns:a16="http://schemas.microsoft.com/office/drawing/2014/main" id="{2F96D2B6-BE22-D46E-3C09-018BE4D313C3}"/>
@@ -17743,8 +17935,8 @@
         </p:blipFill>
         <p:spPr>
           <a:xfrm>
-            <a:off x="1600200" y="2191702"/>
-            <a:ext cx="5943600" cy="2474595"/>
+            <a:off x="821496" y="2004287"/>
+            <a:ext cx="7444445" cy="3965308"/>
           </a:xfrm>
           <a:prstGeom prst="rect">
             <a:avLst/>
@@ -18221,7 +18413,7 @@
           <a:lstStyle/>
           <a:p>
             <a:r>
-              <a:rPr lang="en-US" dirty="0"/>
+              <a:rPr lang="en-US" i="1" dirty="0"/>
               <a:t>Java Reflections</a:t>
             </a:r>
           </a:p>
@@ -18727,19 +18919,19 @@
           <a:lstStyle/>
           <a:p>
             <a:r>
-              <a:rPr lang="en-US" dirty="0" err="1"/>
+              <a:rPr lang="en-US" i="1" dirty="0" err="1"/>
               <a:t>Cài</a:t>
             </a:r>
             <a:r>
-              <a:rPr lang="en-US" dirty="0"/>
-              <a:t> </a:t>
-            </a:r>
-            <a:r>
-              <a:rPr lang="en-US" dirty="0" err="1"/>
+              <a:rPr lang="en-US" i="1" dirty="0"/>
+              <a:t> </a:t>
+            </a:r>
+            <a:r>
+              <a:rPr lang="en-US" i="1" dirty="0" err="1"/>
               <a:t>đặt</a:t>
             </a:r>
             <a:r>
-              <a:rPr lang="en-US" dirty="0"/>
+              <a:rPr lang="en-US" i="1" dirty="0"/>
               <a:t> Java Annotation @DisplayName</a:t>
             </a:r>
           </a:p>
@@ -18774,26 +18966,26 @@
           <a:lstStyle/>
           <a:p>
             <a:r>
-              <a:rPr lang="en-US" dirty="0" err="1"/>
+              <a:rPr lang="en-US" i="1" dirty="0" err="1"/>
               <a:t>Sử</a:t>
             </a:r>
             <a:r>
-              <a:rPr lang="en-US" dirty="0"/>
-              <a:t> </a:t>
-            </a:r>
-            <a:r>
-              <a:rPr lang="en-US" dirty="0" err="1"/>
+              <a:rPr lang="en-US" i="1" dirty="0"/>
+              <a:t> </a:t>
+            </a:r>
+            <a:r>
+              <a:rPr lang="en-US" i="1" dirty="0" err="1"/>
               <a:t>dụng</a:t>
             </a:r>
             <a:r>
-              <a:rPr lang="en-US" dirty="0"/>
+              <a:rPr lang="en-US" i="1" dirty="0"/>
               <a:t> Java </a:t>
             </a:r>
             <a:r>
-              <a:rPr lang="en-US" dirty="0" err="1"/>
+              <a:rPr lang="en-US" i="1" dirty="0" err="1"/>
               <a:t>Anotation</a:t>
             </a:r>
-            <a:endParaRPr lang="en-US" dirty="0"/>
+            <a:endParaRPr lang="en-US" i="1" dirty="0"/>
           </a:p>
         </p:txBody>
       </p:sp>
@@ -19430,7 +19622,7 @@
       </p:sp>
       <p:pic>
         <p:nvPicPr>
-          <p:cNvPr id="13" name="Picture 12" descr="A picture containing table&#10;&#10;Description automatically generated">
+          <p:cNvPr id="13" name="Picture 12">
             <a:extLst>
               <a:ext uri="{FF2B5EF4-FFF2-40B4-BE49-F238E27FC236}">
                 <a16:creationId xmlns:a16="http://schemas.microsoft.com/office/drawing/2014/main" id="{267502CD-A561-C062-ACF9-6E899A6AD573}"/>
@@ -19443,7 +19635,7 @@
           <p:nvPr/>
         </p:nvPicPr>
         <p:blipFill>
-          <a:blip r:embed="rId3" cstate="print">
+          <a:blip r:embed="rId3">
             <a:extLst>
               <a:ext uri="{28A0092B-C50C-407E-A947-70E740481C1C}">
                 <a14:useLocalDpi xmlns:a14="http://schemas.microsoft.com/office/drawing/2010/main" val="0"/>
@@ -19456,8 +19648,8 @@
         </p:blipFill>
         <p:spPr>
           <a:xfrm>
-            <a:off x="707059" y="2296490"/>
-            <a:ext cx="7729882" cy="3895497"/>
+            <a:off x="717401" y="2296490"/>
+            <a:ext cx="7709198" cy="3895497"/>
           </a:xfrm>
           <a:prstGeom prst="rect">
             <a:avLst/>
@@ -23710,7 +23902,7 @@
       </p:sp>
       <p:pic>
         <p:nvPicPr>
-          <p:cNvPr id="6" name="Picture 5" descr="Diagram&#10;&#10;Description automatically generated">
+          <p:cNvPr id="6" name="Picture 5">
             <a:extLst>
               <a:ext uri="{FF2B5EF4-FFF2-40B4-BE49-F238E27FC236}">
                 <a16:creationId xmlns:a16="http://schemas.microsoft.com/office/drawing/2014/main" id="{0F5817B0-0FBD-1298-5990-67F7DBA6F49F}"/>
@@ -23723,7 +23915,7 @@
           <p:nvPr/>
         </p:nvPicPr>
         <p:blipFill>
-          <a:blip r:embed="rId3" cstate="print">
+          <a:blip r:embed="rId3">
             <a:extLst>
               <a:ext uri="{28A0092B-C50C-407E-A947-70E740481C1C}">
                 <a14:useLocalDpi xmlns:a14="http://schemas.microsoft.com/office/drawing/2010/main" val="0"/>
@@ -23736,8 +23928,8 @@
         </p:blipFill>
         <p:spPr>
           <a:xfrm>
-            <a:off x="512064" y="683280"/>
-            <a:ext cx="8412719" cy="6174720"/>
+            <a:off x="512455" y="683280"/>
+            <a:ext cx="8411937" cy="6174720"/>
           </a:xfrm>
           <a:prstGeom prst="rect">
             <a:avLst/>
@@ -24180,7 +24372,7 @@
       </p:sp>
       <p:pic>
         <p:nvPicPr>
-          <p:cNvPr id="8" name="Picture 7" descr="Diagram&#10;&#10;Description automatically generated">
+          <p:cNvPr id="8" name="Picture 7">
             <a:extLst>
               <a:ext uri="{FF2B5EF4-FFF2-40B4-BE49-F238E27FC236}">
                 <a16:creationId xmlns:a16="http://schemas.microsoft.com/office/drawing/2014/main" id="{C24A0CA2-9A8B-D95A-28CC-40006FFCA998}"/>
@@ -24193,7 +24385,7 @@
           <p:nvPr/>
         </p:nvPicPr>
         <p:blipFill>
-          <a:blip r:embed="rId3" cstate="print">
+          <a:blip r:embed="rId3">
             <a:extLst>
               <a:ext uri="{28A0092B-C50C-407E-A947-70E740481C1C}">
                 <a14:useLocalDpi xmlns:a14="http://schemas.microsoft.com/office/drawing/2010/main" val="0"/>
@@ -24206,8 +24398,8 @@
         </p:blipFill>
         <p:spPr>
           <a:xfrm>
-            <a:off x="0" y="783271"/>
-            <a:ext cx="9144000" cy="5449277"/>
+            <a:off x="0" y="783461"/>
+            <a:ext cx="9144000" cy="5448897"/>
           </a:xfrm>
           <a:prstGeom prst="rect">
             <a:avLst/>
@@ -27926,7 +28118,7 @@
       </p:sp>
       <p:pic>
         <p:nvPicPr>
-          <p:cNvPr id="8" name="Picture 7" descr="Diagram&#10;&#10;Description automatically generated">
+          <p:cNvPr id="8" name="Picture 7">
             <a:extLst>
               <a:ext uri="{FF2B5EF4-FFF2-40B4-BE49-F238E27FC236}">
                 <a16:creationId xmlns:a16="http://schemas.microsoft.com/office/drawing/2014/main" id="{894957AE-9054-0B9C-0594-4B0532F86D1B}"/>
@@ -27939,7 +28131,7 @@
           <p:nvPr/>
         </p:nvPicPr>
         <p:blipFill>
-          <a:blip r:embed="rId3" cstate="print">
+          <a:blip r:embed="rId3">
             <a:extLst>
               <a:ext uri="{28A0092B-C50C-407E-A947-70E740481C1C}">
                 <a14:useLocalDpi xmlns:a14="http://schemas.microsoft.com/office/drawing/2010/main" val="0"/>
@@ -27952,8 +28144,8 @@
         </p:blipFill>
         <p:spPr>
           <a:xfrm>
-            <a:off x="1" y="2294409"/>
-            <a:ext cx="9147446" cy="2469615"/>
+            <a:off x="187" y="2294409"/>
+            <a:ext cx="9147073" cy="2469615"/>
           </a:xfrm>
           <a:prstGeom prst="rect">
             <a:avLst/>
@@ -30671,34 +30863,34 @@
           <a:p>
             <a:pPr algn="ctr"/>
             <a:r>
-              <a:rPr lang="en-US" sz="1600" dirty="0" err="1"/>
+              <a:rPr lang="en-US" sz="1600" i="1" dirty="0" err="1"/>
               <a:t>Biểu</a:t>
             </a:r>
             <a:r>
-              <a:rPr lang="en-US" sz="1600" dirty="0"/>
-              <a:t> </a:t>
-            </a:r>
-            <a:r>
-              <a:rPr lang="en-US" sz="1600" dirty="0" err="1"/>
+              <a:rPr lang="en-US" sz="1600" i="1" dirty="0"/>
+              <a:t> </a:t>
+            </a:r>
+            <a:r>
+              <a:rPr lang="en-US" sz="1600" i="1" dirty="0" err="1"/>
               <a:t>đồ</a:t>
             </a:r>
             <a:r>
-              <a:rPr lang="en-US" sz="1600" dirty="0"/>
+              <a:rPr lang="en-US" sz="1600" i="1" dirty="0"/>
               <a:t> use case </a:t>
             </a:r>
             <a:r>
-              <a:rPr lang="en-US" sz="1600" dirty="0" err="1"/>
+              <a:rPr lang="en-US" sz="1600" i="1" dirty="0" err="1"/>
               <a:t>tổng</a:t>
             </a:r>
             <a:r>
-              <a:rPr lang="en-US" sz="1600" dirty="0"/>
-              <a:t> </a:t>
-            </a:r>
-            <a:r>
-              <a:rPr lang="en-US" sz="1600" dirty="0" err="1"/>
+              <a:rPr lang="en-US" sz="1600" i="1" dirty="0"/>
+              <a:t> </a:t>
+            </a:r>
+            <a:r>
+              <a:rPr lang="en-US" sz="1600" i="1" dirty="0" err="1"/>
               <a:t>quan</a:t>
             </a:r>
-            <a:endParaRPr lang="en-US" sz="1600" dirty="0"/>
+            <a:endParaRPr lang="en-US" sz="1600" i="1" dirty="0"/>
           </a:p>
         </p:txBody>
       </p:sp>

--- a/presentation/Design_Pattern_Slide.pptx
+++ b/presentation/Design_Pattern_Slide.pptx
@@ -43,14 +43,14 @@
   <p:notesSz cx="6858000" cy="9144000"/>
   <p:embeddedFontLst>
     <p:embeddedFont>
-      <p:font typeface="Calibri" panose="020F0502020204030204" pitchFamily="34" charset="0"/>
+      <p:font typeface="Lato" panose="020B0604020202020204" charset="0"/>
       <p:regular r:id="rId33"/>
       <p:bold r:id="rId34"/>
       <p:italic r:id="rId35"/>
       <p:boldItalic r:id="rId36"/>
     </p:embeddedFont>
     <p:embeddedFont>
-      <p:font typeface="Lato" panose="020B0604020202020204" charset="0"/>
+      <p:font typeface="Calibri" panose="020F0502020204030204" pitchFamily="34" charset="0"/>
       <p:regular r:id="rId37"/>
       <p:bold r:id="rId38"/>
       <p:italic r:id="rId39"/>
@@ -291,7 +291,7 @@
       <p15:sldGuideLst xmlns:p15="http://schemas.microsoft.com/office/powerpoint/2012/main"/>
     </p:ext>
     <p:ext uri="http://customooxmlschemas.google.com/">
-      <go:slidesCustomData xmlns:go="http://customooxmlschemas.google.com/" xmlns:ahyp="http://schemas.microsoft.com/office/drawing/2018/hyperlinkcolor" xmlns:p15="http://schemas.microsoft.com/office/powerpoint/2012/main" xmlns:p14="http://schemas.microsoft.com/office/powerpoint/2010/main" xmlns:com="http://schemas.openxmlformats.org/drawingml/2006/compatibility" xmlns:pvml="urn:schemas-microsoft-com:office:powerpoint" xmlns:v="urn:schemas-microsoft-com:vml" xmlns:o="urn:schemas-microsoft-com:office:office" xmlns:dgm="http://schemas.openxmlformats.org/drawingml/2006/diagram" xmlns:c="http://schemas.openxmlformats.org/drawingml/2006/chart" xmlns:mv="urn:schemas-microsoft-com:mac:vml" xmlns:mc="http://schemas.openxmlformats.org/markup-compatibility/2006" xmlns="" r:id="rId41" roundtripDataSignature="AMtx7mj558g+zs1o7BnEogSEStSFHJZ7WA=="/>
+      <go:slidesCustomData xmlns="" xmlns:mc="http://schemas.openxmlformats.org/markup-compatibility/2006" xmlns:mv="urn:schemas-microsoft-com:mac:vml" xmlns:c="http://schemas.openxmlformats.org/drawingml/2006/chart" xmlns:dgm="http://schemas.openxmlformats.org/drawingml/2006/diagram" xmlns:o="urn:schemas-microsoft-com:office:office" xmlns:v="urn:schemas-microsoft-com:vml" xmlns:pvml="urn:schemas-microsoft-com:office:powerpoint" xmlns:com="http://schemas.openxmlformats.org/drawingml/2006/compatibility" xmlns:p14="http://schemas.microsoft.com/office/powerpoint/2010/main" xmlns:p15="http://schemas.microsoft.com/office/powerpoint/2012/main" xmlns:ahyp="http://schemas.microsoft.com/office/drawing/2018/hyperlinkcolor" xmlns:go="http://customooxmlschemas.google.com/" r:id="rId41" roundtripDataSignature="AMtx7mj558g+zs1o7BnEogSEStSFHJZ7WA=="/>
     </p:ext>
   </p:extLst>
 </p:presentation>
@@ -14321,7 +14321,7 @@
         <p:fade/>
       </p:transition>
     </mc:Choice>
-    <mc:Fallback xmlns:ahyp="http://schemas.microsoft.com/office/drawing/2018/hyperlinkcolor" xmlns:p15="http://schemas.microsoft.com/office/powerpoint/2012/main" xmlns:com="http://schemas.openxmlformats.org/drawingml/2006/compatibility" xmlns:pvml="urn:schemas-microsoft-com:office:powerpoint" xmlns:v="urn:schemas-microsoft-com:vml" xmlns:o="urn:schemas-microsoft-com:office:office" xmlns:dgm="http://schemas.openxmlformats.org/drawingml/2006/diagram" xmlns:c="http://schemas.openxmlformats.org/drawingml/2006/chart" xmlns:mv="urn:schemas-microsoft-com:mac:vml" xmlns="">
+    <mc:Fallback xmlns="" xmlns:mv="urn:schemas-microsoft-com:mac:vml" xmlns:c="http://schemas.openxmlformats.org/drawingml/2006/chart" xmlns:dgm="http://schemas.openxmlformats.org/drawingml/2006/diagram" xmlns:o="urn:schemas-microsoft-com:office:office" xmlns:v="urn:schemas-microsoft-com:vml" xmlns:pvml="urn:schemas-microsoft-com:office:powerpoint" xmlns:com="http://schemas.openxmlformats.org/drawingml/2006/compatibility" xmlns:p15="http://schemas.microsoft.com/office/powerpoint/2012/main" xmlns:ahyp="http://schemas.microsoft.com/office/drawing/2018/hyperlinkcolor">
       <p:transition spd="slow">
         <p:fade/>
       </p:transition>
@@ -15284,7 +15284,23 @@
                   <a:schemeClr val="tx1"/>
                 </a:solidFill>
               </a:rPr>
-              <a:t>3.4.1. Clear name</a:t>
+              <a:t>3.4.1. </a:t>
+            </a:r>
+            <a:r>
+              <a:rPr lang="en-US" sz="1600" b="1" smtClean="0">
+                <a:solidFill>
+                  <a:schemeClr val="tx1"/>
+                </a:solidFill>
+              </a:rPr>
+              <a:t>Clean </a:t>
+            </a:r>
+            <a:r>
+              <a:rPr lang="en-US" sz="1600" b="1" dirty="0">
+                <a:solidFill>
+                  <a:schemeClr val="tx1"/>
+                </a:solidFill>
+              </a:rPr>
+              <a:t>name</a:t>
             </a:r>
           </a:p>
           <a:p>

--- a/presentation/Design_Pattern_Slide.pptx
+++ b/presentation/Design_Pattern_Slide.pptx
@@ -43,14 +43,14 @@
   <p:notesSz cx="6858000" cy="9144000"/>
   <p:embeddedFontLst>
     <p:embeddedFont>
-      <p:font typeface="Lato" panose="020B0604020202020204" charset="0"/>
+      <p:font typeface="Calibri" panose="020F0502020204030204" pitchFamily="34" charset="0"/>
       <p:regular r:id="rId33"/>
       <p:bold r:id="rId34"/>
       <p:italic r:id="rId35"/>
       <p:boldItalic r:id="rId36"/>
     </p:embeddedFont>
     <p:embeddedFont>
-      <p:font typeface="Calibri" panose="020F0502020204030204" pitchFamily="34" charset="0"/>
+      <p:font typeface="Lato" panose="020F0502020204030203" pitchFamily="34" charset="0"/>
       <p:regular r:id="rId37"/>
       <p:bold r:id="rId38"/>
       <p:italic r:id="rId39"/>
@@ -291,7 +291,7 @@
       <p15:sldGuideLst xmlns:p15="http://schemas.microsoft.com/office/powerpoint/2012/main"/>
     </p:ext>
     <p:ext uri="http://customooxmlschemas.google.com/">
-      <go:slidesCustomData xmlns="" xmlns:mc="http://schemas.openxmlformats.org/markup-compatibility/2006" xmlns:mv="urn:schemas-microsoft-com:mac:vml" xmlns:c="http://schemas.openxmlformats.org/drawingml/2006/chart" xmlns:dgm="http://schemas.openxmlformats.org/drawingml/2006/diagram" xmlns:o="urn:schemas-microsoft-com:office:office" xmlns:v="urn:schemas-microsoft-com:vml" xmlns:pvml="urn:schemas-microsoft-com:office:powerpoint" xmlns:com="http://schemas.openxmlformats.org/drawingml/2006/compatibility" xmlns:p14="http://schemas.microsoft.com/office/powerpoint/2010/main" xmlns:p15="http://schemas.microsoft.com/office/powerpoint/2012/main" xmlns:ahyp="http://schemas.microsoft.com/office/drawing/2018/hyperlinkcolor" xmlns:go="http://customooxmlschemas.google.com/" r:id="rId41" roundtripDataSignature="AMtx7mj558g+zs1o7BnEogSEStSFHJZ7WA=="/>
+      <go:slidesCustomData xmlns:go="http://customooxmlschemas.google.com/" xmlns:ahyp="http://schemas.microsoft.com/office/drawing/2018/hyperlinkcolor" xmlns:p15="http://schemas.microsoft.com/office/powerpoint/2012/main" xmlns:p14="http://schemas.microsoft.com/office/powerpoint/2010/main" xmlns:com="http://schemas.openxmlformats.org/drawingml/2006/compatibility" xmlns:pvml="urn:schemas-microsoft-com:office:powerpoint" xmlns:v="urn:schemas-microsoft-com:vml" xmlns:o="urn:schemas-microsoft-com:office:office" xmlns:dgm="http://schemas.openxmlformats.org/drawingml/2006/diagram" xmlns:c="http://schemas.openxmlformats.org/drawingml/2006/chart" xmlns:mv="urn:schemas-microsoft-com:mac:vml" xmlns:mc="http://schemas.openxmlformats.org/markup-compatibility/2006" xmlns="" r:id="rId41" roundtripDataSignature="AMtx7mj558g+zs1o7BnEogSEStSFHJZ7WA=="/>
     </p:ext>
   </p:extLst>
 </p:presentation>
@@ -300,7 +300,7 @@
 <file path=ppt/revisionInfo.xml><?xml version="1.0" encoding="utf-8"?>
 <p1510:revInfo xmlns:a="http://schemas.openxmlformats.org/drawingml/2006/main" xmlns:r="http://schemas.openxmlformats.org/officeDocument/2006/relationships" xmlns:p1510="http://schemas.microsoft.com/office/powerpoint/2015/10/main">
   <p1510:revLst>
-    <p1510:client id="{2446296F-6001-4EFA-AEF4-39D79D63D49A}" v="59" dt="2022-07-10T16:05:19.429"/>
+    <p1510:client id="{2446296F-6001-4EFA-AEF4-39D79D63D49A}" v="62" dt="2022-07-11T11:07:12.540"/>
   </p1510:revLst>
 </p1510:revInfo>
 </file>
@@ -14321,7 +14321,7 @@
         <p:fade/>
       </p:transition>
     </mc:Choice>
-    <mc:Fallback xmlns="" xmlns:mv="urn:schemas-microsoft-com:mac:vml" xmlns:c="http://schemas.openxmlformats.org/drawingml/2006/chart" xmlns:dgm="http://schemas.openxmlformats.org/drawingml/2006/diagram" xmlns:o="urn:schemas-microsoft-com:office:office" xmlns:v="urn:schemas-microsoft-com:vml" xmlns:pvml="urn:schemas-microsoft-com:office:powerpoint" xmlns:com="http://schemas.openxmlformats.org/drawingml/2006/compatibility" xmlns:p15="http://schemas.microsoft.com/office/powerpoint/2012/main" xmlns:ahyp="http://schemas.microsoft.com/office/drawing/2018/hyperlinkcolor">
+    <mc:Fallback xmlns:ahyp="http://schemas.microsoft.com/office/drawing/2018/hyperlinkcolor" xmlns:p15="http://schemas.microsoft.com/office/powerpoint/2012/main" xmlns:com="http://schemas.openxmlformats.org/drawingml/2006/compatibility" xmlns:pvml="urn:schemas-microsoft-com:office:powerpoint" xmlns:v="urn:schemas-microsoft-com:vml" xmlns:o="urn:schemas-microsoft-com:office:office" xmlns:dgm="http://schemas.openxmlformats.org/drawingml/2006/diagram" xmlns:c="http://schemas.openxmlformats.org/drawingml/2006/chart" xmlns:mv="urn:schemas-microsoft-com:mac:vml" xmlns="">
       <p:transition spd="slow">
         <p:fade/>
       </p:transition>
@@ -15284,23 +15284,7 @@
                   <a:schemeClr val="tx1"/>
                 </a:solidFill>
               </a:rPr>
-              <a:t>3.4.1. </a:t>
-            </a:r>
-            <a:r>
-              <a:rPr lang="en-US" sz="1600" b="1" smtClean="0">
-                <a:solidFill>
-                  <a:schemeClr val="tx1"/>
-                </a:solidFill>
-              </a:rPr>
-              <a:t>Clean </a:t>
-            </a:r>
-            <a:r>
-              <a:rPr lang="en-US" sz="1600" b="1" dirty="0">
-                <a:solidFill>
-                  <a:schemeClr val="tx1"/>
-                </a:solidFill>
-              </a:rPr>
-              <a:t>name</a:t>
+              <a:t>3.4.1. Clear name</a:t>
             </a:r>
           </a:p>
           <a:p>
@@ -17252,7 +17236,7 @@
         </p:blipFill>
         <p:spPr>
           <a:xfrm>
-            <a:off x="1253532" y="4136599"/>
+            <a:off x="1259093" y="2258726"/>
             <a:ext cx="6636990" cy="1292543"/>
           </a:xfrm>
           <a:prstGeom prst="rect">
@@ -17260,198 +17244,6 @@
           </a:prstGeom>
         </p:spPr>
       </p:pic>
-      <p:sp>
-        <p:nvSpPr>
-          <p:cNvPr id="2" name="TextBox 1"/>
-          <p:cNvSpPr txBox="1"/>
-          <p:nvPr/>
-        </p:nvSpPr>
-        <p:spPr>
-          <a:xfrm>
-            <a:off x="1953066" y="5474379"/>
-            <a:ext cx="5729882" cy="307777"/>
-          </a:xfrm>
-          <a:prstGeom prst="rect">
-            <a:avLst/>
-          </a:prstGeom>
-          <a:noFill/>
-        </p:spPr>
-        <p:txBody>
-          <a:bodyPr wrap="square" rtlCol="0">
-            <a:spAutoFit/>
-          </a:bodyPr>
-          <a:lstStyle/>
-          <a:p>
-            <a:r>
-              <a:rPr lang="en-US" i="1" dirty="0" smtClean="0"/>
-              <a:t>Hard-code </a:t>
-            </a:r>
-            <a:r>
-              <a:rPr lang="en-US" i="1" dirty="0" err="1" smtClean="0"/>
-              <a:t>danh</a:t>
-            </a:r>
-            <a:r>
-              <a:rPr lang="en-US" i="1" dirty="0" smtClean="0"/>
-              <a:t> </a:t>
-            </a:r>
-            <a:r>
-              <a:rPr lang="en-US" i="1" dirty="0" err="1" smtClean="0"/>
-              <a:t>sách</a:t>
-            </a:r>
-            <a:r>
-              <a:rPr lang="en-US" i="1" dirty="0" smtClean="0"/>
-              <a:t> </a:t>
-            </a:r>
-            <a:r>
-              <a:rPr lang="en-US" i="1" dirty="0" err="1" smtClean="0"/>
-              <a:t>loại</a:t>
-            </a:r>
-            <a:r>
-              <a:rPr lang="en-US" i="1" dirty="0" smtClean="0"/>
-              <a:t> Media </a:t>
-            </a:r>
-            <a:r>
-              <a:rPr lang="en-US" i="1" dirty="0" err="1" smtClean="0"/>
-              <a:t>trong</a:t>
-            </a:r>
-            <a:r>
-              <a:rPr lang="en-US" i="1" dirty="0" smtClean="0"/>
-              <a:t> class </a:t>
-            </a:r>
-            <a:r>
-              <a:rPr lang="en-US" i="1" dirty="0" err="1" smtClean="0"/>
-              <a:t>HomeScreenHandler</a:t>
-            </a:r>
-            <a:endParaRPr lang="en-US" i="1" dirty="0"/>
-          </a:p>
-        </p:txBody>
-      </p:sp>
-      <p:pic>
-        <p:nvPicPr>
-          <p:cNvPr id="4" name="Picture 3"/>
-          <p:cNvPicPr>
-            <a:picLocks noChangeAspect="1"/>
-          </p:cNvPicPr>
-          <p:nvPr/>
-        </p:nvPicPr>
-        <p:blipFill>
-          <a:blip r:embed="rId4"/>
-          <a:stretch>
-            <a:fillRect/>
-          </a:stretch>
-        </p:blipFill>
-        <p:spPr>
-          <a:xfrm>
-            <a:off x="1253532" y="2072733"/>
-            <a:ext cx="2707170" cy="1841763"/>
-          </a:xfrm>
-          <a:prstGeom prst="rect">
-            <a:avLst/>
-          </a:prstGeom>
-        </p:spPr>
-      </p:pic>
-      <p:sp>
-        <p:nvSpPr>
-          <p:cNvPr id="8" name="TextBox 7"/>
-          <p:cNvSpPr txBox="1"/>
-          <p:nvPr/>
-        </p:nvSpPr>
-        <p:spPr>
-          <a:xfrm>
-            <a:off x="4060093" y="3391276"/>
-            <a:ext cx="3622855" cy="523220"/>
-          </a:xfrm>
-          <a:prstGeom prst="rect">
-            <a:avLst/>
-          </a:prstGeom>
-          <a:noFill/>
-        </p:spPr>
-        <p:txBody>
-          <a:bodyPr wrap="square" rtlCol="0">
-            <a:spAutoFit/>
-          </a:bodyPr>
-          <a:lstStyle/>
-          <a:p>
-            <a:r>
-              <a:rPr lang="en-US" i="1" dirty="0" err="1" smtClean="0"/>
-              <a:t>Chức</a:t>
-            </a:r>
-            <a:r>
-              <a:rPr lang="en-US" i="1" dirty="0" smtClean="0"/>
-              <a:t> </a:t>
-            </a:r>
-            <a:r>
-              <a:rPr lang="en-US" i="1" dirty="0" err="1" smtClean="0"/>
-              <a:t>năng</a:t>
-            </a:r>
-            <a:r>
-              <a:rPr lang="en-US" i="1" dirty="0" smtClean="0"/>
-              <a:t> </a:t>
-            </a:r>
-            <a:r>
-              <a:rPr lang="en-US" i="1" dirty="0" err="1" smtClean="0"/>
-              <a:t>tìm</a:t>
-            </a:r>
-            <a:r>
-              <a:rPr lang="en-US" i="1" dirty="0" smtClean="0"/>
-              <a:t> </a:t>
-            </a:r>
-            <a:r>
-              <a:rPr lang="en-US" i="1" dirty="0" err="1" smtClean="0"/>
-              <a:t>kiếm</a:t>
-            </a:r>
-            <a:r>
-              <a:rPr lang="en-US" i="1" dirty="0" smtClean="0"/>
-              <a:t> </a:t>
-            </a:r>
-            <a:r>
-              <a:rPr lang="en-US" i="1" dirty="0" err="1" smtClean="0"/>
-              <a:t>theo</a:t>
-            </a:r>
-            <a:r>
-              <a:rPr lang="en-US" i="1" dirty="0" smtClean="0"/>
-              <a:t> </a:t>
-            </a:r>
-            <a:r>
-              <a:rPr lang="en-US" i="1" dirty="0" err="1" smtClean="0"/>
-              <a:t>từng</a:t>
-            </a:r>
-            <a:r>
-              <a:rPr lang="en-US" i="1" dirty="0" smtClean="0"/>
-              <a:t> </a:t>
-            </a:r>
-            <a:r>
-              <a:rPr lang="en-US" i="1" dirty="0" err="1" smtClean="0"/>
-              <a:t>loại</a:t>
-            </a:r>
-            <a:r>
-              <a:rPr lang="en-US" i="1" dirty="0" smtClean="0"/>
-              <a:t> Media </a:t>
-            </a:r>
-            <a:r>
-              <a:rPr lang="en-US" i="1" dirty="0" err="1" smtClean="0"/>
-              <a:t>trên</a:t>
-            </a:r>
-            <a:r>
-              <a:rPr lang="en-US" i="1" dirty="0" smtClean="0"/>
-              <a:t> </a:t>
-            </a:r>
-            <a:r>
-              <a:rPr lang="en-US" i="1" dirty="0" err="1" smtClean="0"/>
-              <a:t>giao</a:t>
-            </a:r>
-            <a:r>
-              <a:rPr lang="en-US" i="1" dirty="0" smtClean="0"/>
-              <a:t> </a:t>
-            </a:r>
-            <a:r>
-              <a:rPr lang="en-US" i="1" dirty="0" err="1" smtClean="0"/>
-              <a:t>diện</a:t>
-            </a:r>
-            <a:endParaRPr lang="en-US" i="1" dirty="0"/>
-          </a:p>
-        </p:txBody>
-      </p:sp>
     </p:spTree>
     <p:extLst>
       <p:ext uri="{BB962C8B-B14F-4D97-AF65-F5344CB8AC3E}">
@@ -17877,7 +17669,7 @@
         </p:nvSpPr>
         <p:spPr>
           <a:xfrm>
-            <a:off x="3824612" y="6077322"/>
+            <a:off x="3824612" y="4738256"/>
             <a:ext cx="1438214" cy="307777"/>
           </a:xfrm>
           <a:prstGeom prst="rect">
@@ -17892,40 +17684,40 @@
           <a:lstStyle/>
           <a:p>
             <a:r>
-              <a:rPr lang="en-US" i="1" dirty="0" err="1"/>
+              <a:rPr lang="en-US" dirty="0" err="1"/>
               <a:t>Thiết</a:t>
             </a:r>
             <a:r>
-              <a:rPr lang="en-US" i="1" dirty="0"/>
-              <a:t> </a:t>
-            </a:r>
-            <a:r>
-              <a:rPr lang="en-US" i="1" dirty="0" err="1"/>
+              <a:rPr lang="en-US" dirty="0"/>
+              <a:t> </a:t>
+            </a:r>
+            <a:r>
+              <a:rPr lang="en-US" dirty="0" err="1"/>
               <a:t>kế</a:t>
             </a:r>
             <a:r>
-              <a:rPr lang="en-US" i="1" dirty="0"/>
-              <a:t> </a:t>
-            </a:r>
-            <a:r>
-              <a:rPr lang="en-US" i="1" dirty="0" err="1"/>
+              <a:rPr lang="en-US" dirty="0"/>
+              <a:t> </a:t>
+            </a:r>
+            <a:r>
+              <a:rPr lang="en-US" dirty="0" err="1"/>
               <a:t>cải</a:t>
             </a:r>
             <a:r>
-              <a:rPr lang="en-US" i="1" dirty="0"/>
-              <a:t> </a:t>
-            </a:r>
-            <a:r>
-              <a:rPr lang="en-US" i="1" dirty="0" err="1"/>
+              <a:rPr lang="en-US" dirty="0"/>
+              <a:t> </a:t>
+            </a:r>
+            <a:r>
+              <a:rPr lang="en-US" dirty="0" err="1"/>
               <a:t>tiến</a:t>
             </a:r>
-            <a:endParaRPr lang="en-US" i="1" dirty="0"/>
+            <a:endParaRPr lang="en-US" dirty="0"/>
           </a:p>
         </p:txBody>
       </p:sp>
       <p:pic>
         <p:nvPicPr>
-          <p:cNvPr id="8" name="Picture 7">
+          <p:cNvPr id="8" name="Picture 7" descr="Diagram&#10;&#10;Description automatically generated">
             <a:extLst>
               <a:ext uri="{FF2B5EF4-FFF2-40B4-BE49-F238E27FC236}">
                 <a16:creationId xmlns:a16="http://schemas.microsoft.com/office/drawing/2014/main" id="{2F96D2B6-BE22-D46E-3C09-018BE4D313C3}"/>
@@ -17951,8 +17743,8 @@
         </p:blipFill>
         <p:spPr>
           <a:xfrm>
-            <a:off x="821496" y="2004287"/>
-            <a:ext cx="7444445" cy="3965308"/>
+            <a:off x="1600200" y="2191702"/>
+            <a:ext cx="5943600" cy="2474595"/>
           </a:xfrm>
           <a:prstGeom prst="rect">
             <a:avLst/>
@@ -18429,7 +18221,7 @@
           <a:lstStyle/>
           <a:p>
             <a:r>
-              <a:rPr lang="en-US" i="1" dirty="0"/>
+              <a:rPr lang="en-US" dirty="0"/>
               <a:t>Java Reflections</a:t>
             </a:r>
           </a:p>
@@ -18935,19 +18727,19 @@
           <a:lstStyle/>
           <a:p>
             <a:r>
-              <a:rPr lang="en-US" i="1" dirty="0" err="1"/>
+              <a:rPr lang="en-US" dirty="0" err="1"/>
               <a:t>Cài</a:t>
             </a:r>
             <a:r>
-              <a:rPr lang="en-US" i="1" dirty="0"/>
-              <a:t> </a:t>
-            </a:r>
-            <a:r>
-              <a:rPr lang="en-US" i="1" dirty="0" err="1"/>
+              <a:rPr lang="en-US" dirty="0"/>
+              <a:t> </a:t>
+            </a:r>
+            <a:r>
+              <a:rPr lang="en-US" dirty="0" err="1"/>
               <a:t>đặt</a:t>
             </a:r>
             <a:r>
-              <a:rPr lang="en-US" i="1" dirty="0"/>
+              <a:rPr lang="en-US" dirty="0"/>
               <a:t> Java Annotation @DisplayName</a:t>
             </a:r>
           </a:p>
@@ -18982,26 +18774,26 @@
           <a:lstStyle/>
           <a:p>
             <a:r>
-              <a:rPr lang="en-US" i="1" dirty="0" err="1"/>
+              <a:rPr lang="en-US" dirty="0" err="1"/>
               <a:t>Sử</a:t>
             </a:r>
             <a:r>
-              <a:rPr lang="en-US" i="1" dirty="0"/>
-              <a:t> </a:t>
-            </a:r>
-            <a:r>
-              <a:rPr lang="en-US" i="1" dirty="0" err="1"/>
+              <a:rPr lang="en-US" dirty="0"/>
+              <a:t> </a:t>
+            </a:r>
+            <a:r>
+              <a:rPr lang="en-US" dirty="0" err="1"/>
               <a:t>dụng</a:t>
             </a:r>
             <a:r>
-              <a:rPr lang="en-US" i="1" dirty="0"/>
+              <a:rPr lang="en-US" dirty="0"/>
               <a:t> Java </a:t>
             </a:r>
             <a:r>
-              <a:rPr lang="en-US" i="1" dirty="0" err="1"/>
+              <a:rPr lang="en-US" dirty="0" err="1"/>
               <a:t>Anotation</a:t>
             </a:r>
-            <a:endParaRPr lang="en-US" i="1" dirty="0"/>
+            <a:endParaRPr lang="en-US" dirty="0"/>
           </a:p>
         </p:txBody>
       </p:sp>
@@ -19638,7 +19430,7 @@
       </p:sp>
       <p:pic>
         <p:nvPicPr>
-          <p:cNvPr id="13" name="Picture 12">
+          <p:cNvPr id="13" name="Picture 12" descr="A picture containing table&#10;&#10;Description automatically generated">
             <a:extLst>
               <a:ext uri="{FF2B5EF4-FFF2-40B4-BE49-F238E27FC236}">
                 <a16:creationId xmlns:a16="http://schemas.microsoft.com/office/drawing/2014/main" id="{267502CD-A561-C062-ACF9-6E899A6AD573}"/>
@@ -19651,7 +19443,7 @@
           <p:nvPr/>
         </p:nvPicPr>
         <p:blipFill>
-          <a:blip r:embed="rId3">
+          <a:blip r:embed="rId3" cstate="print">
             <a:extLst>
               <a:ext uri="{28A0092B-C50C-407E-A947-70E740481C1C}">
                 <a14:useLocalDpi xmlns:a14="http://schemas.microsoft.com/office/drawing/2010/main" val="0"/>
@@ -19664,8 +19456,8 @@
         </p:blipFill>
         <p:spPr>
           <a:xfrm>
-            <a:off x="717401" y="2296490"/>
-            <a:ext cx="7709198" cy="3895497"/>
+            <a:off x="707059" y="2296490"/>
+            <a:ext cx="7729882" cy="3895497"/>
           </a:xfrm>
           <a:prstGeom prst="rect">
             <a:avLst/>
@@ -23916,42 +23708,6 @@
           </a:p>
         </p:txBody>
       </p:sp>
-      <p:pic>
-        <p:nvPicPr>
-          <p:cNvPr id="6" name="Picture 5">
-            <a:extLst>
-              <a:ext uri="{FF2B5EF4-FFF2-40B4-BE49-F238E27FC236}">
-                <a16:creationId xmlns:a16="http://schemas.microsoft.com/office/drawing/2014/main" id="{0F5817B0-0FBD-1298-5990-67F7DBA6F49F}"/>
-              </a:ext>
-            </a:extLst>
-          </p:cNvPr>
-          <p:cNvPicPr>
-            <a:picLocks noChangeAspect="1"/>
-          </p:cNvPicPr>
-          <p:nvPr/>
-        </p:nvPicPr>
-        <p:blipFill>
-          <a:blip r:embed="rId3">
-            <a:extLst>
-              <a:ext uri="{28A0092B-C50C-407E-A947-70E740481C1C}">
-                <a14:useLocalDpi xmlns:a14="http://schemas.microsoft.com/office/drawing/2010/main" val="0"/>
-              </a:ext>
-            </a:extLst>
-          </a:blip>
-          <a:stretch>
-            <a:fillRect/>
-          </a:stretch>
-        </p:blipFill>
-        <p:spPr>
-          <a:xfrm>
-            <a:off x="512455" y="683280"/>
-            <a:ext cx="8411937" cy="6174720"/>
-          </a:xfrm>
-          <a:prstGeom prst="rect">
-            <a:avLst/>
-          </a:prstGeom>
-        </p:spPr>
-      </p:pic>
       <p:sp>
         <p:nvSpPr>
           <p:cNvPr id="7" name="TextBox 6">
@@ -23966,7 +23722,7 @@
         </p:nvSpPr>
         <p:spPr>
           <a:xfrm>
-            <a:off x="4150574" y="6403835"/>
+            <a:off x="3547471" y="6068887"/>
             <a:ext cx="2049058" cy="375552"/>
           </a:xfrm>
           <a:prstGeom prst="rect">
@@ -24081,6 +23837,36 @@
           </a:p>
         </p:txBody>
       </p:sp>
+      <p:pic>
+        <p:nvPicPr>
+          <p:cNvPr id="3" name="Picture 2" descr="Diagram&#10;&#10;Description automatically generated">
+            <a:extLst>
+              <a:ext uri="{FF2B5EF4-FFF2-40B4-BE49-F238E27FC236}">
+                <a16:creationId xmlns:a16="http://schemas.microsoft.com/office/drawing/2014/main" id="{A42F1215-270C-635A-1BC5-5A1875561CB9}"/>
+              </a:ext>
+            </a:extLst>
+          </p:cNvPr>
+          <p:cNvPicPr>
+            <a:picLocks noChangeAspect="1"/>
+          </p:cNvPicPr>
+          <p:nvPr/>
+        </p:nvPicPr>
+        <p:blipFill>
+          <a:blip r:embed="rId3"/>
+          <a:stretch>
+            <a:fillRect/>
+          </a:stretch>
+        </p:blipFill>
+        <p:spPr>
+          <a:xfrm>
+            <a:off x="0" y="789112"/>
+            <a:ext cx="9144000" cy="5279775"/>
+          </a:xfrm>
+          <a:prstGeom prst="rect">
+            <a:avLst/>
+          </a:prstGeom>
+        </p:spPr>
+      </p:pic>
     </p:spTree>
     <p:extLst>
       <p:ext uri="{BB962C8B-B14F-4D97-AF65-F5344CB8AC3E}">
@@ -24271,7 +24057,7 @@
         </p:nvSpPr>
         <p:spPr>
           <a:xfrm>
-            <a:off x="3547471" y="6123341"/>
+            <a:off x="3547471" y="6051243"/>
             <a:ext cx="2049058" cy="375552"/>
           </a:xfrm>
           <a:prstGeom prst="rect">
@@ -24388,10 +24174,10 @@
       </p:sp>
       <p:pic>
         <p:nvPicPr>
-          <p:cNvPr id="8" name="Picture 7">
+          <p:cNvPr id="3" name="Picture 2" descr="Diagram&#10;&#10;Description automatically generated">
             <a:extLst>
               <a:ext uri="{FF2B5EF4-FFF2-40B4-BE49-F238E27FC236}">
-                <a16:creationId xmlns:a16="http://schemas.microsoft.com/office/drawing/2014/main" id="{C24A0CA2-9A8B-D95A-28CC-40006FFCA998}"/>
+                <a16:creationId xmlns:a16="http://schemas.microsoft.com/office/drawing/2014/main" id="{2AB61E2F-8F17-475F-B3EF-69133401A3AB}"/>
               </a:ext>
             </a:extLst>
           </p:cNvPr>
@@ -24401,21 +24187,15 @@
           <p:nvPr/>
         </p:nvPicPr>
         <p:blipFill>
-          <a:blip r:embed="rId3">
-            <a:extLst>
-              <a:ext uri="{28A0092B-C50C-407E-A947-70E740481C1C}">
-                <a14:useLocalDpi xmlns:a14="http://schemas.microsoft.com/office/drawing/2010/main" val="0"/>
-              </a:ext>
-            </a:extLst>
-          </a:blip>
+          <a:blip r:embed="rId3"/>
           <a:stretch>
             <a:fillRect/>
           </a:stretch>
         </p:blipFill>
         <p:spPr>
           <a:xfrm>
-            <a:off x="0" y="783461"/>
-            <a:ext cx="9144000" cy="5448897"/>
+            <a:off x="0" y="704551"/>
+            <a:ext cx="9144000" cy="5448898"/>
           </a:xfrm>
           <a:prstGeom prst="rect">
             <a:avLst/>
@@ -28134,7 +27914,7 @@
       </p:sp>
       <p:pic>
         <p:nvPicPr>
-          <p:cNvPr id="8" name="Picture 7">
+          <p:cNvPr id="8" name="Picture 7" descr="Diagram&#10;&#10;Description automatically generated">
             <a:extLst>
               <a:ext uri="{FF2B5EF4-FFF2-40B4-BE49-F238E27FC236}">
                 <a16:creationId xmlns:a16="http://schemas.microsoft.com/office/drawing/2014/main" id="{894957AE-9054-0B9C-0594-4B0532F86D1B}"/>
@@ -28147,7 +27927,7 @@
           <p:nvPr/>
         </p:nvPicPr>
         <p:blipFill>
-          <a:blip r:embed="rId3">
+          <a:blip r:embed="rId3" cstate="print">
             <a:extLst>
               <a:ext uri="{28A0092B-C50C-407E-A947-70E740481C1C}">
                 <a14:useLocalDpi xmlns:a14="http://schemas.microsoft.com/office/drawing/2010/main" val="0"/>
@@ -28160,8 +27940,8 @@
         </p:blipFill>
         <p:spPr>
           <a:xfrm>
-            <a:off x="187" y="2294409"/>
-            <a:ext cx="9147073" cy="2469615"/>
+            <a:off x="1" y="2294409"/>
+            <a:ext cx="9147446" cy="2469615"/>
           </a:xfrm>
           <a:prstGeom prst="rect">
             <a:avLst/>
@@ -29720,348 +29500,652 @@
           </a:p>
         </p:txBody>
       </p:sp>
-      <p:sp>
-        <p:nvSpPr>
-          <p:cNvPr id="3" name="TextBox 2"/>
-          <p:cNvSpPr txBox="1"/>
-          <p:nvPr/>
-        </p:nvSpPr>
-        <p:spPr>
-          <a:xfrm>
-            <a:off x="405353" y="820132"/>
-            <a:ext cx="8191892" cy="4847994"/>
-          </a:xfrm>
-          <a:prstGeom prst="rect">
-            <a:avLst/>
-          </a:prstGeom>
-          <a:noFill/>
-        </p:spPr>
-        <p:txBody>
-          <a:bodyPr wrap="square" rtlCol="0">
-            <a:spAutoFit/>
-          </a:bodyPr>
-          <a:lstStyle/>
-          <a:p>
-            <a:pPr marL="342900" indent="-342900">
-              <a:lnSpc>
-                <a:spcPct val="150000"/>
-              </a:lnSpc>
-              <a:buAutoNum type="arabicPeriod"/>
-            </a:pPr>
-            <a:r>
-              <a:rPr lang="en-US" sz="1600" dirty="0" err="1"/>
-              <a:t>Phát</a:t>
-            </a:r>
-            <a:r>
-              <a:rPr lang="en-US" sz="1600" dirty="0"/>
-              <a:t> </a:t>
-            </a:r>
-            <a:r>
-              <a:rPr lang="en-US" sz="1600" dirty="0" err="1"/>
-              <a:t>hiện</a:t>
-            </a:r>
-            <a:r>
-              <a:rPr lang="en-US" sz="1600" dirty="0"/>
-              <a:t>, </a:t>
-            </a:r>
-            <a:r>
-              <a:rPr lang="en-US" sz="1600" dirty="0" err="1"/>
-              <a:t>xử</a:t>
-            </a:r>
-            <a:r>
-              <a:rPr lang="en-US" sz="1600" dirty="0"/>
-              <a:t> </a:t>
-            </a:r>
-            <a:r>
-              <a:rPr lang="en-US" sz="1600" dirty="0" err="1"/>
-              <a:t>lý</a:t>
-            </a:r>
-            <a:r>
-              <a:rPr lang="en-US" sz="1600" dirty="0"/>
-              <a:t> </a:t>
-            </a:r>
-            <a:r>
-              <a:rPr lang="en-US" sz="1600" dirty="0" err="1"/>
-              <a:t>các</a:t>
-            </a:r>
-            <a:r>
-              <a:rPr lang="en-US" sz="1600" dirty="0"/>
-              <a:t> </a:t>
-            </a:r>
-            <a:r>
-              <a:rPr lang="en-US" sz="1600" dirty="0" err="1"/>
-              <a:t>vấn</a:t>
-            </a:r>
-            <a:r>
-              <a:rPr lang="en-US" sz="1600" dirty="0"/>
-              <a:t> </a:t>
-            </a:r>
-            <a:r>
-              <a:rPr lang="en-US" sz="1600" dirty="0" err="1"/>
-              <a:t>đề</a:t>
-            </a:r>
-            <a:r>
-              <a:rPr lang="en-US" sz="1600" dirty="0"/>
-              <a:t> cohesion / coupling / SOLID / clean code: </a:t>
-            </a:r>
-          </a:p>
-          <a:p>
-            <a:pPr>
-              <a:lnSpc>
-                <a:spcPct val="150000"/>
-              </a:lnSpc>
-            </a:pPr>
-            <a:r>
-              <a:rPr lang="en-US" sz="1600" dirty="0"/>
-              <a:t>Chia </a:t>
-            </a:r>
-            <a:r>
-              <a:rPr lang="en-US" sz="1600" dirty="0" err="1"/>
-              <a:t>theo</a:t>
-            </a:r>
-            <a:r>
-              <a:rPr lang="en-US" sz="1600" dirty="0"/>
-              <a:t> </a:t>
-            </a:r>
-            <a:r>
-              <a:rPr lang="en-US" sz="1600" dirty="0" err="1"/>
-              <a:t>subteam</a:t>
-            </a:r>
-            <a:r>
-              <a:rPr lang="en-US" sz="1600" dirty="0"/>
-              <a:t>: </a:t>
-            </a:r>
-          </a:p>
-          <a:p>
-            <a:pPr marL="285750" indent="-285750">
-              <a:lnSpc>
-                <a:spcPct val="150000"/>
-              </a:lnSpc>
-              <a:buFontTx/>
-              <a:buChar char="-"/>
-            </a:pPr>
-            <a:r>
-              <a:rPr lang="en-US" sz="1600" dirty="0"/>
-              <a:t>Hiếu + </a:t>
-            </a:r>
-            <a:r>
-              <a:rPr lang="en-US" sz="1600" dirty="0" err="1"/>
-              <a:t>Tuân</a:t>
-            </a:r>
-            <a:r>
-              <a:rPr lang="en-US" sz="1600" dirty="0"/>
-              <a:t>: common + controller + </a:t>
-            </a:r>
-            <a:r>
-              <a:rPr lang="en-US" sz="1600" dirty="0" err="1"/>
-              <a:t>dao</a:t>
-            </a:r>
-            <a:r>
-              <a:rPr lang="en-US" sz="1600" dirty="0"/>
-              <a:t> + entity</a:t>
-            </a:r>
-          </a:p>
-          <a:p>
-            <a:pPr marL="285750" indent="-285750">
-              <a:lnSpc>
-                <a:spcPct val="150000"/>
-              </a:lnSpc>
-              <a:buFontTx/>
-              <a:buChar char="-"/>
-            </a:pPr>
-            <a:r>
-              <a:rPr lang="en-US" sz="1600" dirty="0" err="1"/>
-              <a:t>Hùng</a:t>
-            </a:r>
-            <a:r>
-              <a:rPr lang="en-US" sz="1600" dirty="0"/>
-              <a:t> + </a:t>
-            </a:r>
-            <a:r>
-              <a:rPr lang="en-US" sz="1600" dirty="0" err="1"/>
-              <a:t>Quốc</a:t>
-            </a:r>
-            <a:r>
-              <a:rPr lang="en-US" sz="1600" dirty="0"/>
-              <a:t>: subsystem + </a:t>
-            </a:r>
-            <a:r>
-              <a:rPr lang="en-US" sz="1600" dirty="0" err="1"/>
-              <a:t>utils</a:t>
-            </a:r>
-            <a:r>
-              <a:rPr lang="en-US" sz="1600" dirty="0"/>
-              <a:t> + </a:t>
-            </a:r>
-            <a:r>
-              <a:rPr lang="en-US" sz="1600" dirty="0" err="1"/>
-              <a:t>views.screen</a:t>
-            </a:r>
-            <a:endParaRPr lang="en-US" sz="1600" dirty="0"/>
-          </a:p>
-          <a:p>
-            <a:pPr>
-              <a:lnSpc>
-                <a:spcPct val="150000"/>
-              </a:lnSpc>
-            </a:pPr>
-            <a:r>
-              <a:rPr lang="en-US" sz="1600" dirty="0"/>
-              <a:t>2. </a:t>
-            </a:r>
-            <a:r>
-              <a:rPr lang="vi-VN" sz="1600" dirty="0"/>
-              <a:t>Thay đổi trong tương lai:</a:t>
-            </a:r>
-            <a:br>
-              <a:rPr lang="vi-VN" sz="1600" dirty="0"/>
-            </a:br>
-            <a:r>
-              <a:rPr lang="en-US" sz="1600" dirty="0"/>
-              <a:t>- </a:t>
-            </a:r>
-            <a:r>
-              <a:rPr lang="vi-VN" sz="1600" dirty="0"/>
-              <a:t>Số 1: Hùng + Quốc</a:t>
-            </a:r>
-            <a:br>
-              <a:rPr lang="vi-VN" sz="1600" dirty="0"/>
-            </a:br>
-            <a:r>
-              <a:rPr lang="en-US" sz="1600" dirty="0"/>
-              <a:t>- </a:t>
-            </a:r>
-            <a:r>
-              <a:rPr lang="vi-VN" sz="1600" dirty="0"/>
-              <a:t>Số 2: Hùng + Hiếu</a:t>
-            </a:r>
-            <a:br>
-              <a:rPr lang="vi-VN" sz="1600" dirty="0"/>
-            </a:br>
-            <a:r>
-              <a:rPr lang="en-US" sz="1600" dirty="0"/>
-              <a:t>- </a:t>
-            </a:r>
-            <a:r>
-              <a:rPr lang="vi-VN" sz="1600" dirty="0"/>
-              <a:t>Số 3: Hiếu + Tuân</a:t>
-            </a:r>
-            <a:br>
-              <a:rPr lang="vi-VN" sz="1600" dirty="0"/>
-            </a:br>
-            <a:r>
-              <a:rPr lang="en-US" sz="1600" dirty="0"/>
-              <a:t>- </a:t>
-            </a:r>
-            <a:r>
-              <a:rPr lang="vi-VN" sz="1600" dirty="0"/>
-              <a:t>Số 4 + 6: Hiếu + Hùng</a:t>
-            </a:r>
-            <a:br>
-              <a:rPr lang="vi-VN" sz="1600" dirty="0"/>
-            </a:br>
-            <a:r>
-              <a:rPr lang="en-US" sz="1600" dirty="0"/>
-              <a:t>- </a:t>
-            </a:r>
-            <a:r>
-              <a:rPr lang="vi-VN" sz="1600" dirty="0"/>
-              <a:t>Số 5: Tuân + Quốc</a:t>
-            </a:r>
-            <a:br>
-              <a:rPr lang="vi-VN" sz="1600" dirty="0"/>
-            </a:br>
-            <a:r>
-              <a:rPr lang="en-US" sz="1600" dirty="0"/>
-              <a:t>- </a:t>
-            </a:r>
-            <a:r>
-              <a:rPr lang="vi-VN" sz="1600" dirty="0"/>
-              <a:t>Số 7: Hùng + Hiếu</a:t>
-            </a:r>
-            <a:endParaRPr lang="en-US" sz="1600" dirty="0"/>
-          </a:p>
-          <a:p>
-            <a:pPr>
-              <a:lnSpc>
-                <a:spcPct val="150000"/>
-              </a:lnSpc>
-            </a:pPr>
-            <a:r>
-              <a:rPr lang="en-US" sz="1600" dirty="0"/>
-              <a:t>3. </a:t>
-            </a:r>
-            <a:r>
-              <a:rPr lang="en-US" sz="1600" dirty="0" err="1"/>
-              <a:t>Vẽ</a:t>
-            </a:r>
-            <a:r>
-              <a:rPr lang="en-US" sz="1600" dirty="0"/>
-              <a:t> </a:t>
-            </a:r>
-            <a:r>
-              <a:rPr lang="en-US" sz="1600" dirty="0" err="1"/>
-              <a:t>biểu</a:t>
-            </a:r>
-            <a:r>
-              <a:rPr lang="en-US" sz="1600" dirty="0"/>
-              <a:t> </a:t>
-            </a:r>
-            <a:r>
-              <a:rPr lang="en-US" sz="1600" dirty="0" err="1"/>
-              <a:t>đồ</a:t>
-            </a:r>
-            <a:r>
-              <a:rPr lang="vi-VN" sz="1600" dirty="0"/>
-              <a:t>: Hùng</a:t>
-            </a:r>
-            <a:r>
-              <a:rPr lang="en-US" sz="1600" dirty="0"/>
-              <a:t> + Hiếu</a:t>
-            </a:r>
-          </a:p>
-          <a:p>
-            <a:pPr>
-              <a:lnSpc>
-                <a:spcPct val="150000"/>
-              </a:lnSpc>
-            </a:pPr>
-            <a:r>
-              <a:rPr lang="en-US" sz="1600" dirty="0"/>
-              <a:t>4. </a:t>
-            </a:r>
-            <a:r>
-              <a:rPr lang="en-US" sz="1600" dirty="0" err="1"/>
-              <a:t>Làm</a:t>
-            </a:r>
-            <a:r>
-              <a:rPr lang="en-US" sz="1600" dirty="0"/>
-              <a:t> </a:t>
-            </a:r>
-            <a:r>
-              <a:rPr lang="en-US" sz="1600" dirty="0" err="1"/>
-              <a:t>báo</a:t>
-            </a:r>
-            <a:r>
-              <a:rPr lang="en-US" sz="1600" dirty="0"/>
-              <a:t> </a:t>
-            </a:r>
-            <a:r>
-              <a:rPr lang="en-US" sz="1600" dirty="0" err="1"/>
-              <a:t>cáo</a:t>
-            </a:r>
-            <a:r>
-              <a:rPr lang="en-US" sz="1600" dirty="0"/>
-              <a:t>: </a:t>
-            </a:r>
-            <a:r>
-              <a:rPr lang="en-US" sz="1600" dirty="0" err="1"/>
-              <a:t>Hùng</a:t>
-            </a:r>
-            <a:endParaRPr lang="en-US" sz="1600" dirty="0"/>
-          </a:p>
-        </p:txBody>
-      </p:sp>
+      <p:graphicFrame>
+        <p:nvGraphicFramePr>
+          <p:cNvPr id="2" name="Table 3">
+            <a:extLst>
+              <a:ext uri="{FF2B5EF4-FFF2-40B4-BE49-F238E27FC236}">
+                <a16:creationId xmlns:a16="http://schemas.microsoft.com/office/drawing/2014/main" id="{B3ED09F9-AD25-8A88-B267-FAB612A85F6C}"/>
+              </a:ext>
+            </a:extLst>
+          </p:cNvPr>
+          <p:cNvGraphicFramePr>
+            <a:graphicFrameLocks noGrp="1"/>
+          </p:cNvGraphicFramePr>
+          <p:nvPr>
+            <p:extLst>
+              <p:ext uri="{D42A27DB-BD31-4B8C-83A1-F6EECF244321}">
+                <p14:modId xmlns:p14="http://schemas.microsoft.com/office/powerpoint/2010/main" val="3490125063"/>
+              </p:ext>
+            </p:extLst>
+          </p:nvPr>
+        </p:nvGraphicFramePr>
+        <p:xfrm>
+          <a:off x="967740" y="1479296"/>
+          <a:ext cx="7208520" cy="2552409"/>
+        </p:xfrm>
+        <a:graphic>
+          <a:graphicData uri="http://schemas.openxmlformats.org/drawingml/2006/table">
+            <a:tbl>
+              <a:tblPr firstRow="1" bandRow="1">
+                <a:tableStyleId>{AFD22519-920E-4A79-9395-4B45224A8854}</a:tableStyleId>
+              </a:tblPr>
+              <a:tblGrid>
+                <a:gridCol w="3604260">
+                  <a:extLst>
+                    <a:ext uri="{9D8B030D-6E8A-4147-A177-3AD203B41FA5}">
+                      <a16:colId xmlns:a16="http://schemas.microsoft.com/office/drawing/2014/main" val="896629095"/>
+                    </a:ext>
+                  </a:extLst>
+                </a:gridCol>
+                <a:gridCol w="3604260">
+                  <a:extLst>
+                    <a:ext uri="{9D8B030D-6E8A-4147-A177-3AD203B41FA5}">
+                      <a16:colId xmlns:a16="http://schemas.microsoft.com/office/drawing/2014/main" val="3342985732"/>
+                    </a:ext>
+                  </a:extLst>
+                </a:gridCol>
+              </a:tblGrid>
+              <a:tr h="331216">
+                <a:tc>
+                  <a:txBody>
+                    <a:bodyPr/>
+                    <a:lstStyle/>
+                    <a:p>
+                      <a:pPr marL="0" marR="0" lvl="0" indent="0" algn="ctr" defTabSz="914400" rtl="0" eaLnBrk="1" fontAlgn="auto" latinLnBrk="0" hangingPunct="1">
+                        <a:lnSpc>
+                          <a:spcPct val="100000"/>
+                        </a:lnSpc>
+                        <a:spcBef>
+                          <a:spcPts val="0"/>
+                        </a:spcBef>
+                        <a:spcAft>
+                          <a:spcPts val="0"/>
+                        </a:spcAft>
+                        <a:buClr>
+                          <a:srgbClr val="000000"/>
+                        </a:buClr>
+                        <a:buSzTx/>
+                        <a:buFont typeface="Arial"/>
+                        <a:buNone/>
+                        <a:tabLst/>
+                        <a:defRPr/>
+                      </a:pPr>
+                      <a:r>
+                        <a:rPr lang="en-US" sz="1400" b="1" dirty="0" err="1"/>
+                        <a:t>Thành</a:t>
+                      </a:r>
+                      <a:r>
+                        <a:rPr lang="en-US" sz="1400" b="1" dirty="0"/>
+                        <a:t> </a:t>
+                      </a:r>
+                      <a:r>
+                        <a:rPr lang="en-US" sz="1400" b="1" dirty="0" err="1"/>
+                        <a:t>viên</a:t>
+                      </a:r>
+                      <a:endParaRPr lang="en-US" sz="1400" b="1" dirty="0"/>
+                    </a:p>
+                  </a:txBody>
+                  <a:tcPr/>
+                </a:tc>
+                <a:tc>
+                  <a:txBody>
+                    <a:bodyPr/>
+                    <a:lstStyle/>
+                    <a:p>
+                      <a:pPr algn="ctr"/>
+                      <a:r>
+                        <a:rPr lang="en-US" b="1" dirty="0" err="1"/>
+                        <a:t>Nhiệm</a:t>
+                      </a:r>
+                      <a:r>
+                        <a:rPr lang="en-US" b="1" dirty="0"/>
+                        <a:t> </a:t>
+                      </a:r>
+                      <a:r>
+                        <a:rPr lang="en-US" b="1" dirty="0" err="1"/>
+                        <a:t>vụ</a:t>
+                      </a:r>
+                      <a:endParaRPr lang="en-US" b="1" dirty="0"/>
+                    </a:p>
+                  </a:txBody>
+                  <a:tcPr/>
+                </a:tc>
+                <a:extLst>
+                  <a:ext uri="{0D108BD9-81ED-4DB2-BD59-A6C34878D82A}">
+                    <a16:rowId xmlns:a16="http://schemas.microsoft.com/office/drawing/2014/main" val="1212567298"/>
+                  </a:ext>
+                </a:extLst>
+              </a:tr>
+              <a:tr h="557784">
+                <a:tc>
+                  <a:txBody>
+                    <a:bodyPr/>
+                    <a:lstStyle/>
+                    <a:p>
+                      <a:pPr marL="0" marR="0" lvl="0" indent="0" algn="l" defTabSz="914400" rtl="0" eaLnBrk="1" fontAlgn="auto" latinLnBrk="0" hangingPunct="1">
+                        <a:lnSpc>
+                          <a:spcPct val="100000"/>
+                        </a:lnSpc>
+                        <a:spcBef>
+                          <a:spcPts val="0"/>
+                        </a:spcBef>
+                        <a:spcAft>
+                          <a:spcPts val="0"/>
+                        </a:spcAft>
+                        <a:buClr>
+                          <a:srgbClr val="000000"/>
+                        </a:buClr>
+                        <a:buSzTx/>
+                        <a:buFont typeface="Arial"/>
+                        <a:buNone/>
+                        <a:tabLst/>
+                        <a:defRPr/>
+                      </a:pPr>
+                      <a:r>
+                        <a:rPr lang="en-US" sz="1400" dirty="0" err="1"/>
+                        <a:t>Nguyễn</a:t>
+                      </a:r>
+                      <a:r>
+                        <a:rPr lang="en-US" sz="1400" dirty="0"/>
+                        <a:t> </a:t>
+                      </a:r>
+                      <a:r>
+                        <a:rPr lang="en-US" sz="1400" dirty="0" err="1"/>
+                        <a:t>Đình</a:t>
+                      </a:r>
+                      <a:r>
+                        <a:rPr lang="en-US" sz="1400" dirty="0"/>
+                        <a:t> </a:t>
+                      </a:r>
+                      <a:r>
+                        <a:rPr lang="en-US" sz="1400" dirty="0" err="1"/>
+                        <a:t>Hùng</a:t>
+                      </a:r>
+                      <a:endParaRPr lang="en-US" sz="1400" dirty="0"/>
+                    </a:p>
+                  </a:txBody>
+                  <a:tcPr/>
+                </a:tc>
+                <a:tc>
+                  <a:txBody>
+                    <a:bodyPr/>
+                    <a:lstStyle/>
+                    <a:p>
+                      <a:r>
+                        <a:rPr lang="en-US" dirty="0" err="1"/>
+                        <a:t>Thay</a:t>
+                      </a:r>
+                      <a:r>
+                        <a:rPr lang="en-US" dirty="0"/>
+                        <a:t> </a:t>
+                      </a:r>
+                      <a:r>
+                        <a:rPr lang="en-US" dirty="0" err="1"/>
+                        <a:t>đổi</a:t>
+                      </a:r>
+                      <a:r>
+                        <a:rPr lang="en-US" dirty="0"/>
+                        <a:t> </a:t>
+                      </a:r>
+                      <a:r>
+                        <a:rPr lang="en-US" dirty="0" err="1"/>
+                        <a:t>thư</a:t>
+                      </a:r>
+                      <a:r>
+                        <a:rPr lang="en-US" dirty="0"/>
+                        <a:t> </a:t>
+                      </a:r>
+                      <a:r>
+                        <a:rPr lang="en-US" dirty="0" err="1"/>
+                        <a:t>viện</a:t>
+                      </a:r>
+                      <a:r>
+                        <a:rPr lang="en-US" dirty="0"/>
+                        <a:t> </a:t>
+                      </a:r>
+                      <a:r>
+                        <a:rPr lang="en-US" dirty="0" err="1"/>
+                        <a:t>tính</a:t>
+                      </a:r>
+                      <a:r>
+                        <a:rPr lang="en-US" dirty="0"/>
+                        <a:t> </a:t>
+                      </a:r>
+                      <a:r>
+                        <a:rPr lang="en-US" dirty="0" err="1"/>
+                        <a:t>khoảng</a:t>
+                      </a:r>
+                      <a:r>
+                        <a:rPr lang="en-US" dirty="0"/>
+                        <a:t> </a:t>
+                      </a:r>
+                      <a:r>
+                        <a:rPr lang="en-US" dirty="0" err="1"/>
+                        <a:t>cách</a:t>
+                      </a:r>
+                      <a:r>
+                        <a:rPr lang="en-US" dirty="0"/>
+                        <a:t> </a:t>
+                      </a:r>
+                      <a:r>
+                        <a:rPr lang="en-US" dirty="0" err="1"/>
+                        <a:t>và</a:t>
+                      </a:r>
+                      <a:r>
+                        <a:rPr lang="en-US" dirty="0"/>
+                        <a:t> </a:t>
+                      </a:r>
+                      <a:r>
+                        <a:rPr lang="en-US" dirty="0" err="1"/>
+                        <a:t>công</a:t>
+                      </a:r>
+                      <a:r>
+                        <a:rPr lang="en-US" dirty="0"/>
+                        <a:t> </a:t>
+                      </a:r>
+                      <a:r>
+                        <a:rPr lang="en-US" dirty="0" err="1"/>
+                        <a:t>thức</a:t>
+                      </a:r>
+                      <a:r>
+                        <a:rPr lang="en-US" dirty="0"/>
+                        <a:t> </a:t>
+                      </a:r>
+                      <a:r>
+                        <a:rPr lang="en-US" dirty="0" err="1"/>
+                        <a:t>tính</a:t>
+                      </a:r>
+                      <a:r>
+                        <a:rPr lang="en-US" dirty="0"/>
+                        <a:t> chi </a:t>
+                      </a:r>
+                      <a:r>
+                        <a:rPr lang="en-US" dirty="0" err="1"/>
+                        <a:t>phí</a:t>
+                      </a:r>
+                      <a:endParaRPr lang="en-US" dirty="0"/>
+                    </a:p>
+                  </a:txBody>
+                  <a:tcPr/>
+                </a:tc>
+                <a:extLst>
+                  <a:ext uri="{0D108BD9-81ED-4DB2-BD59-A6C34878D82A}">
+                    <a16:rowId xmlns:a16="http://schemas.microsoft.com/office/drawing/2014/main" val="3987562261"/>
+                  </a:ext>
+                </a:extLst>
+              </a:tr>
+              <a:tr h="576072">
+                <a:tc>
+                  <a:txBody>
+                    <a:bodyPr/>
+                    <a:lstStyle/>
+                    <a:p>
+                      <a:r>
+                        <a:rPr lang="en-US" dirty="0" err="1"/>
+                        <a:t>Phạm</a:t>
+                      </a:r>
+                      <a:r>
+                        <a:rPr lang="en-US" dirty="0"/>
+                        <a:t> </a:t>
+                      </a:r>
+                      <a:r>
+                        <a:rPr lang="en-US" dirty="0" err="1"/>
+                        <a:t>Trung</a:t>
+                      </a:r>
+                      <a:r>
+                        <a:rPr lang="en-US" dirty="0"/>
+                        <a:t> </a:t>
+                      </a:r>
+                      <a:r>
+                        <a:rPr lang="en-US" dirty="0" err="1"/>
+                        <a:t>Hiếu</a:t>
+                      </a:r>
+                      <a:endParaRPr lang="en-US" dirty="0"/>
+                    </a:p>
+                  </a:txBody>
+                  <a:tcPr/>
+                </a:tc>
+                <a:tc>
+                  <a:txBody>
+                    <a:bodyPr/>
+                    <a:lstStyle/>
+                    <a:p>
+                      <a:r>
+                        <a:rPr lang="en-US" dirty="0" err="1"/>
+                        <a:t>Thay</a:t>
+                      </a:r>
+                      <a:r>
+                        <a:rPr lang="en-US" dirty="0"/>
+                        <a:t> </a:t>
+                      </a:r>
+                      <a:r>
+                        <a:rPr lang="en-US" dirty="0" err="1"/>
+                        <a:t>đổi</a:t>
+                      </a:r>
+                      <a:r>
+                        <a:rPr lang="en-US" dirty="0"/>
+                        <a:t> </a:t>
+                      </a:r>
+                      <a:r>
+                        <a:rPr lang="en-US" dirty="0" err="1"/>
+                        <a:t>yêu</a:t>
+                      </a:r>
+                      <a:r>
+                        <a:rPr lang="en-US" dirty="0"/>
+                        <a:t> </a:t>
+                      </a:r>
+                      <a:r>
+                        <a:rPr lang="en-US" dirty="0" err="1"/>
+                        <a:t>cầu</a:t>
+                      </a:r>
+                      <a:r>
+                        <a:rPr lang="en-US" dirty="0"/>
+                        <a:t> </a:t>
+                      </a:r>
+                      <a:r>
+                        <a:rPr lang="en-US" dirty="0" err="1"/>
+                        <a:t>khi</a:t>
+                      </a:r>
+                      <a:r>
+                        <a:rPr lang="en-US" dirty="0"/>
+                        <a:t> load </a:t>
+                      </a:r>
+                      <a:r>
+                        <a:rPr lang="en-US" dirty="0" err="1"/>
+                        <a:t>giao</a:t>
+                      </a:r>
+                      <a:r>
+                        <a:rPr lang="en-US" dirty="0"/>
+                        <a:t> </a:t>
+                      </a:r>
+                      <a:r>
+                        <a:rPr lang="en-US" dirty="0" err="1"/>
+                        <a:t>diện</a:t>
+                      </a:r>
+                      <a:endParaRPr lang="en-US" dirty="0"/>
+                    </a:p>
+                    <a:p>
+                      <a:r>
+                        <a:rPr lang="en-US" dirty="0" err="1"/>
+                        <a:t>Cập</a:t>
+                      </a:r>
+                      <a:r>
+                        <a:rPr lang="en-US" dirty="0"/>
+                        <a:t> </a:t>
+                      </a:r>
+                      <a:r>
+                        <a:rPr lang="en-US" dirty="0" err="1"/>
+                        <a:t>nhật</a:t>
+                      </a:r>
+                      <a:r>
+                        <a:rPr lang="en-US" dirty="0"/>
+                        <a:t> </a:t>
+                      </a:r>
+                      <a:r>
+                        <a:rPr lang="en-US" dirty="0" err="1"/>
+                        <a:t>chức</a:t>
+                      </a:r>
+                      <a:r>
+                        <a:rPr lang="en-US" dirty="0"/>
+                        <a:t> </a:t>
+                      </a:r>
+                      <a:r>
+                        <a:rPr lang="en-US" dirty="0" err="1"/>
+                        <a:t>năng</a:t>
+                      </a:r>
+                      <a:r>
+                        <a:rPr lang="en-US" dirty="0"/>
+                        <a:t> </a:t>
+                      </a:r>
+                      <a:r>
+                        <a:rPr lang="en-US" dirty="0" err="1"/>
+                        <a:t>hủy</a:t>
+                      </a:r>
+                      <a:r>
+                        <a:rPr lang="en-US" dirty="0"/>
+                        <a:t> </a:t>
+                      </a:r>
+                      <a:r>
+                        <a:rPr lang="en-US" dirty="0" err="1"/>
+                        <a:t>đơn</a:t>
+                      </a:r>
+                      <a:r>
+                        <a:rPr lang="en-US" dirty="0"/>
+                        <a:t> </a:t>
+                      </a:r>
+                      <a:r>
+                        <a:rPr lang="en-US" dirty="0" err="1"/>
+                        <a:t>hàng</a:t>
+                      </a:r>
+                      <a:endParaRPr lang="en-US" dirty="0"/>
+                    </a:p>
+                  </a:txBody>
+                  <a:tcPr/>
+                </a:tc>
+                <a:extLst>
+                  <a:ext uri="{0D108BD9-81ED-4DB2-BD59-A6C34878D82A}">
+                    <a16:rowId xmlns:a16="http://schemas.microsoft.com/office/drawing/2014/main" val="910979328"/>
+                  </a:ext>
+                </a:extLst>
+              </a:tr>
+              <a:tr h="566928">
+                <a:tc>
+                  <a:txBody>
+                    <a:bodyPr/>
+                    <a:lstStyle/>
+                    <a:p>
+                      <a:r>
+                        <a:rPr lang="en-US" dirty="0" err="1"/>
+                        <a:t>Phạm</a:t>
+                      </a:r>
+                      <a:r>
+                        <a:rPr lang="en-US" dirty="0"/>
+                        <a:t> </a:t>
+                      </a:r>
+                      <a:r>
+                        <a:rPr lang="en-US" dirty="0" err="1"/>
+                        <a:t>Hữu</a:t>
+                      </a:r>
+                      <a:r>
+                        <a:rPr lang="en-US" dirty="0"/>
+                        <a:t> Anh </a:t>
+                      </a:r>
+                      <a:r>
+                        <a:rPr lang="en-US" dirty="0" err="1"/>
+                        <a:t>Quốc</a:t>
+                      </a:r>
+                      <a:endParaRPr lang="en-US" dirty="0"/>
+                    </a:p>
+                  </a:txBody>
+                  <a:tcPr/>
+                </a:tc>
+                <a:tc>
+                  <a:txBody>
+                    <a:bodyPr/>
+                    <a:lstStyle/>
+                    <a:p>
+                      <a:r>
+                        <a:rPr lang="en-US" dirty="0" err="1"/>
+                        <a:t>Thêm</a:t>
+                      </a:r>
+                      <a:r>
+                        <a:rPr lang="en-US" dirty="0"/>
+                        <a:t> </a:t>
+                      </a:r>
+                      <a:r>
+                        <a:rPr lang="en-US" dirty="0" err="1"/>
+                        <a:t>mặt</a:t>
+                      </a:r>
+                      <a:r>
+                        <a:rPr lang="en-US" dirty="0"/>
+                        <a:t> </a:t>
+                      </a:r>
+                      <a:r>
+                        <a:rPr lang="en-US" dirty="0" err="1"/>
+                        <a:t>hàng</a:t>
+                      </a:r>
+                      <a:r>
+                        <a:rPr lang="en-US" dirty="0"/>
+                        <a:t> Media </a:t>
+                      </a:r>
+                      <a:r>
+                        <a:rPr lang="en-US" dirty="0" err="1"/>
+                        <a:t>mới</a:t>
+                      </a:r>
+                      <a:endParaRPr lang="en-US" dirty="0"/>
+                    </a:p>
+                    <a:p>
+                      <a:r>
+                        <a:rPr lang="en-US" dirty="0" err="1"/>
+                        <a:t>Thêm</a:t>
+                      </a:r>
+                      <a:r>
+                        <a:rPr lang="en-US" dirty="0"/>
+                        <a:t> </a:t>
+                      </a:r>
+                      <a:r>
+                        <a:rPr lang="en-US" dirty="0" err="1"/>
+                        <a:t>màn</a:t>
+                      </a:r>
+                      <a:r>
+                        <a:rPr lang="en-US" dirty="0"/>
+                        <a:t> </a:t>
+                      </a:r>
+                      <a:r>
+                        <a:rPr lang="en-US" dirty="0" err="1"/>
+                        <a:t>hình</a:t>
+                      </a:r>
+                      <a:r>
+                        <a:rPr lang="en-US" dirty="0"/>
+                        <a:t> </a:t>
+                      </a:r>
+                      <a:r>
+                        <a:rPr lang="en-US" dirty="0" err="1"/>
+                        <a:t>xem</a:t>
+                      </a:r>
+                      <a:r>
+                        <a:rPr lang="en-US" dirty="0"/>
+                        <a:t> chi </a:t>
+                      </a:r>
+                      <a:r>
+                        <a:rPr lang="en-US" dirty="0" err="1"/>
+                        <a:t>tiết</a:t>
+                      </a:r>
+                      <a:r>
+                        <a:rPr lang="en-US" dirty="0"/>
+                        <a:t> </a:t>
+                      </a:r>
+                      <a:r>
+                        <a:rPr lang="en-US" dirty="0" err="1"/>
+                        <a:t>sản</a:t>
+                      </a:r>
+                      <a:r>
+                        <a:rPr lang="en-US" dirty="0"/>
+                        <a:t> </a:t>
+                      </a:r>
+                      <a:r>
+                        <a:rPr lang="en-US" dirty="0" err="1"/>
+                        <a:t>phẩm</a:t>
+                      </a:r>
+                      <a:endParaRPr lang="en-US" dirty="0"/>
+                    </a:p>
+                  </a:txBody>
+                  <a:tcPr/>
+                </a:tc>
+                <a:extLst>
+                  <a:ext uri="{0D108BD9-81ED-4DB2-BD59-A6C34878D82A}">
+                    <a16:rowId xmlns:a16="http://schemas.microsoft.com/office/drawing/2014/main" val="217496897"/>
+                  </a:ext>
+                </a:extLst>
+              </a:tr>
+              <a:tr h="520409">
+                <a:tc>
+                  <a:txBody>
+                    <a:bodyPr/>
+                    <a:lstStyle/>
+                    <a:p>
+                      <a:r>
+                        <a:rPr lang="en-US" dirty="0" err="1"/>
+                        <a:t>Nguyễn</a:t>
+                      </a:r>
+                      <a:r>
+                        <a:rPr lang="en-US" dirty="0"/>
+                        <a:t> Minh </a:t>
+                      </a:r>
+                      <a:r>
+                        <a:rPr lang="en-US" dirty="0" err="1"/>
+                        <a:t>Tuân</a:t>
+                      </a:r>
+                      <a:endParaRPr lang="en-US" dirty="0"/>
+                    </a:p>
+                  </a:txBody>
+                  <a:tcPr/>
+                </a:tc>
+                <a:tc>
+                  <a:txBody>
+                    <a:bodyPr/>
+                    <a:lstStyle/>
+                    <a:p>
+                      <a:r>
+                        <a:rPr lang="en-US" dirty="0" err="1"/>
+                        <a:t>Thêm</a:t>
+                      </a:r>
+                      <a:r>
+                        <a:rPr lang="en-US" dirty="0"/>
+                        <a:t> </a:t>
+                      </a:r>
+                      <a:r>
+                        <a:rPr lang="en-US" dirty="0" err="1"/>
+                        <a:t>phương</a:t>
+                      </a:r>
+                      <a:r>
+                        <a:rPr lang="en-US" dirty="0"/>
+                        <a:t> </a:t>
+                      </a:r>
+                      <a:r>
+                        <a:rPr lang="en-US" dirty="0" err="1"/>
+                        <a:t>thức</a:t>
+                      </a:r>
+                      <a:r>
+                        <a:rPr lang="en-US" dirty="0"/>
+                        <a:t> </a:t>
+                      </a:r>
+                      <a:r>
+                        <a:rPr lang="en-US" dirty="0" err="1"/>
+                        <a:t>thanh</a:t>
+                      </a:r>
+                      <a:r>
+                        <a:rPr lang="en-US" dirty="0"/>
+                        <a:t> </a:t>
+                      </a:r>
+                      <a:r>
+                        <a:rPr lang="en-US" dirty="0" err="1"/>
+                        <a:t>toán</a:t>
+                      </a:r>
+                      <a:r>
+                        <a:rPr lang="en-US" dirty="0"/>
+                        <a:t> </a:t>
+                      </a:r>
+                      <a:r>
+                        <a:rPr lang="en-US" dirty="0" err="1"/>
+                        <a:t>mới</a:t>
+                      </a:r>
+                      <a:endParaRPr lang="en-US" dirty="0"/>
+                    </a:p>
+                  </a:txBody>
+                  <a:tcPr/>
+                </a:tc>
+                <a:extLst>
+                  <a:ext uri="{0D108BD9-81ED-4DB2-BD59-A6C34878D82A}">
+                    <a16:rowId xmlns:a16="http://schemas.microsoft.com/office/drawing/2014/main" val="2708165701"/>
+                  </a:ext>
+                </a:extLst>
+              </a:tr>
+            </a:tbl>
+          </a:graphicData>
+        </a:graphic>
+      </p:graphicFrame>
     </p:spTree>
     <p:extLst>
       <p:ext uri="{BB962C8B-B14F-4D97-AF65-F5344CB8AC3E}">
@@ -30879,34 +30963,34 @@
           <a:p>
             <a:pPr algn="ctr"/>
             <a:r>
-              <a:rPr lang="en-US" sz="1600" i="1" dirty="0" err="1"/>
+              <a:rPr lang="en-US" sz="1600" dirty="0" err="1"/>
               <a:t>Biểu</a:t>
             </a:r>
             <a:r>
-              <a:rPr lang="en-US" sz="1600" i="1" dirty="0"/>
-              <a:t> </a:t>
-            </a:r>
-            <a:r>
-              <a:rPr lang="en-US" sz="1600" i="1" dirty="0" err="1"/>
+              <a:rPr lang="en-US" sz="1600" dirty="0"/>
+              <a:t> </a:t>
+            </a:r>
+            <a:r>
+              <a:rPr lang="en-US" sz="1600" dirty="0" err="1"/>
               <a:t>đồ</a:t>
             </a:r>
             <a:r>
-              <a:rPr lang="en-US" sz="1600" i="1" dirty="0"/>
+              <a:rPr lang="en-US" sz="1600" dirty="0"/>
               <a:t> use case </a:t>
             </a:r>
             <a:r>
-              <a:rPr lang="en-US" sz="1600" i="1" dirty="0" err="1"/>
+              <a:rPr lang="en-US" sz="1600" dirty="0" err="1"/>
               <a:t>tổng</a:t>
             </a:r>
             <a:r>
-              <a:rPr lang="en-US" sz="1600" i="1" dirty="0"/>
-              <a:t> </a:t>
-            </a:r>
-            <a:r>
-              <a:rPr lang="en-US" sz="1600" i="1" dirty="0" err="1"/>
+              <a:rPr lang="en-US" sz="1600" dirty="0"/>
+              <a:t> </a:t>
+            </a:r>
+            <a:r>
+              <a:rPr lang="en-US" sz="1600" dirty="0" err="1"/>
               <a:t>quan</a:t>
             </a:r>
-            <a:endParaRPr lang="en-US" sz="1600" i="1" dirty="0"/>
+            <a:endParaRPr lang="en-US" sz="1600" dirty="0"/>
           </a:p>
         </p:txBody>
       </p:sp>
